--- a/Proposal/One Page/illustration.pptx
+++ b/Proposal/One Page/illustration.pptx
@@ -6,6 +6,9 @@
   </p:sldMasterIdLst>
   <p:sldIdLst>
     <p:sldId id="256" r:id="rId2"/>
+    <p:sldId id="257" r:id="rId3"/>
+    <p:sldId id="258" r:id="rId4"/>
+    <p:sldId id="259" r:id="rId5"/>
   </p:sldIdLst>
   <p:sldSz cx="12192000" cy="6858000"/>
   <p:notesSz cx="6858000" cy="9144000"/>
@@ -104,6 +107,11 @@
       </a:defRPr>
     </a:lvl9pPr>
   </p:defaultTextStyle>
+  <p:extLst>
+    <p:ext uri="{EFAFB233-063F-42B5-8137-9DF3F51BA10A}">
+      <p15:sldGuideLst xmlns:p15="http://schemas.microsoft.com/office/powerpoint/2012/main"/>
+    </p:ext>
+  </p:extLst>
 </p:presentation>
 </file>
 
@@ -254,7 +262,7 @@
           <a:p>
             <a:fld id="{7F066E50-901D-44D0-A408-47404A15693D}" type="datetimeFigureOut">
               <a:rPr lang="zh-CN" altLang="en-US" smtClean="0"/>
-              <a:t>2022/11/5</a:t>
+              <a:t>2022/12/5</a:t>
             </a:fld>
             <a:endParaRPr lang="zh-CN" altLang="en-US"/>
           </a:p>
@@ -452,7 +460,7 @@
           <a:p>
             <a:fld id="{7F066E50-901D-44D0-A408-47404A15693D}" type="datetimeFigureOut">
               <a:rPr lang="zh-CN" altLang="en-US" smtClean="0"/>
-              <a:t>2022/11/5</a:t>
+              <a:t>2022/12/5</a:t>
             </a:fld>
             <a:endParaRPr lang="zh-CN" altLang="en-US"/>
           </a:p>
@@ -660,7 +668,7 @@
           <a:p>
             <a:fld id="{7F066E50-901D-44D0-A408-47404A15693D}" type="datetimeFigureOut">
               <a:rPr lang="zh-CN" altLang="en-US" smtClean="0"/>
-              <a:t>2022/11/5</a:t>
+              <a:t>2022/12/5</a:t>
             </a:fld>
             <a:endParaRPr lang="zh-CN" altLang="en-US"/>
           </a:p>
@@ -858,7 +866,7 @@
           <a:p>
             <a:fld id="{7F066E50-901D-44D0-A408-47404A15693D}" type="datetimeFigureOut">
               <a:rPr lang="zh-CN" altLang="en-US" smtClean="0"/>
-              <a:t>2022/11/5</a:t>
+              <a:t>2022/12/5</a:t>
             </a:fld>
             <a:endParaRPr lang="zh-CN" altLang="en-US"/>
           </a:p>
@@ -1133,7 +1141,7 @@
           <a:p>
             <a:fld id="{7F066E50-901D-44D0-A408-47404A15693D}" type="datetimeFigureOut">
               <a:rPr lang="zh-CN" altLang="en-US" smtClean="0"/>
-              <a:t>2022/11/5</a:t>
+              <a:t>2022/12/5</a:t>
             </a:fld>
             <a:endParaRPr lang="zh-CN" altLang="en-US"/>
           </a:p>
@@ -1398,7 +1406,7 @@
           <a:p>
             <a:fld id="{7F066E50-901D-44D0-A408-47404A15693D}" type="datetimeFigureOut">
               <a:rPr lang="zh-CN" altLang="en-US" smtClean="0"/>
-              <a:t>2022/11/5</a:t>
+              <a:t>2022/12/5</a:t>
             </a:fld>
             <a:endParaRPr lang="zh-CN" altLang="en-US"/>
           </a:p>
@@ -1810,7 +1818,7 @@
           <a:p>
             <a:fld id="{7F066E50-901D-44D0-A408-47404A15693D}" type="datetimeFigureOut">
               <a:rPr lang="zh-CN" altLang="en-US" smtClean="0"/>
-              <a:t>2022/11/5</a:t>
+              <a:t>2022/12/5</a:t>
             </a:fld>
             <a:endParaRPr lang="zh-CN" altLang="en-US"/>
           </a:p>
@@ -1951,7 +1959,7 @@
           <a:p>
             <a:fld id="{7F066E50-901D-44D0-A408-47404A15693D}" type="datetimeFigureOut">
               <a:rPr lang="zh-CN" altLang="en-US" smtClean="0"/>
-              <a:t>2022/11/5</a:t>
+              <a:t>2022/12/5</a:t>
             </a:fld>
             <a:endParaRPr lang="zh-CN" altLang="en-US"/>
           </a:p>
@@ -2064,7 +2072,7 @@
           <a:p>
             <a:fld id="{7F066E50-901D-44D0-A408-47404A15693D}" type="datetimeFigureOut">
               <a:rPr lang="zh-CN" altLang="en-US" smtClean="0"/>
-              <a:t>2022/11/5</a:t>
+              <a:t>2022/12/5</a:t>
             </a:fld>
             <a:endParaRPr lang="zh-CN" altLang="en-US"/>
           </a:p>
@@ -2375,7 +2383,7 @@
           <a:p>
             <a:fld id="{7F066E50-901D-44D0-A408-47404A15693D}" type="datetimeFigureOut">
               <a:rPr lang="zh-CN" altLang="en-US" smtClean="0"/>
-              <a:t>2022/11/5</a:t>
+              <a:t>2022/12/5</a:t>
             </a:fld>
             <a:endParaRPr lang="zh-CN" altLang="en-US"/>
           </a:p>
@@ -2663,7 +2671,7 @@
           <a:p>
             <a:fld id="{7F066E50-901D-44D0-A408-47404A15693D}" type="datetimeFigureOut">
               <a:rPr lang="zh-CN" altLang="en-US" smtClean="0"/>
-              <a:t>2022/11/5</a:t>
+              <a:t>2022/12/5</a:t>
             </a:fld>
             <a:endParaRPr lang="zh-CN" altLang="en-US"/>
           </a:p>
@@ -2904,7 +2912,7 @@
           <a:p>
             <a:fld id="{7F066E50-901D-44D0-A408-47404A15693D}" type="datetimeFigureOut">
               <a:rPr lang="zh-CN" altLang="en-US" smtClean="0"/>
-              <a:t>2022/11/5</a:t>
+              <a:t>2022/12/5</a:t>
             </a:fld>
             <a:endParaRPr lang="zh-CN" altLang="en-US"/>
           </a:p>
@@ -5954,6 +5962,3480 @@
 </p:sld>
 </file>
 
+<file path=ppt/slides/slide2.xml><?xml version="1.0" encoding="utf-8"?>
+<p:sld xmlns:a="http://schemas.openxmlformats.org/drawingml/2006/main" xmlns:r="http://schemas.openxmlformats.org/officeDocument/2006/relationships" xmlns:p="http://schemas.openxmlformats.org/presentationml/2006/main">
+  <p:cSld>
+    <p:spTree>
+      <p:nvGrpSpPr>
+        <p:cNvPr id="1" name=""/>
+        <p:cNvGrpSpPr/>
+        <p:nvPr/>
+      </p:nvGrpSpPr>
+      <p:grpSpPr>
+        <a:xfrm>
+          <a:off x="0" y="0"/>
+          <a:ext cx="0" cy="0"/>
+          <a:chOff x="0" y="0"/>
+          <a:chExt cx="0" cy="0"/>
+        </a:xfrm>
+      </p:grpSpPr>
+      <p:grpSp>
+        <p:nvGrpSpPr>
+          <p:cNvPr id="59" name="Group 58">
+            <a:extLst>
+              <a:ext uri="{FF2B5EF4-FFF2-40B4-BE49-F238E27FC236}">
+                <a16:creationId xmlns:a16="http://schemas.microsoft.com/office/drawing/2014/main" id="{333B6670-F585-2E6C-FB13-6DDDB3DB2030}"/>
+              </a:ext>
+            </a:extLst>
+          </p:cNvPr>
+          <p:cNvGrpSpPr/>
+          <p:nvPr/>
+        </p:nvGrpSpPr>
+        <p:grpSpPr>
+          <a:xfrm>
+            <a:off x="2268789" y="1160680"/>
+            <a:ext cx="7268370" cy="4908646"/>
+            <a:chOff x="854327" y="1039236"/>
+            <a:chExt cx="7268370" cy="4908646"/>
+          </a:xfrm>
+        </p:grpSpPr>
+        <p:grpSp>
+          <p:nvGrpSpPr>
+            <p:cNvPr id="15" name="Group 14">
+              <a:extLst>
+                <a:ext uri="{FF2B5EF4-FFF2-40B4-BE49-F238E27FC236}">
+                  <a16:creationId xmlns:a16="http://schemas.microsoft.com/office/drawing/2014/main" id="{E08392D3-42E4-9CB6-771F-2C6A09F08E10}"/>
+                </a:ext>
+              </a:extLst>
+            </p:cNvPr>
+            <p:cNvGrpSpPr/>
+            <p:nvPr/>
+          </p:nvGrpSpPr>
+          <p:grpSpPr>
+            <a:xfrm>
+              <a:off x="854327" y="1039236"/>
+              <a:ext cx="2954656" cy="4908646"/>
+              <a:chOff x="1249360" y="852430"/>
+              <a:chExt cx="2954656" cy="4908646"/>
+            </a:xfrm>
+          </p:grpSpPr>
+          <p:sp>
+            <p:nvSpPr>
+              <p:cNvPr id="2" name="Rectangle: Rounded Corners 1">
+                <a:extLst>
+                  <a:ext uri="{FF2B5EF4-FFF2-40B4-BE49-F238E27FC236}">
+                    <a16:creationId xmlns:a16="http://schemas.microsoft.com/office/drawing/2014/main" id="{B9740C81-EC7F-A323-BFB1-6BE075CEE1E4}"/>
+                  </a:ext>
+                </a:extLst>
+              </p:cNvPr>
+              <p:cNvSpPr/>
+              <p:nvPr/>
+            </p:nvSpPr>
+            <p:spPr>
+              <a:xfrm>
+                <a:off x="1249362" y="852488"/>
+                <a:ext cx="2814638" cy="4900611"/>
+              </a:xfrm>
+              <a:prstGeom prst="roundRect">
+                <a:avLst>
+                  <a:gd name="adj" fmla="val 5586"/>
+                </a:avLst>
+              </a:prstGeom>
+              <a:noFill/>
+              <a:ln w="28575">
+                <a:solidFill>
+                  <a:schemeClr val="tx1"/>
+                </a:solidFill>
+              </a:ln>
+            </p:spPr>
+            <p:style>
+              <a:lnRef idx="2">
+                <a:schemeClr val="accent1">
+                  <a:shade val="50000"/>
+                </a:schemeClr>
+              </a:lnRef>
+              <a:fillRef idx="1">
+                <a:schemeClr val="accent1"/>
+              </a:fillRef>
+              <a:effectRef idx="0">
+                <a:schemeClr val="accent1"/>
+              </a:effectRef>
+              <a:fontRef idx="minor">
+                <a:schemeClr val="lt1"/>
+              </a:fontRef>
+            </p:style>
+            <p:txBody>
+              <a:bodyPr rtlCol="0" anchor="ctr"/>
+              <a:lstStyle/>
+              <a:p>
+                <a:pPr algn="ctr"/>
+                <a:r>
+                  <a:rPr lang="en-US" altLang="zh-CN" dirty="0"/>
+                  <a:t>remote_methode_invocation(self, address: tuple, methode: str)</a:t>
+                </a:r>
+                <a:endParaRPr lang="zh-CN" altLang="en-US" dirty="0"/>
+              </a:p>
+            </p:txBody>
+          </p:sp>
+          <p:cxnSp>
+            <p:nvCxnSpPr>
+              <p:cNvPr id="4" name="Straight Connector 3">
+                <a:extLst>
+                  <a:ext uri="{FF2B5EF4-FFF2-40B4-BE49-F238E27FC236}">
+                    <a16:creationId xmlns:a16="http://schemas.microsoft.com/office/drawing/2014/main" id="{836A8D7B-132A-4E39-C630-6BC3048CFF1F}"/>
+                  </a:ext>
+                </a:extLst>
+              </p:cNvPr>
+              <p:cNvCxnSpPr/>
+              <p:nvPr/>
+            </p:nvCxnSpPr>
+            <p:spPr>
+              <a:xfrm>
+                <a:off x="1249362" y="1188244"/>
+                <a:ext cx="2814638" cy="0"/>
+              </a:xfrm>
+              <a:prstGeom prst="line">
+                <a:avLst/>
+              </a:prstGeom>
+              <a:ln w="19050"/>
+            </p:spPr>
+            <p:style>
+              <a:lnRef idx="1">
+                <a:schemeClr val="dk1"/>
+              </a:lnRef>
+              <a:fillRef idx="0">
+                <a:schemeClr val="dk1"/>
+              </a:fillRef>
+              <a:effectRef idx="0">
+                <a:schemeClr val="dk1"/>
+              </a:effectRef>
+              <a:fontRef idx="minor">
+                <a:schemeClr val="tx1"/>
+              </a:fontRef>
+            </p:style>
+          </p:cxnSp>
+          <p:sp>
+            <p:nvSpPr>
+              <p:cNvPr id="5" name="Rectangle 4">
+                <a:extLst>
+                  <a:ext uri="{FF2B5EF4-FFF2-40B4-BE49-F238E27FC236}">
+                    <a16:creationId xmlns:a16="http://schemas.microsoft.com/office/drawing/2014/main" id="{1720A729-EEFD-66D9-3A2C-0726ABC18CB8}"/>
+                  </a:ext>
+                </a:extLst>
+              </p:cNvPr>
+              <p:cNvSpPr/>
+              <p:nvPr/>
+            </p:nvSpPr>
+            <p:spPr>
+              <a:xfrm>
+                <a:off x="1381334" y="852430"/>
+                <a:ext cx="2550698" cy="338554"/>
+              </a:xfrm>
+              <a:prstGeom prst="rect">
+                <a:avLst/>
+              </a:prstGeom>
+              <a:noFill/>
+            </p:spPr>
+            <p:txBody>
+              <a:bodyPr wrap="none" lIns="91440" tIns="45720" rIns="91440" bIns="45720">
+                <a:spAutoFit/>
+              </a:bodyPr>
+              <a:lstStyle/>
+              <a:p>
+                <a:pPr algn="ctr"/>
+                <a:r>
+                  <a:rPr lang="en-US" altLang="zh-CN" sz="1600" b="1" cap="none" spc="0" dirty="0">
+                    <a:ln w="0"/>
+                    <a:solidFill>
+                      <a:schemeClr val="tx1"/>
+                    </a:solidFill>
+                    <a:effectLst>
+                      <a:outerShdw blurRad="38100" dist="19050" dir="2700000" algn="tl" rotWithShape="0">
+                        <a:schemeClr val="dk1">
+                          <a:alpha val="40000"/>
+                        </a:schemeClr>
+                      </a:outerShdw>
+                    </a:effectLst>
+                  </a:rPr>
+                  <a:t>Class auction_component</a:t>
+                </a:r>
+              </a:p>
+            </p:txBody>
+          </p:sp>
+          <p:sp>
+            <p:nvSpPr>
+              <p:cNvPr id="7" name="Rectangle 6">
+                <a:extLst>
+                  <a:ext uri="{FF2B5EF4-FFF2-40B4-BE49-F238E27FC236}">
+                    <a16:creationId xmlns:a16="http://schemas.microsoft.com/office/drawing/2014/main" id="{86ABF104-ECE9-D33C-F17C-211B545897FF}"/>
+                  </a:ext>
+                </a:extLst>
+              </p:cNvPr>
+              <p:cNvSpPr/>
+              <p:nvPr/>
+            </p:nvSpPr>
+            <p:spPr>
+              <a:xfrm>
+                <a:off x="1249362" y="1188244"/>
+                <a:ext cx="2031325" cy="1384995"/>
+              </a:xfrm>
+              <a:prstGeom prst="rect">
+                <a:avLst/>
+              </a:prstGeom>
+              <a:noFill/>
+            </p:spPr>
+            <p:txBody>
+              <a:bodyPr wrap="none" lIns="91440" tIns="45720" rIns="91440" bIns="45720">
+                <a:spAutoFit/>
+              </a:bodyPr>
+              <a:lstStyle/>
+              <a:p>
+                <a:r>
+                  <a:rPr lang="en-US" altLang="zh-CN" sz="1400" cap="none" spc="0" dirty="0">
+                    <a:ln w="0"/>
+                    <a:solidFill>
+                      <a:schemeClr val="tx1"/>
+                    </a:solidFill>
+                    <a:effectLst>
+                      <a:outerShdw blurRad="38100" dist="19050" dir="2700000" algn="tl" rotWithShape="0">
+                        <a:schemeClr val="dk1">
+                          <a:alpha val="40000"/>
+                        </a:schemeClr>
+                      </a:outerShdw>
+                    </a:effectLst>
+                  </a:rPr>
+                  <a:t>@abstractmethod</a:t>
+                </a:r>
+              </a:p>
+              <a:p>
+                <a:r>
+                  <a:rPr lang="en-US" altLang="zh-CN" sz="1400" cap="none" spc="0" dirty="0">
+                    <a:ln w="0"/>
+                    <a:solidFill>
+                      <a:schemeClr val="tx1"/>
+                    </a:solidFill>
+                    <a:effectLst>
+                      <a:outerShdw blurRad="38100" dist="19050" dir="2700000" algn="tl" rotWithShape="0">
+                        <a:schemeClr val="dk1">
+                          <a:alpha val="40000"/>
+                        </a:schemeClr>
+                      </a:outerShdw>
+                    </a:effectLst>
+                  </a:rPr>
+                  <a:t>logic(self, request)	</a:t>
+                </a:r>
+              </a:p>
+              <a:p>
+                <a:r>
+                  <a:rPr lang="en-US" altLang="zh-CN" sz="1400" cap="none" spc="0" dirty="0">
+                    <a:ln w="0"/>
+                    <a:solidFill>
+                      <a:schemeClr val="tx1"/>
+                    </a:solidFill>
+                    <a:effectLst>
+                      <a:outerShdw blurRad="38100" dist="19050" dir="2700000" algn="tl" rotWithShape="0">
+                        <a:schemeClr val="dk1">
+                          <a:alpha val="40000"/>
+                        </a:schemeClr>
+                      </a:outerShdw>
+                    </a:effectLst>
+                  </a:rPr>
+                  <a:t>report(self) </a:t>
+                </a:r>
+              </a:p>
+              <a:p>
+                <a:r>
+                  <a:rPr lang="en-US" altLang="zh-CN" sz="1400" cap="none" spc="0" dirty="0">
+                    <a:ln w="0"/>
+                    <a:solidFill>
+                      <a:schemeClr val="tx1"/>
+                    </a:solidFill>
+                    <a:effectLst>
+                      <a:outerShdw blurRad="38100" dist="19050" dir="2700000" algn="tl" rotWithShape="0">
+                        <a:schemeClr val="dk1">
+                          <a:alpha val="40000"/>
+                        </a:schemeClr>
+                      </a:outerShdw>
+                    </a:effectLst>
+                  </a:rPr>
+                  <a:t>interface(self)</a:t>
+                </a:r>
+              </a:p>
+              <a:p>
+                <a:r>
+                  <a:rPr lang="en-US" altLang="zh-CN" sz="1400" cap="none" spc="0" dirty="0">
+                    <a:ln w="0"/>
+                    <a:solidFill>
+                      <a:schemeClr val="tx1"/>
+                    </a:solidFill>
+                    <a:effectLst>
+                      <a:outerShdw blurRad="38100" dist="19050" dir="2700000" algn="tl" rotWithShape="0">
+                        <a:schemeClr val="dk1">
+                          <a:alpha val="40000"/>
+                        </a:schemeClr>
+                      </a:outerShdw>
+                    </a:effectLst>
+                  </a:rPr>
+                  <a:t>state_update(self)</a:t>
+                </a:r>
+              </a:p>
+              <a:p>
+                <a:endParaRPr lang="en-US" altLang="zh-CN" sz="1400" cap="none" spc="0" dirty="0">
+                  <a:ln w="0"/>
+                  <a:solidFill>
+                    <a:schemeClr val="tx1"/>
+                  </a:solidFill>
+                  <a:effectLst>
+                    <a:outerShdw blurRad="38100" dist="19050" dir="2700000" algn="tl" rotWithShape="0">
+                      <a:schemeClr val="dk1">
+                        <a:alpha val="40000"/>
+                      </a:schemeClr>
+                    </a:outerShdw>
+                  </a:effectLst>
+                </a:endParaRPr>
+              </a:p>
+            </p:txBody>
+          </p:sp>
+          <p:cxnSp>
+            <p:nvCxnSpPr>
+              <p:cNvPr id="9" name="Straight Connector 8">
+                <a:extLst>
+                  <a:ext uri="{FF2B5EF4-FFF2-40B4-BE49-F238E27FC236}">
+                    <a16:creationId xmlns:a16="http://schemas.microsoft.com/office/drawing/2014/main" id="{EBC7EC04-CDB6-539B-78F3-11590BD55E73}"/>
+                  </a:ext>
+                </a:extLst>
+              </p:cNvPr>
+              <p:cNvCxnSpPr/>
+              <p:nvPr/>
+            </p:nvCxnSpPr>
+            <p:spPr>
+              <a:xfrm>
+                <a:off x="1249362" y="2362200"/>
+                <a:ext cx="2814638" cy="0"/>
+              </a:xfrm>
+              <a:prstGeom prst="line">
+                <a:avLst/>
+              </a:prstGeom>
+              <a:ln w="19050"/>
+            </p:spPr>
+            <p:style>
+              <a:lnRef idx="1">
+                <a:schemeClr val="dk1"/>
+              </a:lnRef>
+              <a:fillRef idx="0">
+                <a:schemeClr val="dk1"/>
+              </a:fillRef>
+              <a:effectRef idx="0">
+                <a:schemeClr val="dk1"/>
+              </a:effectRef>
+              <a:fontRef idx="minor">
+                <a:schemeClr val="tx1"/>
+              </a:fontRef>
+            </p:style>
+          </p:cxnSp>
+          <p:sp>
+            <p:nvSpPr>
+              <p:cNvPr id="10" name="Rectangle 9">
+                <a:extLst>
+                  <a:ext uri="{FF2B5EF4-FFF2-40B4-BE49-F238E27FC236}">
+                    <a16:creationId xmlns:a16="http://schemas.microsoft.com/office/drawing/2014/main" id="{AB06ABD3-1B2C-D3CC-D373-1D9B7A7CC7D5}"/>
+                  </a:ext>
+                </a:extLst>
+              </p:cNvPr>
+              <p:cNvSpPr/>
+              <p:nvPr/>
+            </p:nvSpPr>
+            <p:spPr>
+              <a:xfrm>
+                <a:off x="1249361" y="2362200"/>
+                <a:ext cx="2954655" cy="954107"/>
+              </a:xfrm>
+              <a:prstGeom prst="rect">
+                <a:avLst/>
+              </a:prstGeom>
+              <a:noFill/>
+            </p:spPr>
+            <p:txBody>
+              <a:bodyPr wrap="none" lIns="91440" tIns="45720" rIns="91440" bIns="45720">
+                <a:spAutoFit/>
+              </a:bodyPr>
+              <a:lstStyle/>
+              <a:p>
+                <a:r>
+                  <a:rPr lang="en-US" altLang="zh-CN" sz="1400" cap="none" spc="0" dirty="0">
+                    <a:ln w="0"/>
+                    <a:solidFill>
+                      <a:schemeClr val="tx1"/>
+                    </a:solidFill>
+                    <a:effectLst>
+                      <a:outerShdw blurRad="38100" dist="19050" dir="2700000" algn="tl" rotWithShape="0">
+                        <a:schemeClr val="dk1">
+                          <a:alpha val="40000"/>
+                        </a:schemeClr>
+                      </a:outerShdw>
+                    </a:effectLst>
+                  </a:rPr>
+                  <a:t>@staticmethod</a:t>
+                </a:r>
+                <a:endParaRPr lang="en-US" altLang="zh-CN" sz="1400" dirty="0">
+                  <a:ln w="0"/>
+                  <a:effectLst>
+                    <a:outerShdw blurRad="38100" dist="19050" dir="2700000" algn="tl" rotWithShape="0">
+                      <a:schemeClr val="dk1">
+                        <a:alpha val="40000"/>
+                      </a:schemeClr>
+                    </a:outerShdw>
+                  </a:effectLst>
+                </a:endParaRPr>
+              </a:p>
+              <a:p>
+                <a:r>
+                  <a:rPr lang="en-US" altLang="zh-CN" sz="1400" cap="none" spc="0" dirty="0">
+                    <a:ln w="0"/>
+                    <a:solidFill>
+                      <a:schemeClr val="tx1"/>
+                    </a:solidFill>
+                    <a:effectLst>
+                      <a:outerShdw blurRad="38100" dist="19050" dir="2700000" algn="tl" rotWithShape="0">
+                        <a:schemeClr val="dk1">
+                          <a:alpha val="40000"/>
+                        </a:schemeClr>
+                      </a:outerShdw>
+                    </a:effectLst>
+                  </a:rPr>
+                  <a:t>udp_send_without_response(a, m)	</a:t>
+                </a:r>
+              </a:p>
+              <a:p>
+                <a:r>
+                  <a:rPr lang="en-US" altLang="zh-CN" sz="1400" cap="none" spc="0" dirty="0">
+                    <a:ln w="0"/>
+                    <a:solidFill>
+                      <a:schemeClr val="tx1"/>
+                    </a:solidFill>
+                    <a:effectLst>
+                      <a:outerShdw blurRad="38100" dist="19050" dir="2700000" algn="tl" rotWithShape="0">
+                        <a:schemeClr val="dk1">
+                          <a:alpha val="40000"/>
+                        </a:schemeClr>
+                      </a:outerShdw>
+                    </a:effectLst>
+                  </a:rPr>
+                  <a:t>clear_screen()</a:t>
+                </a:r>
+              </a:p>
+              <a:p>
+                <a:r>
+                  <a:rPr lang="en-US" altLang="zh-CN" sz="1400" cap="none" spc="0" dirty="0">
+                    <a:ln w="0"/>
+                    <a:solidFill>
+                      <a:schemeClr val="tx1"/>
+                    </a:solidFill>
+                    <a:effectLst>
+                      <a:outerShdw blurRad="38100" dist="19050" dir="2700000" algn="tl" rotWithShape="0">
+                        <a:schemeClr val="dk1">
+                          <a:alpha val="40000"/>
+                        </a:schemeClr>
+                      </a:outerShdw>
+                    </a:effectLst>
+                  </a:rPr>
+                  <a:t>print_message(message)</a:t>
+                </a:r>
+              </a:p>
+            </p:txBody>
+          </p:sp>
+          <p:cxnSp>
+            <p:nvCxnSpPr>
+              <p:cNvPr id="13" name="Straight Connector 12">
+                <a:extLst>
+                  <a:ext uri="{FF2B5EF4-FFF2-40B4-BE49-F238E27FC236}">
+                    <a16:creationId xmlns:a16="http://schemas.microsoft.com/office/drawing/2014/main" id="{B343D7B3-52E3-C28E-2DB9-CBC27BF2DAEE}"/>
+                  </a:ext>
+                </a:extLst>
+              </p:cNvPr>
+              <p:cNvCxnSpPr/>
+              <p:nvPr/>
+            </p:nvCxnSpPr>
+            <p:spPr>
+              <a:xfrm>
+                <a:off x="1249361" y="3316307"/>
+                <a:ext cx="2814638" cy="0"/>
+              </a:xfrm>
+              <a:prstGeom prst="line">
+                <a:avLst/>
+              </a:prstGeom>
+              <a:ln w="19050"/>
+            </p:spPr>
+            <p:style>
+              <a:lnRef idx="1">
+                <a:schemeClr val="dk1"/>
+              </a:lnRef>
+              <a:fillRef idx="0">
+                <a:schemeClr val="dk1"/>
+              </a:fillRef>
+              <a:effectRef idx="0">
+                <a:schemeClr val="dk1"/>
+              </a:effectRef>
+              <a:fontRef idx="minor">
+                <a:schemeClr val="tx1"/>
+              </a:fontRef>
+            </p:style>
+          </p:cxnSp>
+          <p:sp>
+            <p:nvSpPr>
+              <p:cNvPr id="14" name="Rectangle 13">
+                <a:extLst>
+                  <a:ext uri="{FF2B5EF4-FFF2-40B4-BE49-F238E27FC236}">
+                    <a16:creationId xmlns:a16="http://schemas.microsoft.com/office/drawing/2014/main" id="{FD93E9CA-7E32-F20A-E61C-E360506DD44E}"/>
+                  </a:ext>
+                </a:extLst>
+              </p:cNvPr>
+              <p:cNvSpPr/>
+              <p:nvPr/>
+            </p:nvSpPr>
+            <p:spPr>
+              <a:xfrm>
+                <a:off x="1249360" y="3298863"/>
+                <a:ext cx="2954655" cy="2462213"/>
+              </a:xfrm>
+              <a:prstGeom prst="rect">
+                <a:avLst/>
+              </a:prstGeom>
+              <a:noFill/>
+            </p:spPr>
+            <p:txBody>
+              <a:bodyPr wrap="none" lIns="91440" tIns="45720" rIns="91440" bIns="45720">
+                <a:spAutoFit/>
+              </a:bodyPr>
+              <a:lstStyle/>
+              <a:p>
+                <a:r>
+                  <a:rPr lang="en-US" altLang="zh-CN" sz="1400" dirty="0">
+                    <a:ln w="0"/>
+                    <a:effectLst>
+                      <a:outerShdw blurRad="38100" dist="19050" dir="2700000" algn="tl" rotWithShape="0">
+                        <a:schemeClr val="dk1">
+                          <a:alpha val="40000"/>
+                        </a:schemeClr>
+                      </a:outerShdw>
+                    </a:effectLst>
+                  </a:rPr>
+                  <a:t>create_message(self, M, C, S= 0)</a:t>
+                </a:r>
+              </a:p>
+              <a:p>
+                <a:r>
+                  <a:rPr lang="en-US" altLang="zh-CN" sz="1400" cap="none" spc="0" dirty="0">
+                    <a:ln w="0"/>
+                    <a:solidFill>
+                      <a:schemeClr val="tx1"/>
+                    </a:solidFill>
+                    <a:effectLst>
+                      <a:outerShdw blurRad="38100" dist="19050" dir="2700000" algn="tl" rotWithShape="0">
+                        <a:schemeClr val="dk1">
+                          <a:alpha val="40000"/>
+                        </a:schemeClr>
+                      </a:outerShdw>
+                    </a:effectLst>
+                  </a:rPr>
+                  <a:t>receive(self, message: dict)	</a:t>
+                </a:r>
+              </a:p>
+              <a:p>
+                <a:r>
+                  <a:rPr lang="en-US" altLang="zh-CN" sz="1400" cap="none" spc="0" dirty="0">
+                    <a:ln w="0"/>
+                    <a:solidFill>
+                      <a:schemeClr val="tx1"/>
+                    </a:solidFill>
+                    <a:effectLst>
+                      <a:outerShdw blurRad="38100" dist="19050" dir="2700000" algn="tl" rotWithShape="0">
+                        <a:schemeClr val="dk1">
+                          <a:alpha val="40000"/>
+                        </a:schemeClr>
+                      </a:outerShdw>
+                    </a:effectLst>
+                  </a:rPr>
+                  <a:t>deliver(self, message: dict)</a:t>
+                </a:r>
+              </a:p>
+              <a:p>
+                <a:r>
+                  <a:rPr lang="en-US" altLang="zh-CN" sz="1400" cap="none" spc="0" dirty="0">
+                    <a:ln w="0"/>
+                    <a:solidFill>
+                      <a:schemeClr val="tx1"/>
+                    </a:solidFill>
+                    <a:effectLst>
+                      <a:outerShdw blurRad="38100" dist="19050" dir="2700000" algn="tl" rotWithShape="0">
+                        <a:schemeClr val="dk1">
+                          <a:alpha val="40000"/>
+                        </a:schemeClr>
+                      </a:outerShdw>
+                    </a:effectLst>
+                  </a:rPr>
+                  <a:t>broadcast_send(self, message: dict)</a:t>
+                </a:r>
+              </a:p>
+              <a:p>
+                <a:r>
+                  <a:rPr lang="en-US" altLang="zh-CN" sz="1400" cap="none" spc="0" dirty="0">
+                    <a:ln w="0"/>
+                    <a:solidFill>
+                      <a:schemeClr val="tx1"/>
+                    </a:solidFill>
+                    <a:effectLst>
+                      <a:outerShdw blurRad="38100" dist="19050" dir="2700000" algn="tl" rotWithShape="0">
+                        <a:schemeClr val="dk1">
+                          <a:alpha val="40000"/>
+                        </a:schemeClr>
+                      </a:outerShdw>
+                    </a:effectLst>
+                  </a:rPr>
+                  <a:t>broadcast_listen(self)</a:t>
+                </a:r>
+              </a:p>
+              <a:p>
+                <a:r>
+                  <a:rPr lang="en-US" altLang="zh-CN" sz="1400" cap="none" spc="0" dirty="0">
+                    <a:ln w="0"/>
+                    <a:solidFill>
+                      <a:schemeClr val="tx1"/>
+                    </a:solidFill>
+                    <a:effectLst>
+                      <a:outerShdw blurRad="38100" dist="19050" dir="2700000" algn="tl" rotWithShape="0">
+                        <a:schemeClr val="dk1">
+                          <a:alpha val="40000"/>
+                        </a:schemeClr>
+                      </a:outerShdw>
+                    </a:effectLst>
+                  </a:rPr>
+                  <a:t>udp_listen(self)</a:t>
+                </a:r>
+              </a:p>
+              <a:p>
+                <a:r>
+                  <a:rPr lang="en-US" altLang="zh-CN" sz="1400" cap="none" spc="0" dirty="0">
+                    <a:ln w="0"/>
+                    <a:solidFill>
+                      <a:schemeClr val="tx1"/>
+                    </a:solidFill>
+                    <a:effectLst>
+                      <a:outerShdw blurRad="38100" dist="19050" dir="2700000" algn="tl" rotWithShape="0">
+                        <a:schemeClr val="dk1">
+                          <a:alpha val="40000"/>
+                        </a:schemeClr>
+                      </a:outerShdw>
+                    </a:effectLst>
+                  </a:rPr>
+                  <a:t>find_others(self)</a:t>
+                </a:r>
+              </a:p>
+              <a:p>
+                <a:r>
+                  <a:rPr lang="en-US" altLang="zh-CN" sz="1400" cap="none" spc="0" dirty="0">
+                    <a:ln w="0"/>
+                    <a:solidFill>
+                      <a:schemeClr val="tx1"/>
+                    </a:solidFill>
+                    <a:effectLst>
+                      <a:outerShdw blurRad="38100" dist="19050" dir="2700000" algn="tl" rotWithShape="0">
+                        <a:schemeClr val="dk1">
+                          <a:alpha val="40000"/>
+                        </a:schemeClr>
+                      </a:outerShdw>
+                    </a:effectLst>
+                  </a:rPr>
+                  <a:t>join(self, address, inform= False)</a:t>
+                </a:r>
+              </a:p>
+              <a:p>
+                <a:r>
+                  <a:rPr lang="en-US" altLang="zh-CN" sz="1400" cap="none" spc="0" dirty="0">
+                    <a:ln w="0"/>
+                    <a:solidFill>
+                      <a:schemeClr val="tx1"/>
+                    </a:solidFill>
+                    <a:effectLst>
+                      <a:outerShdw blurRad="38100" dist="19050" dir="2700000" algn="tl" rotWithShape="0">
+                        <a:schemeClr val="dk1">
+                          <a:alpha val="40000"/>
+                        </a:schemeClr>
+                      </a:outerShdw>
+                    </a:effectLst>
+                  </a:rPr>
+                  <a:t>forward(self, address, request)</a:t>
+                </a:r>
+              </a:p>
+              <a:p>
+                <a:r>
+                  <a:rPr lang="en-US" altLang="zh-CN" sz="1400" cap="none" spc="0" dirty="0">
+                    <a:ln w="0"/>
+                    <a:solidFill>
+                      <a:schemeClr val="tx1"/>
+                    </a:solidFill>
+                    <a:effectLst>
+                      <a:outerShdw blurRad="38100" dist="19050" dir="2700000" algn="tl" rotWithShape="0">
+                        <a:schemeClr val="dk1">
+                          <a:alpha val="40000"/>
+                        </a:schemeClr>
+                      </a:outerShdw>
+                    </a:effectLst>
+                  </a:rPr>
+                  <a:t>remote_methode_invocation(self, </a:t>
+                </a:r>
+              </a:p>
+              <a:p>
+                <a:r>
+                  <a:rPr lang="en-US" altLang="zh-CN" sz="1400" cap="none" spc="0" dirty="0">
+                    <a:ln w="0"/>
+                    <a:solidFill>
+                      <a:schemeClr val="tx1"/>
+                    </a:solidFill>
+                    <a:effectLst>
+                      <a:outerShdw blurRad="38100" dist="19050" dir="2700000" algn="tl" rotWithShape="0">
+                        <a:schemeClr val="dk1">
+                          <a:alpha val="40000"/>
+                        </a:schemeClr>
+                      </a:outerShdw>
+                    </a:effectLst>
+                  </a:rPr>
+                  <a:t>      address: tuple, methode: str)</a:t>
+                </a:r>
+              </a:p>
+            </p:txBody>
+          </p:sp>
+        </p:grpSp>
+        <p:grpSp>
+          <p:nvGrpSpPr>
+            <p:cNvPr id="23" name="Group 22">
+              <a:extLst>
+                <a:ext uri="{FF2B5EF4-FFF2-40B4-BE49-F238E27FC236}">
+                  <a16:creationId xmlns:a16="http://schemas.microsoft.com/office/drawing/2014/main" id="{96C0C3E8-7D30-1B20-893B-40EE2E8B8A8C}"/>
+                </a:ext>
+              </a:extLst>
+            </p:cNvPr>
+            <p:cNvGrpSpPr/>
+            <p:nvPr/>
+          </p:nvGrpSpPr>
+          <p:grpSpPr>
+            <a:xfrm>
+              <a:off x="4706925" y="1041868"/>
+              <a:ext cx="3415772" cy="1912561"/>
+              <a:chOff x="5381095" y="849690"/>
+              <a:chExt cx="3415772" cy="1912561"/>
+            </a:xfrm>
+          </p:grpSpPr>
+          <p:sp>
+            <p:nvSpPr>
+              <p:cNvPr id="16" name="Rectangle: Rounded Corners 15">
+                <a:extLst>
+                  <a:ext uri="{FF2B5EF4-FFF2-40B4-BE49-F238E27FC236}">
+                    <a16:creationId xmlns:a16="http://schemas.microsoft.com/office/drawing/2014/main" id="{B012295A-BBFF-BAA0-8478-0FF0CF894860}"/>
+                  </a:ext>
+                </a:extLst>
+              </p:cNvPr>
+              <p:cNvSpPr/>
+              <p:nvPr/>
+            </p:nvSpPr>
+            <p:spPr>
+              <a:xfrm>
+                <a:off x="5381095" y="852489"/>
+                <a:ext cx="3415772" cy="1909762"/>
+              </a:xfrm>
+              <a:prstGeom prst="roundRect">
+                <a:avLst>
+                  <a:gd name="adj" fmla="val 5586"/>
+                </a:avLst>
+              </a:prstGeom>
+              <a:noFill/>
+              <a:ln w="28575">
+                <a:solidFill>
+                  <a:schemeClr val="tx1"/>
+                </a:solidFill>
+              </a:ln>
+            </p:spPr>
+            <p:style>
+              <a:lnRef idx="2">
+                <a:schemeClr val="accent1">
+                  <a:shade val="50000"/>
+                </a:schemeClr>
+              </a:lnRef>
+              <a:fillRef idx="1">
+                <a:schemeClr val="accent1"/>
+              </a:fillRef>
+              <a:effectRef idx="0">
+                <a:schemeClr val="accent1"/>
+              </a:effectRef>
+              <a:fontRef idx="minor">
+                <a:schemeClr val="lt1"/>
+              </a:fontRef>
+            </p:style>
+            <p:txBody>
+              <a:bodyPr rtlCol="0" anchor="ctr"/>
+              <a:lstStyle/>
+              <a:p>
+                <a:pPr algn="ctr"/>
+                <a:r>
+                  <a:rPr lang="en-US" altLang="zh-CN" dirty="0"/>
+                  <a:t>remote_methode_invocation(self, address: tuple, methode: str)</a:t>
+                </a:r>
+                <a:endParaRPr lang="zh-CN" altLang="en-US" dirty="0"/>
+              </a:p>
+            </p:txBody>
+          </p:sp>
+          <p:cxnSp>
+            <p:nvCxnSpPr>
+              <p:cNvPr id="17" name="Straight Connector 16">
+                <a:extLst>
+                  <a:ext uri="{FF2B5EF4-FFF2-40B4-BE49-F238E27FC236}">
+                    <a16:creationId xmlns:a16="http://schemas.microsoft.com/office/drawing/2014/main" id="{9F12B7E8-84D1-C0DD-D59B-26F69D3711B5}"/>
+                  </a:ext>
+                </a:extLst>
+              </p:cNvPr>
+              <p:cNvCxnSpPr>
+                <a:cxnSpLocks/>
+              </p:cNvCxnSpPr>
+              <p:nvPr/>
+            </p:nvCxnSpPr>
+            <p:spPr>
+              <a:xfrm>
+                <a:off x="5381096" y="1188244"/>
+                <a:ext cx="3415771" cy="0"/>
+              </a:xfrm>
+              <a:prstGeom prst="line">
+                <a:avLst/>
+              </a:prstGeom>
+              <a:ln w="19050"/>
+            </p:spPr>
+            <p:style>
+              <a:lnRef idx="1">
+                <a:schemeClr val="dk1"/>
+              </a:lnRef>
+              <a:fillRef idx="0">
+                <a:schemeClr val="dk1"/>
+              </a:fillRef>
+              <a:effectRef idx="0">
+                <a:schemeClr val="dk1"/>
+              </a:effectRef>
+              <a:fontRef idx="minor">
+                <a:schemeClr val="tx1"/>
+              </a:fontRef>
+            </p:style>
+          </p:cxnSp>
+          <p:sp>
+            <p:nvSpPr>
+              <p:cNvPr id="18" name="Rectangle 17">
+                <a:extLst>
+                  <a:ext uri="{FF2B5EF4-FFF2-40B4-BE49-F238E27FC236}">
+                    <a16:creationId xmlns:a16="http://schemas.microsoft.com/office/drawing/2014/main" id="{4E06A233-01E6-4359-7E79-3DB4B2905CB9}"/>
+                  </a:ext>
+                </a:extLst>
+              </p:cNvPr>
+              <p:cNvSpPr/>
+              <p:nvPr/>
+            </p:nvSpPr>
+            <p:spPr>
+              <a:xfrm>
+                <a:off x="5472412" y="849690"/>
+                <a:ext cx="3273653" cy="338554"/>
+              </a:xfrm>
+              <a:prstGeom prst="rect">
+                <a:avLst/>
+              </a:prstGeom>
+              <a:noFill/>
+            </p:spPr>
+            <p:txBody>
+              <a:bodyPr wrap="none" lIns="91440" tIns="45720" rIns="91440" bIns="45720">
+                <a:spAutoFit/>
+              </a:bodyPr>
+              <a:lstStyle/>
+              <a:p>
+                <a:pPr algn="ctr"/>
+                <a:r>
+                  <a:rPr lang="en-US" altLang="zh-CN" sz="1600" b="1" cap="none" spc="0" dirty="0">
+                    <a:ln w="0"/>
+                    <a:solidFill>
+                      <a:schemeClr val="tx1"/>
+                    </a:solidFill>
+                    <a:effectLst>
+                      <a:outerShdw blurRad="38100" dist="19050" dir="2700000" algn="tl" rotWithShape="0">
+                        <a:schemeClr val="dk1">
+                          <a:alpha val="40000"/>
+                        </a:schemeClr>
+                      </a:outerShdw>
+                    </a:effectLst>
+                  </a:rPr>
+                  <a:t>Class Server(auction_component)</a:t>
+                </a:r>
+              </a:p>
+            </p:txBody>
+          </p:sp>
+          <p:sp>
+            <p:nvSpPr>
+              <p:cNvPr id="20" name="Rectangle 19">
+                <a:extLst>
+                  <a:ext uri="{FF2B5EF4-FFF2-40B4-BE49-F238E27FC236}">
+                    <a16:creationId xmlns:a16="http://schemas.microsoft.com/office/drawing/2014/main" id="{F14A4BAA-A7DC-3808-71AE-1CBEB54BFC55}"/>
+                  </a:ext>
+                </a:extLst>
+              </p:cNvPr>
+              <p:cNvSpPr/>
+              <p:nvPr/>
+            </p:nvSpPr>
+            <p:spPr>
+              <a:xfrm>
+                <a:off x="5421610" y="1188244"/>
+                <a:ext cx="2000869" cy="523220"/>
+              </a:xfrm>
+              <a:prstGeom prst="rect">
+                <a:avLst/>
+              </a:prstGeom>
+              <a:noFill/>
+            </p:spPr>
+            <p:txBody>
+              <a:bodyPr wrap="none" lIns="91440" tIns="45720" rIns="91440" bIns="45720">
+                <a:spAutoFit/>
+              </a:bodyPr>
+              <a:lstStyle/>
+              <a:p>
+                <a:r>
+                  <a:rPr lang="en-US" altLang="zh-CN" sz="1400" cap="none" spc="0" dirty="0">
+                    <a:ln w="0"/>
+                    <a:solidFill>
+                      <a:schemeClr val="tx1"/>
+                    </a:solidFill>
+                    <a:effectLst>
+                      <a:outerShdw blurRad="38100" dist="19050" dir="2700000" algn="tl" rotWithShape="0">
+                        <a:schemeClr val="dk1">
+                          <a:alpha val="40000"/>
+                        </a:schemeClr>
+                      </a:outerShdw>
+                    </a:effectLst>
+                  </a:rPr>
+                  <a:t>@staticmethod</a:t>
+                </a:r>
+                <a:endParaRPr lang="en-US" altLang="zh-CN" sz="1400" dirty="0">
+                  <a:ln w="0"/>
+                  <a:effectLst>
+                    <a:outerShdw blurRad="38100" dist="19050" dir="2700000" algn="tl" rotWithShape="0">
+                      <a:schemeClr val="dk1">
+                        <a:alpha val="40000"/>
+                      </a:schemeClr>
+                    </a:outerShdw>
+                  </a:effectLst>
+                </a:endParaRPr>
+              </a:p>
+              <a:p>
+                <a:r>
+                  <a:rPr lang="en-US" altLang="zh-CN" sz="1400" cap="none" spc="0" dirty="0">
+                    <a:ln w="0"/>
+                    <a:solidFill>
+                      <a:schemeClr val="tx1"/>
+                    </a:solidFill>
+                    <a:effectLst>
+                      <a:outerShdw blurRad="38100" dist="19050" dir="2700000" algn="tl" rotWithShape="0">
+                        <a:schemeClr val="dk1">
+                          <a:alpha val="40000"/>
+                        </a:schemeClr>
+                      </a:outerShdw>
+                    </a:effectLst>
+                  </a:rPr>
+                  <a:t>already_in(iD, table: list)</a:t>
+                </a:r>
+              </a:p>
+            </p:txBody>
+          </p:sp>
+          <p:cxnSp>
+            <p:nvCxnSpPr>
+              <p:cNvPr id="21" name="Straight Connector 20">
+                <a:extLst>
+                  <a:ext uri="{FF2B5EF4-FFF2-40B4-BE49-F238E27FC236}">
+                    <a16:creationId xmlns:a16="http://schemas.microsoft.com/office/drawing/2014/main" id="{6675115F-FA9F-D281-184D-90545AEE271E}"/>
+                  </a:ext>
+                </a:extLst>
+              </p:cNvPr>
+              <p:cNvCxnSpPr>
+                <a:cxnSpLocks/>
+              </p:cNvCxnSpPr>
+              <p:nvPr/>
+            </p:nvCxnSpPr>
+            <p:spPr>
+              <a:xfrm>
+                <a:off x="5381095" y="1711464"/>
+                <a:ext cx="3415771" cy="0"/>
+              </a:xfrm>
+              <a:prstGeom prst="line">
+                <a:avLst/>
+              </a:prstGeom>
+              <a:ln w="19050"/>
+            </p:spPr>
+            <p:style>
+              <a:lnRef idx="1">
+                <a:schemeClr val="dk1"/>
+              </a:lnRef>
+              <a:fillRef idx="0">
+                <a:schemeClr val="dk1"/>
+              </a:fillRef>
+              <a:effectRef idx="0">
+                <a:schemeClr val="dk1"/>
+              </a:effectRef>
+              <a:fontRef idx="minor">
+                <a:schemeClr val="tx1"/>
+              </a:fontRef>
+            </p:style>
+          </p:cxnSp>
+          <p:sp>
+            <p:nvSpPr>
+              <p:cNvPr id="22" name="Rectangle 21">
+                <a:extLst>
+                  <a:ext uri="{FF2B5EF4-FFF2-40B4-BE49-F238E27FC236}">
+                    <a16:creationId xmlns:a16="http://schemas.microsoft.com/office/drawing/2014/main" id="{E3C070A5-71ED-5EFB-7D81-083CDA4B69C8}"/>
+                  </a:ext>
+                </a:extLst>
+              </p:cNvPr>
+              <p:cNvSpPr/>
+              <p:nvPr/>
+            </p:nvSpPr>
+            <p:spPr>
+              <a:xfrm>
+                <a:off x="5421610" y="1711463"/>
+                <a:ext cx="2098651" cy="954107"/>
+              </a:xfrm>
+              <a:prstGeom prst="rect">
+                <a:avLst/>
+              </a:prstGeom>
+              <a:noFill/>
+            </p:spPr>
+            <p:txBody>
+              <a:bodyPr wrap="none" lIns="91440" tIns="45720" rIns="91440" bIns="45720">
+                <a:spAutoFit/>
+              </a:bodyPr>
+              <a:lstStyle/>
+              <a:p>
+                <a:r>
+                  <a:rPr lang="en-US" altLang="zh-CN" sz="1400" dirty="0">
+                    <a:ln w="0"/>
+                    <a:effectLst>
+                      <a:outerShdw blurRad="38100" dist="19050" dir="2700000" algn="tl" rotWithShape="0">
+                        <a:schemeClr val="dk1">
+                          <a:alpha val="40000"/>
+                        </a:schemeClr>
+                      </a:outerShdw>
+                    </a:effectLst>
+                  </a:rPr>
+                  <a:t>assign(self, request: dict)</a:t>
+                </a:r>
+              </a:p>
+              <a:p>
+                <a:r>
+                  <a:rPr lang="en-US" altLang="zh-CN" sz="1400" dirty="0">
+                    <a:ln w="0"/>
+                    <a:effectLst>
+                      <a:outerShdw blurRad="38100" dist="19050" dir="2700000" algn="tl" rotWithShape="0">
+                        <a:schemeClr val="dk1">
+                          <a:alpha val="40000"/>
+                        </a:schemeClr>
+                      </a:outerShdw>
+                    </a:effectLst>
+                  </a:rPr>
+                  <a:t>accept(self, request: dict)</a:t>
+                </a:r>
+              </a:p>
+              <a:p>
+                <a:r>
+                  <a:rPr lang="en-US" altLang="zh-CN" sz="1400" dirty="0">
+                    <a:ln w="0"/>
+                    <a:effectLst>
+                      <a:outerShdw blurRad="38100" dist="19050" dir="2700000" algn="tl" rotWithShape="0">
+                        <a:schemeClr val="dk1">
+                          <a:alpha val="40000"/>
+                        </a:schemeClr>
+                      </a:outerShdw>
+                    </a:effectLst>
+                  </a:rPr>
+                  <a:t>heartbeat_sender(self)</a:t>
+                </a:r>
+              </a:p>
+              <a:p>
+                <a:r>
+                  <a:rPr lang="en-US" altLang="zh-CN" sz="1400" dirty="0">
+                    <a:ln w="0"/>
+                    <a:effectLst>
+                      <a:outerShdw blurRad="38100" dist="19050" dir="2700000" algn="tl" rotWithShape="0">
+                        <a:schemeClr val="dk1">
+                          <a:alpha val="40000"/>
+                        </a:schemeClr>
+                      </a:outerShdw>
+                    </a:effectLst>
+                  </a:rPr>
+                  <a:t>assign_clients(self)</a:t>
+                </a:r>
+              </a:p>
+            </p:txBody>
+          </p:sp>
+        </p:grpSp>
+        <p:grpSp>
+          <p:nvGrpSpPr>
+            <p:cNvPr id="24" name="Group 23">
+              <a:extLst>
+                <a:ext uri="{FF2B5EF4-FFF2-40B4-BE49-F238E27FC236}">
+                  <a16:creationId xmlns:a16="http://schemas.microsoft.com/office/drawing/2014/main" id="{7552DCC8-0470-AFD3-D3C5-76CF5A5B89A7}"/>
+                </a:ext>
+              </a:extLst>
+            </p:cNvPr>
+            <p:cNvGrpSpPr/>
+            <p:nvPr/>
+          </p:nvGrpSpPr>
+          <p:grpSpPr>
+            <a:xfrm>
+              <a:off x="4706924" y="3095212"/>
+              <a:ext cx="3415772" cy="674308"/>
+              <a:chOff x="5381095" y="849690"/>
+              <a:chExt cx="3415772" cy="674308"/>
+            </a:xfrm>
+          </p:grpSpPr>
+          <p:sp>
+            <p:nvSpPr>
+              <p:cNvPr id="25" name="Rectangle: Rounded Corners 24">
+                <a:extLst>
+                  <a:ext uri="{FF2B5EF4-FFF2-40B4-BE49-F238E27FC236}">
+                    <a16:creationId xmlns:a16="http://schemas.microsoft.com/office/drawing/2014/main" id="{4097CB97-95A2-4CF6-86C2-8C79FC93E5FE}"/>
+                  </a:ext>
+                </a:extLst>
+              </p:cNvPr>
+              <p:cNvSpPr/>
+              <p:nvPr/>
+            </p:nvSpPr>
+            <p:spPr>
+              <a:xfrm>
+                <a:off x="5381095" y="852489"/>
+                <a:ext cx="3415772" cy="671509"/>
+              </a:xfrm>
+              <a:prstGeom prst="roundRect">
+                <a:avLst>
+                  <a:gd name="adj" fmla="val 5586"/>
+                </a:avLst>
+              </a:prstGeom>
+              <a:noFill/>
+              <a:ln w="28575">
+                <a:solidFill>
+                  <a:schemeClr val="tx1"/>
+                </a:solidFill>
+              </a:ln>
+            </p:spPr>
+            <p:style>
+              <a:lnRef idx="2">
+                <a:schemeClr val="accent1">
+                  <a:shade val="50000"/>
+                </a:schemeClr>
+              </a:lnRef>
+              <a:fillRef idx="1">
+                <a:schemeClr val="accent1"/>
+              </a:fillRef>
+              <a:effectRef idx="0">
+                <a:schemeClr val="accent1"/>
+              </a:effectRef>
+              <a:fontRef idx="minor">
+                <a:schemeClr val="lt1"/>
+              </a:fontRef>
+            </p:style>
+            <p:txBody>
+              <a:bodyPr rtlCol="0" anchor="ctr"/>
+              <a:lstStyle/>
+              <a:p>
+                <a:pPr algn="ctr"/>
+                <a:r>
+                  <a:rPr lang="en-US" altLang="zh-CN" dirty="0"/>
+                  <a:t>remote_methode_invocation(self, address: tuple, methode: str)</a:t>
+                </a:r>
+                <a:endParaRPr lang="zh-CN" altLang="en-US" dirty="0"/>
+              </a:p>
+            </p:txBody>
+          </p:sp>
+          <p:cxnSp>
+            <p:nvCxnSpPr>
+              <p:cNvPr id="26" name="Straight Connector 25">
+                <a:extLst>
+                  <a:ext uri="{FF2B5EF4-FFF2-40B4-BE49-F238E27FC236}">
+                    <a16:creationId xmlns:a16="http://schemas.microsoft.com/office/drawing/2014/main" id="{5EFC3181-F8F3-EE0E-6806-99A32941C884}"/>
+                  </a:ext>
+                </a:extLst>
+              </p:cNvPr>
+              <p:cNvCxnSpPr>
+                <a:cxnSpLocks/>
+              </p:cNvCxnSpPr>
+              <p:nvPr/>
+            </p:nvCxnSpPr>
+            <p:spPr>
+              <a:xfrm>
+                <a:off x="5381096" y="1188244"/>
+                <a:ext cx="3415771" cy="0"/>
+              </a:xfrm>
+              <a:prstGeom prst="line">
+                <a:avLst/>
+              </a:prstGeom>
+              <a:ln w="19050"/>
+            </p:spPr>
+            <p:style>
+              <a:lnRef idx="1">
+                <a:schemeClr val="dk1"/>
+              </a:lnRef>
+              <a:fillRef idx="0">
+                <a:schemeClr val="dk1"/>
+              </a:fillRef>
+              <a:effectRef idx="0">
+                <a:schemeClr val="dk1"/>
+              </a:effectRef>
+              <a:fontRef idx="minor">
+                <a:schemeClr val="tx1"/>
+              </a:fontRef>
+            </p:style>
+          </p:cxnSp>
+          <p:sp>
+            <p:nvSpPr>
+              <p:cNvPr id="27" name="Rectangle 26">
+                <a:extLst>
+                  <a:ext uri="{FF2B5EF4-FFF2-40B4-BE49-F238E27FC236}">
+                    <a16:creationId xmlns:a16="http://schemas.microsoft.com/office/drawing/2014/main" id="{23D0094A-32F7-202C-84E1-1AE4E57F2352}"/>
+                  </a:ext>
+                </a:extLst>
+              </p:cNvPr>
+              <p:cNvSpPr/>
+              <p:nvPr/>
+            </p:nvSpPr>
+            <p:spPr>
+              <a:xfrm>
+                <a:off x="5496459" y="849690"/>
+                <a:ext cx="3225563" cy="338554"/>
+              </a:xfrm>
+              <a:prstGeom prst="rect">
+                <a:avLst/>
+              </a:prstGeom>
+              <a:noFill/>
+            </p:spPr>
+            <p:txBody>
+              <a:bodyPr wrap="none" lIns="91440" tIns="45720" rIns="91440" bIns="45720">
+                <a:spAutoFit/>
+              </a:bodyPr>
+              <a:lstStyle/>
+              <a:p>
+                <a:pPr algn="ctr"/>
+                <a:r>
+                  <a:rPr lang="en-US" altLang="zh-CN" sz="1600" b="1" cap="none" spc="0" dirty="0">
+                    <a:ln w="0"/>
+                    <a:solidFill>
+                      <a:schemeClr val="tx1"/>
+                    </a:solidFill>
+                    <a:effectLst>
+                      <a:outerShdw blurRad="38100" dist="19050" dir="2700000" algn="tl" rotWithShape="0">
+                        <a:schemeClr val="dk1">
+                          <a:alpha val="40000"/>
+                        </a:schemeClr>
+                      </a:outerShdw>
+                    </a:effectLst>
+                  </a:rPr>
+                  <a:t>Class Client(auction_component)</a:t>
+                </a:r>
+              </a:p>
+            </p:txBody>
+          </p:sp>
+          <p:sp>
+            <p:nvSpPr>
+              <p:cNvPr id="28" name="Rectangle 27">
+                <a:extLst>
+                  <a:ext uri="{FF2B5EF4-FFF2-40B4-BE49-F238E27FC236}">
+                    <a16:creationId xmlns:a16="http://schemas.microsoft.com/office/drawing/2014/main" id="{4B581EDD-0676-BEEC-4279-8DB356D036DD}"/>
+                  </a:ext>
+                </a:extLst>
+              </p:cNvPr>
+              <p:cNvSpPr/>
+              <p:nvPr/>
+            </p:nvSpPr>
+            <p:spPr>
+              <a:xfrm>
+                <a:off x="5421610" y="1188244"/>
+                <a:ext cx="1476686" cy="307777"/>
+              </a:xfrm>
+              <a:prstGeom prst="rect">
+                <a:avLst/>
+              </a:prstGeom>
+              <a:noFill/>
+            </p:spPr>
+            <p:txBody>
+              <a:bodyPr wrap="none" lIns="91440" tIns="45720" rIns="91440" bIns="45720">
+                <a:spAutoFit/>
+              </a:bodyPr>
+              <a:lstStyle/>
+              <a:p>
+                <a:r>
+                  <a:rPr lang="en-US" altLang="zh-CN" sz="1400" cap="none" spc="0" dirty="0">
+                    <a:ln w="0"/>
+                    <a:solidFill>
+                      <a:schemeClr val="tx1"/>
+                    </a:solidFill>
+                    <a:effectLst>
+                      <a:outerShdw blurRad="38100" dist="19050" dir="2700000" algn="tl" rotWithShape="0">
+                        <a:schemeClr val="dk1">
+                          <a:alpha val="40000"/>
+                        </a:schemeClr>
+                      </a:outerShdw>
+                    </a:effectLst>
+                  </a:rPr>
+                  <a:t>join_contact(self)</a:t>
+                </a:r>
+              </a:p>
+            </p:txBody>
+          </p:sp>
+        </p:grpSp>
+        <p:grpSp>
+          <p:nvGrpSpPr>
+            <p:cNvPr id="31" name="Group 30">
+              <a:extLst>
+                <a:ext uri="{FF2B5EF4-FFF2-40B4-BE49-F238E27FC236}">
+                  <a16:creationId xmlns:a16="http://schemas.microsoft.com/office/drawing/2014/main" id="{F3B16EAA-3537-A250-7950-132AB75EB694}"/>
+                </a:ext>
+              </a:extLst>
+            </p:cNvPr>
+            <p:cNvGrpSpPr/>
+            <p:nvPr/>
+          </p:nvGrpSpPr>
+          <p:grpSpPr>
+            <a:xfrm>
+              <a:off x="5150514" y="5078131"/>
+              <a:ext cx="2528591" cy="861774"/>
+              <a:chOff x="5381095" y="849690"/>
+              <a:chExt cx="2528591" cy="861774"/>
+            </a:xfrm>
+          </p:grpSpPr>
+          <p:sp>
+            <p:nvSpPr>
+              <p:cNvPr id="32" name="Rectangle: Rounded Corners 31">
+                <a:extLst>
+                  <a:ext uri="{FF2B5EF4-FFF2-40B4-BE49-F238E27FC236}">
+                    <a16:creationId xmlns:a16="http://schemas.microsoft.com/office/drawing/2014/main" id="{4DE47ECF-F797-CD35-150C-A588FFEFD62B}"/>
+                  </a:ext>
+                </a:extLst>
+              </p:cNvPr>
+              <p:cNvSpPr/>
+              <p:nvPr/>
+            </p:nvSpPr>
+            <p:spPr>
+              <a:xfrm>
+                <a:off x="5381095" y="852490"/>
+                <a:ext cx="2528591" cy="858974"/>
+              </a:xfrm>
+              <a:prstGeom prst="roundRect">
+                <a:avLst>
+                  <a:gd name="adj" fmla="val 5586"/>
+                </a:avLst>
+              </a:prstGeom>
+              <a:noFill/>
+              <a:ln w="28575">
+                <a:solidFill>
+                  <a:schemeClr val="tx1"/>
+                </a:solidFill>
+              </a:ln>
+            </p:spPr>
+            <p:style>
+              <a:lnRef idx="2">
+                <a:schemeClr val="accent1">
+                  <a:shade val="50000"/>
+                </a:schemeClr>
+              </a:lnRef>
+              <a:fillRef idx="1">
+                <a:schemeClr val="accent1"/>
+              </a:fillRef>
+              <a:effectRef idx="0">
+                <a:schemeClr val="accent1"/>
+              </a:effectRef>
+              <a:fontRef idx="minor">
+                <a:schemeClr val="lt1"/>
+              </a:fontRef>
+            </p:style>
+            <p:txBody>
+              <a:bodyPr rtlCol="0" anchor="ctr"/>
+              <a:lstStyle/>
+              <a:p>
+                <a:pPr algn="ctr"/>
+                <a:endParaRPr lang="zh-CN" altLang="en-US" dirty="0"/>
+              </a:p>
+            </p:txBody>
+          </p:sp>
+          <p:cxnSp>
+            <p:nvCxnSpPr>
+              <p:cNvPr id="33" name="Straight Connector 32">
+                <a:extLst>
+                  <a:ext uri="{FF2B5EF4-FFF2-40B4-BE49-F238E27FC236}">
+                    <a16:creationId xmlns:a16="http://schemas.microsoft.com/office/drawing/2014/main" id="{7C2A1113-B28A-528B-840B-85FD1411C406}"/>
+                  </a:ext>
+                </a:extLst>
+              </p:cNvPr>
+              <p:cNvCxnSpPr>
+                <a:cxnSpLocks/>
+              </p:cNvCxnSpPr>
+              <p:nvPr/>
+            </p:nvCxnSpPr>
+            <p:spPr>
+              <a:xfrm>
+                <a:off x="5381096" y="1188244"/>
+                <a:ext cx="2528590" cy="0"/>
+              </a:xfrm>
+              <a:prstGeom prst="line">
+                <a:avLst/>
+              </a:prstGeom>
+              <a:ln w="19050"/>
+            </p:spPr>
+            <p:style>
+              <a:lnRef idx="1">
+                <a:schemeClr val="dk1"/>
+              </a:lnRef>
+              <a:fillRef idx="0">
+                <a:schemeClr val="dk1"/>
+              </a:fillRef>
+              <a:effectRef idx="0">
+                <a:schemeClr val="dk1"/>
+              </a:effectRef>
+              <a:fontRef idx="minor">
+                <a:schemeClr val="tx1"/>
+              </a:fontRef>
+            </p:style>
+          </p:cxnSp>
+          <p:sp>
+            <p:nvSpPr>
+              <p:cNvPr id="34" name="Rectangle 33">
+                <a:extLst>
+                  <a:ext uri="{FF2B5EF4-FFF2-40B4-BE49-F238E27FC236}">
+                    <a16:creationId xmlns:a16="http://schemas.microsoft.com/office/drawing/2014/main" id="{116B546F-5031-22FE-3527-F04CB7E39953}"/>
+                  </a:ext>
+                </a:extLst>
+              </p:cNvPr>
+              <p:cNvSpPr/>
+              <p:nvPr/>
+            </p:nvSpPr>
+            <p:spPr>
+              <a:xfrm>
+                <a:off x="5504762" y="849690"/>
+                <a:ext cx="2310248" cy="338554"/>
+              </a:xfrm>
+              <a:prstGeom prst="rect">
+                <a:avLst/>
+              </a:prstGeom>
+              <a:noFill/>
+            </p:spPr>
+            <p:txBody>
+              <a:bodyPr wrap="none" lIns="91440" tIns="45720" rIns="91440" bIns="45720">
+                <a:spAutoFit/>
+              </a:bodyPr>
+              <a:lstStyle/>
+              <a:p>
+                <a:pPr algn="ctr"/>
+                <a:r>
+                  <a:rPr lang="en-US" altLang="zh-CN" sz="1600" b="1" cap="none" spc="0" dirty="0">
+                    <a:ln w="0"/>
+                    <a:solidFill>
+                      <a:schemeClr val="tx1"/>
+                    </a:solidFill>
+                    <a:effectLst>
+                      <a:outerShdw blurRad="38100" dist="19050" dir="2700000" algn="tl" rotWithShape="0">
+                        <a:schemeClr val="dk1">
+                          <a:alpha val="40000"/>
+                        </a:schemeClr>
+                      </a:outerShdw>
+                    </a:effectLst>
+                  </a:rPr>
+                  <a:t>Class hold_back_queue</a:t>
+                </a:r>
+              </a:p>
+            </p:txBody>
+          </p:sp>
+          <p:sp>
+            <p:nvSpPr>
+              <p:cNvPr id="35" name="Rectangle 34">
+                <a:extLst>
+                  <a:ext uri="{FF2B5EF4-FFF2-40B4-BE49-F238E27FC236}">
+                    <a16:creationId xmlns:a16="http://schemas.microsoft.com/office/drawing/2014/main" id="{722639CB-EA7E-644C-6CB3-DCD47B54AACA}"/>
+                  </a:ext>
+                </a:extLst>
+              </p:cNvPr>
+              <p:cNvSpPr/>
+              <p:nvPr/>
+            </p:nvSpPr>
+            <p:spPr>
+              <a:xfrm>
+                <a:off x="5421610" y="1188244"/>
+                <a:ext cx="1691489" cy="523220"/>
+              </a:xfrm>
+              <a:prstGeom prst="rect">
+                <a:avLst/>
+              </a:prstGeom>
+              <a:noFill/>
+            </p:spPr>
+            <p:txBody>
+              <a:bodyPr wrap="none" lIns="91440" tIns="45720" rIns="91440" bIns="45720">
+                <a:spAutoFit/>
+              </a:bodyPr>
+              <a:lstStyle/>
+              <a:p>
+                <a:r>
+                  <a:rPr lang="en-US" altLang="zh-CN" sz="1400" cap="none" spc="0" dirty="0">
+                    <a:ln w="0"/>
+                    <a:solidFill>
+                      <a:schemeClr val="tx1"/>
+                    </a:solidFill>
+                    <a:effectLst>
+                      <a:outerShdw blurRad="38100" dist="19050" dir="2700000" algn="tl" rotWithShape="0">
+                        <a:schemeClr val="dk1">
+                          <a:alpha val="40000"/>
+                        </a:schemeClr>
+                      </a:outerShdw>
+                    </a:effectLst>
+                  </a:rPr>
+                  <a:t>push(self, message)</a:t>
+                </a:r>
+              </a:p>
+              <a:p>
+                <a:r>
+                  <a:rPr lang="en-US" altLang="zh-CN" sz="1400" cap="none" spc="0" dirty="0">
+                    <a:ln w="0"/>
+                    <a:solidFill>
+                      <a:schemeClr val="tx1"/>
+                    </a:solidFill>
+                    <a:effectLst>
+                      <a:outerShdw blurRad="38100" dist="19050" dir="2700000" algn="tl" rotWithShape="0">
+                        <a:schemeClr val="dk1">
+                          <a:alpha val="40000"/>
+                        </a:schemeClr>
+                      </a:outerShdw>
+                    </a:effectLst>
+                  </a:rPr>
+                  <a:t>is_empty(self)</a:t>
+                </a:r>
+              </a:p>
+            </p:txBody>
+          </p:sp>
+        </p:grpSp>
+        <p:grpSp>
+          <p:nvGrpSpPr>
+            <p:cNvPr id="37" name="Group 36">
+              <a:extLst>
+                <a:ext uri="{FF2B5EF4-FFF2-40B4-BE49-F238E27FC236}">
+                  <a16:creationId xmlns:a16="http://schemas.microsoft.com/office/drawing/2014/main" id="{30FA0A55-0C9A-6035-27A8-C441BEE65127}"/>
+                </a:ext>
+              </a:extLst>
+            </p:cNvPr>
+            <p:cNvGrpSpPr/>
+            <p:nvPr/>
+          </p:nvGrpSpPr>
+          <p:grpSpPr>
+            <a:xfrm>
+              <a:off x="5150513" y="4124024"/>
+              <a:ext cx="2528591" cy="861775"/>
+              <a:chOff x="5381095" y="849689"/>
+              <a:chExt cx="2528591" cy="861775"/>
+            </a:xfrm>
+          </p:grpSpPr>
+          <p:sp>
+            <p:nvSpPr>
+              <p:cNvPr id="38" name="Rectangle: Rounded Corners 37">
+                <a:extLst>
+                  <a:ext uri="{FF2B5EF4-FFF2-40B4-BE49-F238E27FC236}">
+                    <a16:creationId xmlns:a16="http://schemas.microsoft.com/office/drawing/2014/main" id="{B03C7C8B-E576-91B0-DD3B-51F81BDF5615}"/>
+                  </a:ext>
+                </a:extLst>
+              </p:cNvPr>
+              <p:cNvSpPr/>
+              <p:nvPr/>
+            </p:nvSpPr>
+            <p:spPr>
+              <a:xfrm>
+                <a:off x="5381095" y="852490"/>
+                <a:ext cx="2528591" cy="858974"/>
+              </a:xfrm>
+              <a:prstGeom prst="roundRect">
+                <a:avLst>
+                  <a:gd name="adj" fmla="val 5586"/>
+                </a:avLst>
+              </a:prstGeom>
+              <a:noFill/>
+              <a:ln w="28575">
+                <a:solidFill>
+                  <a:schemeClr val="tx1"/>
+                </a:solidFill>
+              </a:ln>
+            </p:spPr>
+            <p:style>
+              <a:lnRef idx="2">
+                <a:schemeClr val="accent1">
+                  <a:shade val="50000"/>
+                </a:schemeClr>
+              </a:lnRef>
+              <a:fillRef idx="1">
+                <a:schemeClr val="accent1"/>
+              </a:fillRef>
+              <a:effectRef idx="0">
+                <a:schemeClr val="accent1"/>
+              </a:effectRef>
+              <a:fontRef idx="minor">
+                <a:schemeClr val="lt1"/>
+              </a:fontRef>
+            </p:style>
+            <p:txBody>
+              <a:bodyPr rtlCol="0" anchor="ctr"/>
+              <a:lstStyle/>
+              <a:p>
+                <a:pPr algn="ctr"/>
+                <a:endParaRPr lang="zh-CN" altLang="en-US" dirty="0"/>
+              </a:p>
+            </p:txBody>
+          </p:sp>
+          <p:cxnSp>
+            <p:nvCxnSpPr>
+              <p:cNvPr id="39" name="Straight Connector 38">
+                <a:extLst>
+                  <a:ext uri="{FF2B5EF4-FFF2-40B4-BE49-F238E27FC236}">
+                    <a16:creationId xmlns:a16="http://schemas.microsoft.com/office/drawing/2014/main" id="{78B3B27F-D3C0-C972-F834-85DD7A2420FA}"/>
+                  </a:ext>
+                </a:extLst>
+              </p:cNvPr>
+              <p:cNvCxnSpPr>
+                <a:cxnSpLocks/>
+              </p:cNvCxnSpPr>
+              <p:nvPr/>
+            </p:nvCxnSpPr>
+            <p:spPr>
+              <a:xfrm flipV="1">
+                <a:off x="5381096" y="1188243"/>
+                <a:ext cx="2528590" cy="1"/>
+              </a:xfrm>
+              <a:prstGeom prst="line">
+                <a:avLst/>
+              </a:prstGeom>
+              <a:ln w="19050"/>
+            </p:spPr>
+            <p:style>
+              <a:lnRef idx="1">
+                <a:schemeClr val="dk1"/>
+              </a:lnRef>
+              <a:fillRef idx="0">
+                <a:schemeClr val="dk1"/>
+              </a:fillRef>
+              <a:effectRef idx="0">
+                <a:schemeClr val="dk1"/>
+              </a:effectRef>
+              <a:fontRef idx="minor">
+                <a:schemeClr val="tx1"/>
+              </a:fontRef>
+            </p:style>
+          </p:cxnSp>
+          <p:sp>
+            <p:nvSpPr>
+              <p:cNvPr id="40" name="Rectangle 39">
+                <a:extLst>
+                  <a:ext uri="{FF2B5EF4-FFF2-40B4-BE49-F238E27FC236}">
+                    <a16:creationId xmlns:a16="http://schemas.microsoft.com/office/drawing/2014/main" id="{3FC14A7A-C9F8-0014-C4D9-9DF4497521A0}"/>
+                  </a:ext>
+                </a:extLst>
+              </p:cNvPr>
+              <p:cNvSpPr/>
+              <p:nvPr/>
+            </p:nvSpPr>
+            <p:spPr>
+              <a:xfrm>
+                <a:off x="5504762" y="849689"/>
+                <a:ext cx="2103461" cy="338554"/>
+              </a:xfrm>
+              <a:prstGeom prst="rect">
+                <a:avLst/>
+              </a:prstGeom>
+              <a:noFill/>
+            </p:spPr>
+            <p:txBody>
+              <a:bodyPr wrap="none" lIns="91440" tIns="45720" rIns="91440" bIns="45720">
+                <a:spAutoFit/>
+              </a:bodyPr>
+              <a:lstStyle/>
+              <a:p>
+                <a:pPr algn="ctr"/>
+                <a:r>
+                  <a:rPr lang="en-US" altLang="zh-CN" sz="1600" b="1" cap="none" spc="0" dirty="0">
+                    <a:ln w="0"/>
+                    <a:solidFill>
+                      <a:schemeClr val="tx1"/>
+                    </a:solidFill>
+                    <a:effectLst>
+                      <a:outerShdw blurRad="38100" dist="19050" dir="2700000" algn="tl" rotWithShape="0">
+                        <a:schemeClr val="dk1">
+                          <a:alpha val="40000"/>
+                        </a:schemeClr>
+                      </a:outerShdw>
+                    </a:effectLst>
+                  </a:rPr>
+                  <a:t>Class delivery_queue</a:t>
+                </a:r>
+              </a:p>
+            </p:txBody>
+          </p:sp>
+          <p:sp>
+            <p:nvSpPr>
+              <p:cNvPr id="41" name="Rectangle 40">
+                <a:extLst>
+                  <a:ext uri="{FF2B5EF4-FFF2-40B4-BE49-F238E27FC236}">
+                    <a16:creationId xmlns:a16="http://schemas.microsoft.com/office/drawing/2014/main" id="{EEB5E924-0D44-D68F-EE84-217F5612FA6B}"/>
+                  </a:ext>
+                </a:extLst>
+              </p:cNvPr>
+              <p:cNvSpPr/>
+              <p:nvPr/>
+            </p:nvSpPr>
+            <p:spPr>
+              <a:xfrm>
+                <a:off x="5421610" y="1188244"/>
+                <a:ext cx="1691489" cy="523220"/>
+              </a:xfrm>
+              <a:prstGeom prst="rect">
+                <a:avLst/>
+              </a:prstGeom>
+              <a:noFill/>
+            </p:spPr>
+            <p:txBody>
+              <a:bodyPr wrap="none" lIns="91440" tIns="45720" rIns="91440" bIns="45720">
+                <a:spAutoFit/>
+              </a:bodyPr>
+              <a:lstStyle/>
+              <a:p>
+                <a:r>
+                  <a:rPr lang="en-US" altLang="zh-CN" sz="1400" cap="none" spc="0" dirty="0">
+                    <a:ln w="0"/>
+                    <a:solidFill>
+                      <a:schemeClr val="tx1"/>
+                    </a:solidFill>
+                    <a:effectLst>
+                      <a:outerShdw blurRad="38100" dist="19050" dir="2700000" algn="tl" rotWithShape="0">
+                        <a:schemeClr val="dk1">
+                          <a:alpha val="40000"/>
+                        </a:schemeClr>
+                      </a:outerShdw>
+                    </a:effectLst>
+                  </a:rPr>
+                  <a:t>push(self, message)</a:t>
+                </a:r>
+              </a:p>
+              <a:p>
+                <a:r>
+                  <a:rPr lang="en-US" altLang="zh-CN" sz="1400" cap="none" spc="0" dirty="0">
+                    <a:ln w="0"/>
+                    <a:solidFill>
+                      <a:schemeClr val="tx1"/>
+                    </a:solidFill>
+                    <a:effectLst>
+                      <a:outerShdw blurRad="38100" dist="19050" dir="2700000" algn="tl" rotWithShape="0">
+                        <a:schemeClr val="dk1">
+                          <a:alpha val="40000"/>
+                        </a:schemeClr>
+                      </a:outerShdw>
+                    </a:effectLst>
+                  </a:rPr>
+                  <a:t>is_empty(self)</a:t>
+                </a:r>
+              </a:p>
+            </p:txBody>
+          </p:sp>
+        </p:grpSp>
+        <p:cxnSp>
+          <p:nvCxnSpPr>
+            <p:cNvPr id="45" name="Connector: Elbow 44">
+              <a:extLst>
+                <a:ext uri="{FF2B5EF4-FFF2-40B4-BE49-F238E27FC236}">
+                  <a16:creationId xmlns:a16="http://schemas.microsoft.com/office/drawing/2014/main" id="{D6FB2549-742C-AE35-FC3C-4102AB34FE54}"/>
+                </a:ext>
+              </a:extLst>
+            </p:cNvPr>
+            <p:cNvCxnSpPr>
+              <a:cxnSpLocks/>
+              <a:endCxn id="16" idx="1"/>
+            </p:cNvCxnSpPr>
+            <p:nvPr/>
+          </p:nvCxnSpPr>
+          <p:spPr>
+            <a:xfrm flipV="1">
+              <a:off x="3682336" y="1999548"/>
+              <a:ext cx="1024589" cy="759946"/>
+            </a:xfrm>
+            <a:prstGeom prst="bentConnector3">
+              <a:avLst>
+                <a:gd name="adj1" fmla="val 47521"/>
+              </a:avLst>
+            </a:prstGeom>
+            <a:ln w="19050">
+              <a:solidFill>
+                <a:schemeClr val="tx1"/>
+              </a:solidFill>
+              <a:tailEnd type="triangle"/>
+            </a:ln>
+          </p:spPr>
+          <p:style>
+            <a:lnRef idx="1">
+              <a:schemeClr val="accent1"/>
+            </a:lnRef>
+            <a:fillRef idx="0">
+              <a:schemeClr val="accent1"/>
+            </a:fillRef>
+            <a:effectRef idx="0">
+              <a:schemeClr val="accent1"/>
+            </a:effectRef>
+            <a:fontRef idx="minor">
+              <a:schemeClr val="tx1"/>
+            </a:fontRef>
+          </p:style>
+        </p:cxnSp>
+        <p:cxnSp>
+          <p:nvCxnSpPr>
+            <p:cNvPr id="47" name="Connector: Elbow 46">
+              <a:extLst>
+                <a:ext uri="{FF2B5EF4-FFF2-40B4-BE49-F238E27FC236}">
+                  <a16:creationId xmlns:a16="http://schemas.microsoft.com/office/drawing/2014/main" id="{89DDF64B-70B9-40F0-4054-C4DA4210E5D7}"/>
+                </a:ext>
+              </a:extLst>
+            </p:cNvPr>
+            <p:cNvCxnSpPr>
+              <a:cxnSpLocks/>
+              <a:endCxn id="25" idx="1"/>
+            </p:cNvCxnSpPr>
+            <p:nvPr/>
+          </p:nvCxnSpPr>
+          <p:spPr>
+            <a:xfrm>
+              <a:off x="3689224" y="2759476"/>
+              <a:ext cx="1017700" cy="674290"/>
+            </a:xfrm>
+            <a:prstGeom prst="bentConnector3">
+              <a:avLst>
+                <a:gd name="adj1" fmla="val 47192"/>
+              </a:avLst>
+            </a:prstGeom>
+            <a:ln w="19050">
+              <a:solidFill>
+                <a:schemeClr val="tx1"/>
+              </a:solidFill>
+              <a:tailEnd type="triangle"/>
+            </a:ln>
+          </p:spPr>
+          <p:style>
+            <a:lnRef idx="1">
+              <a:schemeClr val="accent1"/>
+            </a:lnRef>
+            <a:fillRef idx="0">
+              <a:schemeClr val="accent1"/>
+            </a:fillRef>
+            <a:effectRef idx="0">
+              <a:schemeClr val="accent1"/>
+            </a:effectRef>
+            <a:fontRef idx="minor">
+              <a:schemeClr val="tx1"/>
+            </a:fontRef>
+          </p:style>
+        </p:cxnSp>
+      </p:grpSp>
+    </p:spTree>
+    <p:extLst>
+      <p:ext uri="{BB962C8B-B14F-4D97-AF65-F5344CB8AC3E}">
+        <p14:creationId xmlns:p14="http://schemas.microsoft.com/office/powerpoint/2010/main" val="2339770009"/>
+      </p:ext>
+    </p:extLst>
+  </p:cSld>
+  <p:clrMapOvr>
+    <a:masterClrMapping/>
+  </p:clrMapOvr>
+</p:sld>
+</file>
+
+<file path=ppt/slides/slide3.xml><?xml version="1.0" encoding="utf-8"?>
+<p:sld xmlns:a="http://schemas.openxmlformats.org/drawingml/2006/main" xmlns:r="http://schemas.openxmlformats.org/officeDocument/2006/relationships" xmlns:p="http://schemas.openxmlformats.org/presentationml/2006/main">
+  <p:cSld>
+    <p:spTree>
+      <p:nvGrpSpPr>
+        <p:cNvPr id="1" name=""/>
+        <p:cNvGrpSpPr/>
+        <p:nvPr/>
+      </p:nvGrpSpPr>
+      <p:grpSpPr>
+        <a:xfrm>
+          <a:off x="0" y="0"/>
+          <a:ext cx="0" cy="0"/>
+          <a:chOff x="0" y="0"/>
+          <a:chExt cx="0" cy="0"/>
+        </a:xfrm>
+      </p:grpSpPr>
+      <p:grpSp>
+        <p:nvGrpSpPr>
+          <p:cNvPr id="5" name="Group 4">
+            <a:extLst>
+              <a:ext uri="{FF2B5EF4-FFF2-40B4-BE49-F238E27FC236}">
+                <a16:creationId xmlns:a16="http://schemas.microsoft.com/office/drawing/2014/main" id="{3A0090F5-71CD-A770-B39A-4E2AAEB84788}"/>
+              </a:ext>
+            </a:extLst>
+          </p:cNvPr>
+          <p:cNvGrpSpPr/>
+          <p:nvPr/>
+        </p:nvGrpSpPr>
+        <p:grpSpPr>
+          <a:xfrm>
+            <a:off x="3816756" y="2519507"/>
+            <a:ext cx="4558487" cy="1818986"/>
+            <a:chOff x="4912867" y="1977604"/>
+            <a:chExt cx="4558487" cy="1818986"/>
+          </a:xfrm>
+        </p:grpSpPr>
+        <p:sp>
+          <p:nvSpPr>
+            <p:cNvPr id="2" name="Rectangle: Diagonal Corners Snipped 1">
+              <a:extLst>
+                <a:ext uri="{FF2B5EF4-FFF2-40B4-BE49-F238E27FC236}">
+                  <a16:creationId xmlns:a16="http://schemas.microsoft.com/office/drawing/2014/main" id="{3B784960-6A61-C7F7-C5E2-9175277FC93F}"/>
+                </a:ext>
+              </a:extLst>
+            </p:cNvPr>
+            <p:cNvSpPr/>
+            <p:nvPr/>
+          </p:nvSpPr>
+          <p:spPr>
+            <a:xfrm>
+              <a:off x="4912867" y="1977604"/>
+              <a:ext cx="4558487" cy="1818986"/>
+            </a:xfrm>
+            <a:prstGeom prst="snip2DiagRect">
+              <a:avLst/>
+            </a:prstGeom>
+            <a:solidFill>
+              <a:schemeClr val="accent2">
+                <a:lumMod val="20000"/>
+                <a:lumOff val="80000"/>
+              </a:schemeClr>
+            </a:solidFill>
+            <a:ln w="28575">
+              <a:solidFill>
+                <a:schemeClr val="tx1"/>
+              </a:solidFill>
+            </a:ln>
+          </p:spPr>
+          <p:style>
+            <a:lnRef idx="2">
+              <a:schemeClr val="accent1">
+                <a:shade val="50000"/>
+              </a:schemeClr>
+            </a:lnRef>
+            <a:fillRef idx="1">
+              <a:schemeClr val="accent1"/>
+            </a:fillRef>
+            <a:effectRef idx="0">
+              <a:schemeClr val="accent1"/>
+            </a:effectRef>
+            <a:fontRef idx="minor">
+              <a:schemeClr val="lt1"/>
+            </a:fontRef>
+          </p:style>
+          <p:txBody>
+            <a:bodyPr rtlCol="0" anchor="ctr"/>
+            <a:lstStyle/>
+            <a:p>
+              <a:pPr algn="ctr"/>
+              <a:endParaRPr lang="zh-CN" altLang="en-US"/>
+            </a:p>
+          </p:txBody>
+        </p:sp>
+        <p:sp>
+          <p:nvSpPr>
+            <p:cNvPr id="3" name="Rectangle 2">
+              <a:extLst>
+                <a:ext uri="{FF2B5EF4-FFF2-40B4-BE49-F238E27FC236}">
+                  <a16:creationId xmlns:a16="http://schemas.microsoft.com/office/drawing/2014/main" id="{4AD0D624-6C8E-29F9-FA5A-10548EC9F550}"/>
+                </a:ext>
+              </a:extLst>
+            </p:cNvPr>
+            <p:cNvSpPr/>
+            <p:nvPr/>
+          </p:nvSpPr>
+          <p:spPr>
+            <a:xfrm>
+              <a:off x="5099644" y="2409325"/>
+              <a:ext cx="4371710" cy="1261884"/>
+            </a:xfrm>
+            <a:prstGeom prst="rect">
+              <a:avLst/>
+            </a:prstGeom>
+            <a:noFill/>
+          </p:spPr>
+          <p:txBody>
+            <a:bodyPr wrap="none" lIns="91440" tIns="45720" rIns="91440" bIns="45720">
+              <a:spAutoFit/>
+            </a:bodyPr>
+            <a:lstStyle/>
+            <a:p>
+              <a:r>
+                <a:rPr lang="en-US" altLang="zh-CN" sz="1600" b="1" cap="none" spc="0" dirty="0">
+                  <a:ln w="0"/>
+                  <a:solidFill>
+                    <a:schemeClr val="tx1"/>
+                  </a:solidFill>
+                  <a:effectLst>
+                    <a:outerShdw blurRad="38100" dist="19050" dir="2700000" algn="tl" rotWithShape="0">
+                      <a:schemeClr val="dk1">
+                        <a:alpha val="40000"/>
+                      </a:schemeClr>
+                    </a:outerShdw>
+                  </a:effectLst>
+                </a:rPr>
+                <a:t>ID: </a:t>
+              </a:r>
+              <a:r>
+                <a:rPr lang="en-US" altLang="zh-CN" sz="1600" cap="none" spc="0" dirty="0">
+                  <a:ln w="0"/>
+                  <a:solidFill>
+                    <a:schemeClr val="bg2">
+                      <a:lumMod val="50000"/>
+                    </a:schemeClr>
+                  </a:solidFill>
+                  <a:effectLst>
+                    <a:outerShdw blurRad="38100" dist="19050" dir="2700000" algn="tl" rotWithShape="0">
+                      <a:schemeClr val="dk1">
+                        <a:alpha val="40000"/>
+                      </a:schemeClr>
+                    </a:outerShdw>
+                  </a:effectLst>
+                </a:rPr>
+                <a:t>YhK7HvtYyvjbnyiFaU00FQ</a:t>
+              </a:r>
+              <a:r>
+                <a:rPr lang="en-US" altLang="zh-CN" sz="1400" cap="none" spc="0" dirty="0">
+                  <a:ln w="0"/>
+                  <a:solidFill>
+                    <a:schemeClr val="tx1"/>
+                  </a:solidFill>
+                  <a:effectLst>
+                    <a:outerShdw blurRad="38100" dist="19050" dir="2700000" algn="tl" rotWithShape="0">
+                      <a:schemeClr val="dk1">
+                        <a:alpha val="40000"/>
+                      </a:schemeClr>
+                    </a:outerShdw>
+                  </a:effectLst>
+                </a:rPr>
+                <a:t> </a:t>
+              </a:r>
+            </a:p>
+            <a:p>
+              <a:r>
+                <a:rPr lang="en-US" altLang="zh-CN" sz="1600" b="1" cap="none" spc="0" dirty="0">
+                  <a:ln w="0"/>
+                  <a:solidFill>
+                    <a:schemeClr val="tx1"/>
+                  </a:solidFill>
+                  <a:effectLst>
+                    <a:outerShdw blurRad="38100" dist="19050" dir="2700000" algn="tl" rotWithShape="0">
+                      <a:schemeClr val="dk1">
+                        <a:alpha val="40000"/>
+                      </a:schemeClr>
+                    </a:outerShdw>
+                  </a:effectLst>
+                </a:rPr>
+                <a:t>METHOD: </a:t>
+              </a:r>
+              <a:r>
+                <a:rPr lang="en-US" altLang="zh-CN" sz="1600" cap="none" spc="0" dirty="0">
+                  <a:ln w="0"/>
+                  <a:solidFill>
+                    <a:schemeClr val="bg2">
+                      <a:lumMod val="50000"/>
+                    </a:schemeClr>
+                  </a:solidFill>
+                  <a:effectLst>
+                    <a:outerShdw blurRad="38100" dist="19050" dir="2700000" algn="tl" rotWithShape="0">
+                      <a:schemeClr val="dk1">
+                        <a:alpha val="40000"/>
+                      </a:schemeClr>
+                    </a:outerShdw>
+                  </a:effectLst>
+                </a:rPr>
+                <a:t>SET </a:t>
+              </a:r>
+            </a:p>
+            <a:p>
+              <a:r>
+                <a:rPr lang="en-US" altLang="zh-CN" sz="1600" b="1" cap="none" spc="0" dirty="0">
+                  <a:ln w="0"/>
+                  <a:solidFill>
+                    <a:schemeClr val="tx1"/>
+                  </a:solidFill>
+                  <a:effectLst>
+                    <a:outerShdw blurRad="38100" dist="19050" dir="2700000" algn="tl" rotWithShape="0">
+                      <a:schemeClr val="dk1">
+                        <a:alpha val="40000"/>
+                      </a:schemeClr>
+                    </a:outerShdw>
+                  </a:effectLst>
+                </a:rPr>
+                <a:t>SEQ: </a:t>
+              </a:r>
+              <a:r>
+                <a:rPr lang="en-US" altLang="zh-CN" sz="1600" cap="none" spc="0" dirty="0">
+                  <a:ln w="0"/>
+                  <a:solidFill>
+                    <a:schemeClr val="bg2">
+                      <a:lumMod val="50000"/>
+                    </a:schemeClr>
+                  </a:solidFill>
+                  <a:effectLst>
+                    <a:outerShdw blurRad="38100" dist="19050" dir="2700000" algn="tl" rotWithShape="0">
+                      <a:schemeClr val="dk1">
+                        <a:alpha val="40000"/>
+                      </a:schemeClr>
+                    </a:outerShdw>
+                  </a:effectLst>
+                </a:rPr>
+                <a:t>0 </a:t>
+              </a:r>
+            </a:p>
+            <a:p>
+              <a:r>
+                <a:rPr lang="en-US" altLang="zh-CN" sz="1600" b="1" cap="none" spc="0" dirty="0">
+                  <a:ln w="0"/>
+                  <a:solidFill>
+                    <a:schemeClr val="tx1"/>
+                  </a:solidFill>
+                  <a:effectLst>
+                    <a:outerShdw blurRad="38100" dist="19050" dir="2700000" algn="tl" rotWithShape="0">
+                      <a:schemeClr val="dk1">
+                        <a:alpha val="40000"/>
+                      </a:schemeClr>
+                    </a:outerShdw>
+                  </a:effectLst>
+                </a:rPr>
+                <a:t>CONTENT: </a:t>
+              </a:r>
+              <a:r>
+                <a:rPr lang="en-US" altLang="zh-CN" sz="1200" cap="none" spc="0" dirty="0">
+                  <a:ln w="0"/>
+                  <a:solidFill>
+                    <a:schemeClr val="bg2">
+                      <a:lumMod val="50000"/>
+                    </a:schemeClr>
+                  </a:solidFill>
+                  <a:effectLst>
+                    <a:outerShdw blurRad="38100" dist="19050" dir="2700000" algn="tl" rotWithShape="0">
+                      <a:schemeClr val="dk1">
+                        <a:alpha val="40000"/>
+                      </a:schemeClr>
+                    </a:outerShdw>
+                  </a:effectLst>
+                </a:rPr>
+                <a:t>{'MAIN_SERVER': ['172.17.112.1', 10001],</a:t>
+              </a:r>
+            </a:p>
+            <a:p>
+              <a:r>
+                <a:rPr lang="en-US" altLang="zh-CN" sz="1200" cap="none" spc="0" dirty="0">
+                  <a:ln w="0"/>
+                  <a:solidFill>
+                    <a:schemeClr val="bg2">
+                      <a:lumMod val="50000"/>
+                    </a:schemeClr>
+                  </a:solidFill>
+                  <a:effectLst>
+                    <a:outerShdw blurRad="38100" dist="19050" dir="2700000" algn="tl" rotWithShape="0">
+                      <a:schemeClr val="dk1">
+                        <a:alpha val="40000"/>
+                      </a:schemeClr>
+                    </a:outerShdw>
+                  </a:effectLst>
+                </a:rPr>
+                <a:t> 'is_member': True, 'CONTACT_SERVER': ['172.17.112.1', 10001]}</a:t>
+              </a:r>
+            </a:p>
+          </p:txBody>
+        </p:sp>
+        <p:sp>
+          <p:nvSpPr>
+            <p:cNvPr id="4" name="Rectangle 3">
+              <a:extLst>
+                <a:ext uri="{FF2B5EF4-FFF2-40B4-BE49-F238E27FC236}">
+                  <a16:creationId xmlns:a16="http://schemas.microsoft.com/office/drawing/2014/main" id="{61FB9B1C-537C-32EF-69DF-B46AE9E64D09}"/>
+                </a:ext>
+              </a:extLst>
+            </p:cNvPr>
+            <p:cNvSpPr/>
+            <p:nvPr/>
+          </p:nvSpPr>
+          <p:spPr>
+            <a:xfrm>
+              <a:off x="7493964" y="2019154"/>
+              <a:ext cx="1747594" cy="400110"/>
+            </a:xfrm>
+            <a:prstGeom prst="rect">
+              <a:avLst/>
+            </a:prstGeom>
+            <a:noFill/>
+          </p:spPr>
+          <p:txBody>
+            <a:bodyPr wrap="none" lIns="91440" tIns="45720" rIns="91440" bIns="45720">
+              <a:spAutoFit/>
+            </a:bodyPr>
+            <a:lstStyle/>
+            <a:p>
+              <a:pPr algn="ctr"/>
+              <a:r>
+                <a:rPr lang="en-US" altLang="zh-CN" sz="2000" b="1" dirty="0">
+                  <a:ln w="0"/>
+                  <a:effectLst>
+                    <a:outerShdw blurRad="38100" dist="19050" dir="2700000" algn="tl" rotWithShape="0">
+                      <a:schemeClr val="dk1">
+                        <a:alpha val="40000"/>
+                      </a:schemeClr>
+                    </a:outerShdw>
+                  </a:effectLst>
+                </a:rPr>
+                <a:t>Message.json</a:t>
+              </a:r>
+              <a:endParaRPr lang="en-US" altLang="zh-CN" sz="2000" b="1" cap="none" spc="0" dirty="0">
+                <a:ln w="0"/>
+                <a:solidFill>
+                  <a:schemeClr val="tx1"/>
+                </a:solidFill>
+                <a:effectLst>
+                  <a:outerShdw blurRad="38100" dist="19050" dir="2700000" algn="tl" rotWithShape="0">
+                    <a:schemeClr val="dk1">
+                      <a:alpha val="40000"/>
+                    </a:schemeClr>
+                  </a:outerShdw>
+                </a:effectLst>
+              </a:endParaRPr>
+            </a:p>
+          </p:txBody>
+        </p:sp>
+      </p:grpSp>
+    </p:spTree>
+    <p:extLst>
+      <p:ext uri="{BB962C8B-B14F-4D97-AF65-F5344CB8AC3E}">
+        <p14:creationId xmlns:p14="http://schemas.microsoft.com/office/powerpoint/2010/main" val="3898797749"/>
+      </p:ext>
+    </p:extLst>
+  </p:cSld>
+  <p:clrMapOvr>
+    <a:masterClrMapping/>
+  </p:clrMapOvr>
+</p:sld>
+</file>
+
+<file path=ppt/slides/slide4.xml><?xml version="1.0" encoding="utf-8"?>
+<p:sld xmlns:a="http://schemas.openxmlformats.org/drawingml/2006/main" xmlns:r="http://schemas.openxmlformats.org/officeDocument/2006/relationships" xmlns:p="http://schemas.openxmlformats.org/presentationml/2006/main">
+  <p:cSld>
+    <p:spTree>
+      <p:nvGrpSpPr>
+        <p:cNvPr id="1" name=""/>
+        <p:cNvGrpSpPr/>
+        <p:nvPr/>
+      </p:nvGrpSpPr>
+      <p:grpSpPr>
+        <a:xfrm>
+          <a:off x="0" y="0"/>
+          <a:ext cx="0" cy="0"/>
+          <a:chOff x="0" y="0"/>
+          <a:chExt cx="0" cy="0"/>
+        </a:xfrm>
+      </p:grpSpPr>
+      <p:grpSp>
+        <p:nvGrpSpPr>
+          <p:cNvPr id="56" name="Group 55">
+            <a:extLst>
+              <a:ext uri="{FF2B5EF4-FFF2-40B4-BE49-F238E27FC236}">
+                <a16:creationId xmlns:a16="http://schemas.microsoft.com/office/drawing/2014/main" id="{7C9A9962-7289-3770-333D-37BBEB525012}"/>
+              </a:ext>
+            </a:extLst>
+          </p:cNvPr>
+          <p:cNvGrpSpPr/>
+          <p:nvPr/>
+        </p:nvGrpSpPr>
+        <p:grpSpPr>
+          <a:xfrm>
+            <a:off x="3352904" y="1194872"/>
+            <a:ext cx="4995660" cy="4086741"/>
+            <a:chOff x="2195615" y="1130578"/>
+            <a:chExt cx="4995660" cy="4086741"/>
+          </a:xfrm>
+        </p:grpSpPr>
+        <p:grpSp>
+          <p:nvGrpSpPr>
+            <p:cNvPr id="4" name="Group 3">
+              <a:extLst>
+                <a:ext uri="{FF2B5EF4-FFF2-40B4-BE49-F238E27FC236}">
+                  <a16:creationId xmlns:a16="http://schemas.microsoft.com/office/drawing/2014/main" id="{E91D8761-FEB9-2134-17C3-32438C5A2ACC}"/>
+                </a:ext>
+              </a:extLst>
+            </p:cNvPr>
+            <p:cNvGrpSpPr/>
+            <p:nvPr/>
+          </p:nvGrpSpPr>
+          <p:grpSpPr>
+            <a:xfrm>
+              <a:off x="2461768" y="1721565"/>
+              <a:ext cx="1410587" cy="1346790"/>
+              <a:chOff x="3296091" y="992373"/>
+              <a:chExt cx="1410587" cy="1346790"/>
+            </a:xfrm>
+          </p:grpSpPr>
+          <p:sp>
+            <p:nvSpPr>
+              <p:cNvPr id="2" name="矩形: 圆角 5">
+                <a:extLst>
+                  <a:ext uri="{FF2B5EF4-FFF2-40B4-BE49-F238E27FC236}">
+                    <a16:creationId xmlns:a16="http://schemas.microsoft.com/office/drawing/2014/main" id="{F257856B-999B-8458-65B6-8AC50F16E867}"/>
+                  </a:ext>
+                </a:extLst>
+              </p:cNvPr>
+              <p:cNvSpPr/>
+              <p:nvPr/>
+            </p:nvSpPr>
+            <p:spPr>
+              <a:xfrm>
+                <a:off x="3296091" y="992373"/>
+                <a:ext cx="1410587" cy="1346790"/>
+              </a:xfrm>
+              <a:prstGeom prst="roundRect">
+                <a:avLst/>
+              </a:prstGeom>
+              <a:solidFill>
+                <a:schemeClr val="accent1">
+                  <a:lumMod val="75000"/>
+                </a:schemeClr>
+              </a:solidFill>
+              <a:ln>
+                <a:noFill/>
+              </a:ln>
+            </p:spPr>
+            <p:style>
+              <a:lnRef idx="2">
+                <a:schemeClr val="accent1">
+                  <a:shade val="50000"/>
+                </a:schemeClr>
+              </a:lnRef>
+              <a:fillRef idx="1">
+                <a:schemeClr val="accent1"/>
+              </a:fillRef>
+              <a:effectRef idx="0">
+                <a:schemeClr val="accent1"/>
+              </a:effectRef>
+              <a:fontRef idx="minor">
+                <a:schemeClr val="lt1"/>
+              </a:fontRef>
+            </p:style>
+            <p:txBody>
+              <a:bodyPr rtlCol="0" anchor="ctr"/>
+              <a:lstStyle/>
+              <a:p>
+                <a:pPr algn="ctr"/>
+                <a:endParaRPr lang="zh-CN" altLang="en-US" dirty="0"/>
+              </a:p>
+            </p:txBody>
+          </p:sp>
+          <p:sp>
+            <p:nvSpPr>
+              <p:cNvPr id="3" name="文本框 59">
+                <a:extLst>
+                  <a:ext uri="{FF2B5EF4-FFF2-40B4-BE49-F238E27FC236}">
+                    <a16:creationId xmlns:a16="http://schemas.microsoft.com/office/drawing/2014/main" id="{82C2A809-6E2E-FA30-C316-1F94CED183E9}"/>
+                  </a:ext>
+                </a:extLst>
+              </p:cNvPr>
+              <p:cNvSpPr txBox="1"/>
+              <p:nvPr/>
+            </p:nvSpPr>
+            <p:spPr>
+              <a:xfrm>
+                <a:off x="3391345" y="1131976"/>
+                <a:ext cx="1220078" cy="338554"/>
+              </a:xfrm>
+              <a:prstGeom prst="rect">
+                <a:avLst/>
+              </a:prstGeom>
+              <a:noFill/>
+            </p:spPr>
+            <p:txBody>
+              <a:bodyPr wrap="none" rtlCol="0">
+                <a:spAutoFit/>
+              </a:bodyPr>
+              <a:lstStyle/>
+              <a:p>
+                <a:r>
+                  <a:rPr lang="en-US" altLang="zh-CN" sz="1600" b="1" dirty="0">
+                    <a:solidFill>
+                      <a:schemeClr val="bg1"/>
+                    </a:solidFill>
+                    <a:latin typeface="Hei"/>
+                  </a:rPr>
+                  <a:t>Main Server</a:t>
+                </a:r>
+                <a:endParaRPr lang="zh-CN" altLang="en-US" sz="1600" b="1" dirty="0">
+                  <a:solidFill>
+                    <a:schemeClr val="bg1"/>
+                  </a:solidFill>
+                  <a:latin typeface="Hei"/>
+                </a:endParaRPr>
+              </a:p>
+            </p:txBody>
+          </p:sp>
+        </p:grpSp>
+        <p:grpSp>
+          <p:nvGrpSpPr>
+            <p:cNvPr id="13" name="Group 12">
+              <a:extLst>
+                <a:ext uri="{FF2B5EF4-FFF2-40B4-BE49-F238E27FC236}">
+                  <a16:creationId xmlns:a16="http://schemas.microsoft.com/office/drawing/2014/main" id="{13750FEE-5F3C-6FEC-F994-B79642B1A46F}"/>
+                </a:ext>
+              </a:extLst>
+            </p:cNvPr>
+            <p:cNvGrpSpPr/>
+            <p:nvPr/>
+          </p:nvGrpSpPr>
+          <p:grpSpPr>
+            <a:xfrm>
+              <a:off x="4921157" y="1721565"/>
+              <a:ext cx="1410587" cy="1346790"/>
+              <a:chOff x="2545998" y="2082210"/>
+              <a:chExt cx="1410587" cy="1346790"/>
+            </a:xfrm>
+          </p:grpSpPr>
+          <p:sp>
+            <p:nvSpPr>
+              <p:cNvPr id="5" name="矩形: 圆角 5">
+                <a:extLst>
+                  <a:ext uri="{FF2B5EF4-FFF2-40B4-BE49-F238E27FC236}">
+                    <a16:creationId xmlns:a16="http://schemas.microsoft.com/office/drawing/2014/main" id="{25593BC3-F057-1BBE-D5F6-9DFD341ED656}"/>
+                  </a:ext>
+                </a:extLst>
+              </p:cNvPr>
+              <p:cNvSpPr/>
+              <p:nvPr/>
+            </p:nvSpPr>
+            <p:spPr>
+              <a:xfrm>
+                <a:off x="2545998" y="2082210"/>
+                <a:ext cx="1410587" cy="1346790"/>
+              </a:xfrm>
+              <a:prstGeom prst="roundRect">
+                <a:avLst/>
+              </a:prstGeom>
+              <a:solidFill>
+                <a:schemeClr val="accent1">
+                  <a:lumMod val="75000"/>
+                </a:schemeClr>
+              </a:solidFill>
+              <a:ln>
+                <a:noFill/>
+              </a:ln>
+            </p:spPr>
+            <p:style>
+              <a:lnRef idx="2">
+                <a:schemeClr val="accent1">
+                  <a:shade val="50000"/>
+                </a:schemeClr>
+              </a:lnRef>
+              <a:fillRef idx="1">
+                <a:schemeClr val="accent1"/>
+              </a:fillRef>
+              <a:effectRef idx="0">
+                <a:schemeClr val="accent1"/>
+              </a:effectRef>
+              <a:fontRef idx="minor">
+                <a:schemeClr val="lt1"/>
+              </a:fontRef>
+            </p:style>
+            <p:txBody>
+              <a:bodyPr rtlCol="0" anchor="ctr"/>
+              <a:lstStyle/>
+              <a:p>
+                <a:pPr algn="ctr"/>
+                <a:endParaRPr lang="zh-CN" altLang="en-US"/>
+              </a:p>
+            </p:txBody>
+          </p:sp>
+          <p:sp>
+            <p:nvSpPr>
+              <p:cNvPr id="6" name="文本框 59">
+                <a:extLst>
+                  <a:ext uri="{FF2B5EF4-FFF2-40B4-BE49-F238E27FC236}">
+                    <a16:creationId xmlns:a16="http://schemas.microsoft.com/office/drawing/2014/main" id="{DC3BF63A-016C-E155-571A-4A68718ABC4F}"/>
+                  </a:ext>
+                </a:extLst>
+              </p:cNvPr>
+              <p:cNvSpPr txBox="1"/>
+              <p:nvPr/>
+            </p:nvSpPr>
+            <p:spPr>
+              <a:xfrm>
+                <a:off x="2775994" y="2207525"/>
+                <a:ext cx="883447" cy="338554"/>
+              </a:xfrm>
+              <a:prstGeom prst="rect">
+                <a:avLst/>
+              </a:prstGeom>
+              <a:noFill/>
+            </p:spPr>
+            <p:txBody>
+              <a:bodyPr wrap="none" rtlCol="0">
+                <a:spAutoFit/>
+              </a:bodyPr>
+              <a:lstStyle/>
+              <a:p>
+                <a:r>
+                  <a:rPr lang="en-US" altLang="zh-CN" sz="1600" b="1" dirty="0">
+                    <a:solidFill>
+                      <a:schemeClr val="bg1"/>
+                    </a:solidFill>
+                    <a:latin typeface="Hei"/>
+                  </a:rPr>
+                  <a:t>Server 2</a:t>
+                </a:r>
+                <a:endParaRPr lang="zh-CN" altLang="en-US" sz="1600" b="1" dirty="0">
+                  <a:solidFill>
+                    <a:schemeClr val="bg1"/>
+                  </a:solidFill>
+                  <a:latin typeface="Hei"/>
+                </a:endParaRPr>
+              </a:p>
+            </p:txBody>
+          </p:sp>
+        </p:grpSp>
+        <p:grpSp>
+          <p:nvGrpSpPr>
+            <p:cNvPr id="9" name="Group 8">
+              <a:extLst>
+                <a:ext uri="{FF2B5EF4-FFF2-40B4-BE49-F238E27FC236}">
+                  <a16:creationId xmlns:a16="http://schemas.microsoft.com/office/drawing/2014/main" id="{E4A326E1-022F-43C8-5FE5-333ABFF69C79}"/>
+                </a:ext>
+              </a:extLst>
+            </p:cNvPr>
+            <p:cNvGrpSpPr/>
+            <p:nvPr/>
+          </p:nvGrpSpPr>
+          <p:grpSpPr>
+            <a:xfrm>
+              <a:off x="2754287" y="4113306"/>
+              <a:ext cx="825547" cy="1104013"/>
+              <a:chOff x="2971923" y="4120117"/>
+              <a:chExt cx="825547" cy="1104013"/>
+            </a:xfrm>
+          </p:grpSpPr>
+          <p:sp>
+            <p:nvSpPr>
+              <p:cNvPr id="7" name="矩形: 圆角 10">
+                <a:extLst>
+                  <a:ext uri="{FF2B5EF4-FFF2-40B4-BE49-F238E27FC236}">
+                    <a16:creationId xmlns:a16="http://schemas.microsoft.com/office/drawing/2014/main" id="{A85FE55B-33D7-E526-3A1C-78360E8D62A5}"/>
+                  </a:ext>
+                </a:extLst>
+              </p:cNvPr>
+              <p:cNvSpPr/>
+              <p:nvPr/>
+            </p:nvSpPr>
+            <p:spPr>
+              <a:xfrm>
+                <a:off x="3019645" y="4120117"/>
+                <a:ext cx="730104" cy="1104013"/>
+              </a:xfrm>
+              <a:prstGeom prst="roundRect">
+                <a:avLst/>
+              </a:prstGeom>
+              <a:solidFill>
+                <a:schemeClr val="accent1">
+                  <a:lumMod val="75000"/>
+                </a:schemeClr>
+              </a:solidFill>
+              <a:ln>
+                <a:noFill/>
+              </a:ln>
+            </p:spPr>
+            <p:style>
+              <a:lnRef idx="2">
+                <a:schemeClr val="accent1">
+                  <a:shade val="50000"/>
+                </a:schemeClr>
+              </a:lnRef>
+              <a:fillRef idx="1">
+                <a:schemeClr val="accent1"/>
+              </a:fillRef>
+              <a:effectRef idx="0">
+                <a:schemeClr val="accent1"/>
+              </a:effectRef>
+              <a:fontRef idx="minor">
+                <a:schemeClr val="lt1"/>
+              </a:fontRef>
+            </p:style>
+            <p:txBody>
+              <a:bodyPr rtlCol="0" anchor="ctr"/>
+              <a:lstStyle/>
+              <a:p>
+                <a:pPr algn="ctr"/>
+                <a:endParaRPr lang="zh-CN" altLang="en-US" dirty="0"/>
+              </a:p>
+            </p:txBody>
+          </p:sp>
+          <p:sp>
+            <p:nvSpPr>
+              <p:cNvPr id="8" name="文本框 51">
+                <a:extLst>
+                  <a:ext uri="{FF2B5EF4-FFF2-40B4-BE49-F238E27FC236}">
+                    <a16:creationId xmlns:a16="http://schemas.microsoft.com/office/drawing/2014/main" id="{218ADF7C-89F8-9666-8332-449A9F5768FC}"/>
+                  </a:ext>
+                </a:extLst>
+              </p:cNvPr>
+              <p:cNvSpPr txBox="1"/>
+              <p:nvPr/>
+            </p:nvSpPr>
+            <p:spPr>
+              <a:xfrm>
+                <a:off x="2971923" y="4496036"/>
+                <a:ext cx="825547" cy="338554"/>
+              </a:xfrm>
+              <a:prstGeom prst="rect">
+                <a:avLst/>
+              </a:prstGeom>
+              <a:noFill/>
+            </p:spPr>
+            <p:txBody>
+              <a:bodyPr wrap="none" rtlCol="0">
+                <a:spAutoFit/>
+              </a:bodyPr>
+              <a:lstStyle/>
+              <a:p>
+                <a:r>
+                  <a:rPr lang="en-US" altLang="zh-CN" sz="1600" b="1" dirty="0">
+                    <a:solidFill>
+                      <a:schemeClr val="bg1"/>
+                    </a:solidFill>
+                    <a:latin typeface="Hei"/>
+                  </a:rPr>
+                  <a:t>Client 1</a:t>
+                </a:r>
+                <a:endParaRPr lang="zh-CN" altLang="en-US" sz="1600" b="1" dirty="0">
+                  <a:solidFill>
+                    <a:schemeClr val="bg1"/>
+                  </a:solidFill>
+                  <a:latin typeface="Hei"/>
+                </a:endParaRPr>
+              </a:p>
+            </p:txBody>
+          </p:sp>
+        </p:grpSp>
+        <p:grpSp>
+          <p:nvGrpSpPr>
+            <p:cNvPr id="10" name="Group 9">
+              <a:extLst>
+                <a:ext uri="{FF2B5EF4-FFF2-40B4-BE49-F238E27FC236}">
+                  <a16:creationId xmlns:a16="http://schemas.microsoft.com/office/drawing/2014/main" id="{59D59E3D-30A3-70E1-FD06-F2E9BA38F4B0}"/>
+                </a:ext>
+              </a:extLst>
+            </p:cNvPr>
+            <p:cNvGrpSpPr/>
+            <p:nvPr/>
+          </p:nvGrpSpPr>
+          <p:grpSpPr>
+            <a:xfrm>
+              <a:off x="5088729" y="4113306"/>
+              <a:ext cx="825547" cy="1104013"/>
+              <a:chOff x="2971923" y="4120117"/>
+              <a:chExt cx="825547" cy="1104013"/>
+            </a:xfrm>
+          </p:grpSpPr>
+          <p:sp>
+            <p:nvSpPr>
+              <p:cNvPr id="11" name="矩形: 圆角 10">
+                <a:extLst>
+                  <a:ext uri="{FF2B5EF4-FFF2-40B4-BE49-F238E27FC236}">
+                    <a16:creationId xmlns:a16="http://schemas.microsoft.com/office/drawing/2014/main" id="{3C6ECDE2-DDC8-0071-0FB5-E95A6ECD7A4F}"/>
+                  </a:ext>
+                </a:extLst>
+              </p:cNvPr>
+              <p:cNvSpPr/>
+              <p:nvPr/>
+            </p:nvSpPr>
+            <p:spPr>
+              <a:xfrm>
+                <a:off x="3019645" y="4120117"/>
+                <a:ext cx="730104" cy="1104013"/>
+              </a:xfrm>
+              <a:prstGeom prst="roundRect">
+                <a:avLst/>
+              </a:prstGeom>
+              <a:solidFill>
+                <a:schemeClr val="accent1">
+                  <a:lumMod val="75000"/>
+                </a:schemeClr>
+              </a:solidFill>
+              <a:ln>
+                <a:noFill/>
+              </a:ln>
+            </p:spPr>
+            <p:style>
+              <a:lnRef idx="2">
+                <a:schemeClr val="accent1">
+                  <a:shade val="50000"/>
+                </a:schemeClr>
+              </a:lnRef>
+              <a:fillRef idx="1">
+                <a:schemeClr val="accent1"/>
+              </a:fillRef>
+              <a:effectRef idx="0">
+                <a:schemeClr val="accent1"/>
+              </a:effectRef>
+              <a:fontRef idx="minor">
+                <a:schemeClr val="lt1"/>
+              </a:fontRef>
+            </p:style>
+            <p:txBody>
+              <a:bodyPr rtlCol="0" anchor="ctr"/>
+              <a:lstStyle/>
+              <a:p>
+                <a:pPr algn="ctr"/>
+                <a:endParaRPr lang="zh-CN" altLang="en-US" dirty="0"/>
+              </a:p>
+            </p:txBody>
+          </p:sp>
+          <p:sp>
+            <p:nvSpPr>
+              <p:cNvPr id="12" name="文本框 51">
+                <a:extLst>
+                  <a:ext uri="{FF2B5EF4-FFF2-40B4-BE49-F238E27FC236}">
+                    <a16:creationId xmlns:a16="http://schemas.microsoft.com/office/drawing/2014/main" id="{A5AEAEC2-6C75-23BD-5C3F-E53A33627817}"/>
+                  </a:ext>
+                </a:extLst>
+              </p:cNvPr>
+              <p:cNvSpPr txBox="1"/>
+              <p:nvPr/>
+            </p:nvSpPr>
+            <p:spPr>
+              <a:xfrm>
+                <a:off x="2971923" y="4496036"/>
+                <a:ext cx="825547" cy="338554"/>
+              </a:xfrm>
+              <a:prstGeom prst="rect">
+                <a:avLst/>
+              </a:prstGeom>
+              <a:noFill/>
+            </p:spPr>
+            <p:txBody>
+              <a:bodyPr wrap="none" rtlCol="0">
+                <a:spAutoFit/>
+              </a:bodyPr>
+              <a:lstStyle/>
+              <a:p>
+                <a:r>
+                  <a:rPr lang="en-US" altLang="zh-CN" sz="1600" b="1" dirty="0">
+                    <a:solidFill>
+                      <a:schemeClr val="bg1"/>
+                    </a:solidFill>
+                    <a:latin typeface="Hei"/>
+                  </a:rPr>
+                  <a:t>Client 2</a:t>
+                </a:r>
+                <a:endParaRPr lang="zh-CN" altLang="en-US" sz="1600" b="1" dirty="0">
+                  <a:solidFill>
+                    <a:schemeClr val="bg1"/>
+                  </a:solidFill>
+                  <a:latin typeface="Hei"/>
+                </a:endParaRPr>
+              </a:p>
+            </p:txBody>
+          </p:sp>
+        </p:grpSp>
+        <p:cxnSp>
+          <p:nvCxnSpPr>
+            <p:cNvPr id="15" name="Straight Arrow Connector 14">
+              <a:extLst>
+                <a:ext uri="{FF2B5EF4-FFF2-40B4-BE49-F238E27FC236}">
+                  <a16:creationId xmlns:a16="http://schemas.microsoft.com/office/drawing/2014/main" id="{B494F4ED-DB3D-714F-4607-B0BDDED50A93}"/>
+                </a:ext>
+              </a:extLst>
+            </p:cNvPr>
+            <p:cNvCxnSpPr>
+              <a:stCxn id="7" idx="0"/>
+              <a:endCxn id="2" idx="2"/>
+            </p:cNvCxnSpPr>
+            <p:nvPr/>
+          </p:nvCxnSpPr>
+          <p:spPr>
+            <a:xfrm flipV="1">
+              <a:off x="3167061" y="3068355"/>
+              <a:ext cx="1" cy="1044951"/>
+            </a:xfrm>
+            <a:prstGeom prst="straightConnector1">
+              <a:avLst/>
+            </a:prstGeom>
+            <a:ln w="76200">
+              <a:tailEnd type="triangle"/>
+            </a:ln>
+          </p:spPr>
+          <p:style>
+            <a:lnRef idx="1">
+              <a:schemeClr val="accent1"/>
+            </a:lnRef>
+            <a:fillRef idx="0">
+              <a:schemeClr val="accent1"/>
+            </a:fillRef>
+            <a:effectRef idx="0">
+              <a:schemeClr val="accent1"/>
+            </a:effectRef>
+            <a:fontRef idx="minor">
+              <a:schemeClr val="tx1"/>
+            </a:fontRef>
+          </p:style>
+        </p:cxnSp>
+        <p:cxnSp>
+          <p:nvCxnSpPr>
+            <p:cNvPr id="16" name="Straight Arrow Connector 15">
+              <a:extLst>
+                <a:ext uri="{FF2B5EF4-FFF2-40B4-BE49-F238E27FC236}">
+                  <a16:creationId xmlns:a16="http://schemas.microsoft.com/office/drawing/2014/main" id="{1E472CE1-11E6-6DA5-A7D4-A2A51F81B143}"/>
+                </a:ext>
+              </a:extLst>
+            </p:cNvPr>
+            <p:cNvCxnSpPr>
+              <a:cxnSpLocks/>
+              <a:stCxn id="11" idx="0"/>
+            </p:cNvCxnSpPr>
+            <p:nvPr/>
+          </p:nvCxnSpPr>
+          <p:spPr>
+            <a:xfrm flipH="1" flipV="1">
+              <a:off x="3777100" y="3056396"/>
+              <a:ext cx="1724403" cy="1056910"/>
+            </a:xfrm>
+            <a:prstGeom prst="straightConnector1">
+              <a:avLst/>
+            </a:prstGeom>
+            <a:ln w="76200">
+              <a:tailEnd type="triangle"/>
+            </a:ln>
+          </p:spPr>
+          <p:style>
+            <a:lnRef idx="1">
+              <a:schemeClr val="accent1"/>
+            </a:lnRef>
+            <a:fillRef idx="0">
+              <a:schemeClr val="accent1"/>
+            </a:fillRef>
+            <a:effectRef idx="0">
+              <a:schemeClr val="accent1"/>
+            </a:effectRef>
+            <a:fontRef idx="minor">
+              <a:schemeClr val="tx1"/>
+            </a:fontRef>
+          </p:style>
+        </p:cxnSp>
+        <p:cxnSp>
+          <p:nvCxnSpPr>
+            <p:cNvPr id="19" name="Straight Arrow Connector 18">
+              <a:extLst>
+                <a:ext uri="{FF2B5EF4-FFF2-40B4-BE49-F238E27FC236}">
+                  <a16:creationId xmlns:a16="http://schemas.microsoft.com/office/drawing/2014/main" id="{6E778596-8D5B-7804-715D-54A14500A624}"/>
+                </a:ext>
+              </a:extLst>
+            </p:cNvPr>
+            <p:cNvCxnSpPr>
+              <a:cxnSpLocks/>
+              <a:stCxn id="5" idx="1"/>
+              <a:endCxn id="2" idx="3"/>
+            </p:cNvCxnSpPr>
+            <p:nvPr/>
+          </p:nvCxnSpPr>
+          <p:spPr>
+            <a:xfrm flipH="1">
+              <a:off x="3872355" y="2394960"/>
+              <a:ext cx="1048802" cy="0"/>
+            </a:xfrm>
+            <a:prstGeom prst="straightConnector1">
+              <a:avLst/>
+            </a:prstGeom>
+            <a:ln w="76200">
+              <a:tailEnd type="triangle"/>
+            </a:ln>
+          </p:spPr>
+          <p:style>
+            <a:lnRef idx="1">
+              <a:schemeClr val="accent1"/>
+            </a:lnRef>
+            <a:fillRef idx="0">
+              <a:schemeClr val="accent1"/>
+            </a:fillRef>
+            <a:effectRef idx="0">
+              <a:schemeClr val="accent1"/>
+            </a:effectRef>
+            <a:fontRef idx="minor">
+              <a:schemeClr val="tx1"/>
+            </a:fontRef>
+          </p:style>
+        </p:cxnSp>
+        <p:cxnSp>
+          <p:nvCxnSpPr>
+            <p:cNvPr id="23" name="Connector: Curved 22">
+              <a:extLst>
+                <a:ext uri="{FF2B5EF4-FFF2-40B4-BE49-F238E27FC236}">
+                  <a16:creationId xmlns:a16="http://schemas.microsoft.com/office/drawing/2014/main" id="{AF8A652B-2712-83F9-B561-AC9B0C5179FE}"/>
+                </a:ext>
+              </a:extLst>
+            </p:cNvPr>
+            <p:cNvCxnSpPr>
+              <a:cxnSpLocks/>
+              <a:endCxn id="11" idx="0"/>
+            </p:cNvCxnSpPr>
+            <p:nvPr/>
+          </p:nvCxnSpPr>
+          <p:spPr>
+            <a:xfrm>
+              <a:off x="3812323" y="2975381"/>
+              <a:ext cx="1689180" cy="1137925"/>
+            </a:xfrm>
+            <a:prstGeom prst="curvedConnector2">
+              <a:avLst/>
+            </a:prstGeom>
+            <a:ln w="76200">
+              <a:solidFill>
+                <a:srgbClr val="FF0000"/>
+              </a:solidFill>
+              <a:tailEnd type="triangle"/>
+            </a:ln>
+          </p:spPr>
+          <p:style>
+            <a:lnRef idx="1">
+              <a:schemeClr val="accent1"/>
+            </a:lnRef>
+            <a:fillRef idx="0">
+              <a:schemeClr val="accent1"/>
+            </a:fillRef>
+            <a:effectRef idx="0">
+              <a:schemeClr val="accent1"/>
+            </a:effectRef>
+            <a:fontRef idx="minor">
+              <a:schemeClr val="tx1"/>
+            </a:fontRef>
+          </p:style>
+        </p:cxnSp>
+        <p:cxnSp>
+          <p:nvCxnSpPr>
+            <p:cNvPr id="25" name="Connector: Curved 24">
+              <a:extLst>
+                <a:ext uri="{FF2B5EF4-FFF2-40B4-BE49-F238E27FC236}">
+                  <a16:creationId xmlns:a16="http://schemas.microsoft.com/office/drawing/2014/main" id="{17674A82-9299-3EF2-D1F8-B929BE426AB8}"/>
+                </a:ext>
+              </a:extLst>
+            </p:cNvPr>
+            <p:cNvCxnSpPr>
+              <a:cxnSpLocks/>
+              <a:stCxn id="11" idx="0"/>
+              <a:endCxn id="5" idx="3"/>
+            </p:cNvCxnSpPr>
+            <p:nvPr/>
+          </p:nvCxnSpPr>
+          <p:spPr>
+            <a:xfrm rot="5400000" flipH="1" flipV="1">
+              <a:off x="5057450" y="2839013"/>
+              <a:ext cx="1718346" cy="830241"/>
+            </a:xfrm>
+            <a:prstGeom prst="curvedConnector4">
+              <a:avLst>
+                <a:gd name="adj1" fmla="val 15024"/>
+                <a:gd name="adj2" fmla="val 127534"/>
+              </a:avLst>
+            </a:prstGeom>
+            <a:ln w="76200">
+              <a:solidFill>
+                <a:srgbClr val="FF0000"/>
+              </a:solidFill>
+              <a:tailEnd type="triangle"/>
+            </a:ln>
+          </p:spPr>
+          <p:style>
+            <a:lnRef idx="1">
+              <a:schemeClr val="accent1"/>
+            </a:lnRef>
+            <a:fillRef idx="0">
+              <a:schemeClr val="accent1"/>
+            </a:fillRef>
+            <a:effectRef idx="0">
+              <a:schemeClr val="accent1"/>
+            </a:effectRef>
+            <a:fontRef idx="minor">
+              <a:schemeClr val="tx1"/>
+            </a:fontRef>
+          </p:style>
+        </p:cxnSp>
+        <p:cxnSp>
+          <p:nvCxnSpPr>
+            <p:cNvPr id="41" name="Connector: Curved 40">
+              <a:extLst>
+                <a:ext uri="{FF2B5EF4-FFF2-40B4-BE49-F238E27FC236}">
+                  <a16:creationId xmlns:a16="http://schemas.microsoft.com/office/drawing/2014/main" id="{C03E593F-B1BB-4E06-AA15-88D0168A8864}"/>
+                </a:ext>
+              </a:extLst>
+            </p:cNvPr>
+            <p:cNvCxnSpPr>
+              <a:cxnSpLocks/>
+              <a:stCxn id="2" idx="2"/>
+              <a:endCxn id="8" idx="1"/>
+            </p:cNvCxnSpPr>
+            <p:nvPr/>
+          </p:nvCxnSpPr>
+          <p:spPr>
+            <a:xfrm rot="5400000">
+              <a:off x="2165602" y="3657041"/>
+              <a:ext cx="1590147" cy="412775"/>
+            </a:xfrm>
+            <a:prstGeom prst="curvedConnector4">
+              <a:avLst>
+                <a:gd name="adj1" fmla="val 11882"/>
+                <a:gd name="adj2" fmla="val 155381"/>
+              </a:avLst>
+            </a:prstGeom>
+            <a:ln w="76200">
+              <a:solidFill>
+                <a:schemeClr val="accent6">
+                  <a:lumMod val="75000"/>
+                </a:schemeClr>
+              </a:solidFill>
+              <a:tailEnd type="triangle"/>
+            </a:ln>
+          </p:spPr>
+          <p:style>
+            <a:lnRef idx="1">
+              <a:schemeClr val="accent1"/>
+            </a:lnRef>
+            <a:fillRef idx="0">
+              <a:schemeClr val="accent1"/>
+            </a:fillRef>
+            <a:effectRef idx="0">
+              <a:schemeClr val="accent1"/>
+            </a:effectRef>
+            <a:fontRef idx="minor">
+              <a:schemeClr val="tx1"/>
+            </a:fontRef>
+          </p:style>
+        </p:cxnSp>
+        <p:cxnSp>
+          <p:nvCxnSpPr>
+            <p:cNvPr id="45" name="Connector: Curved 44">
+              <a:extLst>
+                <a:ext uri="{FF2B5EF4-FFF2-40B4-BE49-F238E27FC236}">
+                  <a16:creationId xmlns:a16="http://schemas.microsoft.com/office/drawing/2014/main" id="{1D8844DA-66D4-DC9F-9B67-2FAA7FA489B3}"/>
+                </a:ext>
+              </a:extLst>
+            </p:cNvPr>
+            <p:cNvCxnSpPr>
+              <a:cxnSpLocks/>
+              <a:stCxn id="2" idx="3"/>
+              <a:endCxn id="5" idx="0"/>
+            </p:cNvCxnSpPr>
+            <p:nvPr/>
+          </p:nvCxnSpPr>
+          <p:spPr>
+            <a:xfrm flipV="1">
+              <a:off x="3872355" y="1721565"/>
+              <a:ext cx="1754096" cy="673395"/>
+            </a:xfrm>
+            <a:prstGeom prst="curvedConnector4">
+              <a:avLst>
+                <a:gd name="adj1" fmla="val 13606"/>
+                <a:gd name="adj2" fmla="val 133947"/>
+              </a:avLst>
+            </a:prstGeom>
+            <a:ln w="76200">
+              <a:solidFill>
+                <a:schemeClr val="accent6">
+                  <a:lumMod val="75000"/>
+                </a:schemeClr>
+              </a:solidFill>
+              <a:tailEnd type="triangle"/>
+            </a:ln>
+          </p:spPr>
+          <p:style>
+            <a:lnRef idx="1">
+              <a:schemeClr val="accent1"/>
+            </a:lnRef>
+            <a:fillRef idx="0">
+              <a:schemeClr val="accent1"/>
+            </a:fillRef>
+            <a:effectRef idx="0">
+              <a:schemeClr val="accent1"/>
+            </a:effectRef>
+            <a:fontRef idx="minor">
+              <a:schemeClr val="tx1"/>
+            </a:fontRef>
+          </p:style>
+        </p:cxnSp>
+        <p:sp>
+          <p:nvSpPr>
+            <p:cNvPr id="49" name="文本框 59">
+              <a:extLst>
+                <a:ext uri="{FF2B5EF4-FFF2-40B4-BE49-F238E27FC236}">
+                  <a16:creationId xmlns:a16="http://schemas.microsoft.com/office/drawing/2014/main" id="{96683A9F-2191-AFC5-4099-1047799A4A2B}"/>
+                </a:ext>
+              </a:extLst>
+            </p:cNvPr>
+            <p:cNvSpPr txBox="1"/>
+            <p:nvPr/>
+          </p:nvSpPr>
+          <p:spPr>
+            <a:xfrm>
+              <a:off x="4145069" y="2377767"/>
+              <a:ext cx="651140" cy="338554"/>
+            </a:xfrm>
+            <a:prstGeom prst="rect">
+              <a:avLst/>
+            </a:prstGeom>
+            <a:noFill/>
+          </p:spPr>
+          <p:txBody>
+            <a:bodyPr wrap="none" rtlCol="0">
+              <a:spAutoFit/>
+            </a:bodyPr>
+            <a:lstStyle/>
+            <a:p>
+              <a:r>
+                <a:rPr lang="en-US" altLang="zh-CN" sz="1600" b="1" dirty="0">
+                  <a:solidFill>
+                    <a:schemeClr val="accent1">
+                      <a:lumMod val="50000"/>
+                    </a:schemeClr>
+                  </a:solidFill>
+                  <a:latin typeface="Hei"/>
+                </a:rPr>
+                <a:t>Join()</a:t>
+              </a:r>
+              <a:endParaRPr lang="zh-CN" altLang="en-US" sz="1600" b="1" dirty="0">
+                <a:solidFill>
+                  <a:schemeClr val="accent1">
+                    <a:lumMod val="50000"/>
+                  </a:schemeClr>
+                </a:solidFill>
+                <a:latin typeface="Hei"/>
+              </a:endParaRPr>
+            </a:p>
+          </p:txBody>
+        </p:sp>
+        <p:sp>
+          <p:nvSpPr>
+            <p:cNvPr id="50" name="文本框 59">
+              <a:extLst>
+                <a:ext uri="{FF2B5EF4-FFF2-40B4-BE49-F238E27FC236}">
+                  <a16:creationId xmlns:a16="http://schemas.microsoft.com/office/drawing/2014/main" id="{286F5653-A322-F199-5D27-64557D064392}"/>
+                </a:ext>
+              </a:extLst>
+            </p:cNvPr>
+            <p:cNvSpPr txBox="1"/>
+            <p:nvPr/>
+          </p:nvSpPr>
+          <p:spPr>
+            <a:xfrm rot="1876084">
+              <a:off x="4134512" y="3531874"/>
+              <a:ext cx="651140" cy="338554"/>
+            </a:xfrm>
+            <a:prstGeom prst="rect">
+              <a:avLst/>
+            </a:prstGeom>
+            <a:noFill/>
+          </p:spPr>
+          <p:txBody>
+            <a:bodyPr wrap="none" rtlCol="0">
+              <a:spAutoFit/>
+            </a:bodyPr>
+            <a:lstStyle/>
+            <a:p>
+              <a:r>
+                <a:rPr lang="en-US" altLang="zh-CN" sz="1600" b="1" dirty="0">
+                  <a:solidFill>
+                    <a:schemeClr val="accent1">
+                      <a:lumMod val="50000"/>
+                    </a:schemeClr>
+                  </a:solidFill>
+                  <a:latin typeface="Hei"/>
+                </a:rPr>
+                <a:t>Join()</a:t>
+              </a:r>
+              <a:endParaRPr lang="zh-CN" altLang="en-US" sz="1600" b="1" dirty="0">
+                <a:solidFill>
+                  <a:schemeClr val="accent1">
+                    <a:lumMod val="50000"/>
+                  </a:schemeClr>
+                </a:solidFill>
+                <a:latin typeface="Hei"/>
+              </a:endParaRPr>
+            </a:p>
+          </p:txBody>
+        </p:sp>
+        <p:sp>
+          <p:nvSpPr>
+            <p:cNvPr id="51" name="文本框 59">
+              <a:extLst>
+                <a:ext uri="{FF2B5EF4-FFF2-40B4-BE49-F238E27FC236}">
+                  <a16:creationId xmlns:a16="http://schemas.microsoft.com/office/drawing/2014/main" id="{12F625D4-7920-B7C2-BC5F-F38311A55F25}"/>
+                </a:ext>
+              </a:extLst>
+            </p:cNvPr>
+            <p:cNvSpPr txBox="1"/>
+            <p:nvPr/>
+          </p:nvSpPr>
+          <p:spPr>
+            <a:xfrm rot="5400000">
+              <a:off x="2658965" y="3554489"/>
+              <a:ext cx="651140" cy="338554"/>
+            </a:xfrm>
+            <a:prstGeom prst="rect">
+              <a:avLst/>
+            </a:prstGeom>
+            <a:noFill/>
+          </p:spPr>
+          <p:txBody>
+            <a:bodyPr wrap="none" rtlCol="0">
+              <a:spAutoFit/>
+            </a:bodyPr>
+            <a:lstStyle/>
+            <a:p>
+              <a:r>
+                <a:rPr lang="en-US" altLang="zh-CN" sz="1600" b="1" dirty="0">
+                  <a:solidFill>
+                    <a:schemeClr val="accent1">
+                      <a:lumMod val="50000"/>
+                    </a:schemeClr>
+                  </a:solidFill>
+                  <a:latin typeface="Hei"/>
+                </a:rPr>
+                <a:t>Join()</a:t>
+              </a:r>
+              <a:endParaRPr lang="zh-CN" altLang="en-US" sz="1600" b="1" dirty="0">
+                <a:solidFill>
+                  <a:schemeClr val="accent1">
+                    <a:lumMod val="50000"/>
+                  </a:schemeClr>
+                </a:solidFill>
+                <a:latin typeface="Hei"/>
+              </a:endParaRPr>
+            </a:p>
+          </p:txBody>
+        </p:sp>
+        <p:sp>
+          <p:nvSpPr>
+            <p:cNvPr id="52" name="文本框 59">
+              <a:extLst>
+                <a:ext uri="{FF2B5EF4-FFF2-40B4-BE49-F238E27FC236}">
+                  <a16:creationId xmlns:a16="http://schemas.microsoft.com/office/drawing/2014/main" id="{750E50C8-8416-9740-9AF0-BF096BAD2FEE}"/>
+                </a:ext>
+              </a:extLst>
+            </p:cNvPr>
+            <p:cNvSpPr txBox="1"/>
+            <p:nvPr/>
+          </p:nvSpPr>
+          <p:spPr>
+            <a:xfrm rot="1874622">
+              <a:off x="4576385" y="3007429"/>
+              <a:ext cx="859531" cy="338554"/>
+            </a:xfrm>
+            <a:prstGeom prst="rect">
+              <a:avLst/>
+            </a:prstGeom>
+            <a:noFill/>
+          </p:spPr>
+          <p:txBody>
+            <a:bodyPr wrap="none" rtlCol="0">
+              <a:spAutoFit/>
+            </a:bodyPr>
+            <a:lstStyle/>
+            <a:p>
+              <a:r>
+                <a:rPr lang="en-US" altLang="zh-CN" sz="1600" b="1" dirty="0">
+                  <a:solidFill>
+                    <a:srgbClr val="C00000"/>
+                  </a:solidFill>
+                  <a:latin typeface="Hei"/>
+                </a:rPr>
+                <a:t>Assign()</a:t>
+              </a:r>
+              <a:endParaRPr lang="zh-CN" altLang="en-US" sz="1600" b="1" dirty="0">
+                <a:solidFill>
+                  <a:srgbClr val="C00000"/>
+                </a:solidFill>
+                <a:latin typeface="Hei"/>
+              </a:endParaRPr>
+            </a:p>
+          </p:txBody>
+        </p:sp>
+        <p:sp>
+          <p:nvSpPr>
+            <p:cNvPr id="53" name="文本框 59">
+              <a:extLst>
+                <a:ext uri="{FF2B5EF4-FFF2-40B4-BE49-F238E27FC236}">
+                  <a16:creationId xmlns:a16="http://schemas.microsoft.com/office/drawing/2014/main" id="{F96B591B-19C2-A86D-7A8F-64336656A1C9}"/>
+                </a:ext>
+              </a:extLst>
+            </p:cNvPr>
+            <p:cNvSpPr txBox="1"/>
+            <p:nvPr/>
+          </p:nvSpPr>
+          <p:spPr>
+            <a:xfrm>
+              <a:off x="6331744" y="3572473"/>
+              <a:ext cx="859531" cy="584775"/>
+            </a:xfrm>
+            <a:prstGeom prst="rect">
+              <a:avLst/>
+            </a:prstGeom>
+            <a:noFill/>
+          </p:spPr>
+          <p:txBody>
+            <a:bodyPr wrap="none" rtlCol="0">
+              <a:spAutoFit/>
+            </a:bodyPr>
+            <a:lstStyle/>
+            <a:p>
+              <a:r>
+                <a:rPr lang="en-US" altLang="zh-CN" sz="1600" b="1" dirty="0">
+                  <a:solidFill>
+                    <a:srgbClr val="C00000"/>
+                  </a:solidFill>
+                  <a:latin typeface="Hei"/>
+                </a:rPr>
+                <a:t>Assign()</a:t>
+              </a:r>
+            </a:p>
+            <a:p>
+              <a:r>
+                <a:rPr lang="en-US" altLang="zh-CN" sz="1600" b="1" dirty="0">
+                  <a:solidFill>
+                    <a:srgbClr val="C00000"/>
+                  </a:solidFill>
+                  <a:latin typeface="Hei"/>
+                </a:rPr>
+                <a:t>RMI</a:t>
+              </a:r>
+              <a:endParaRPr lang="zh-CN" altLang="en-US" sz="1600" b="1" dirty="0">
+                <a:solidFill>
+                  <a:srgbClr val="C00000"/>
+                </a:solidFill>
+                <a:latin typeface="Hei"/>
+              </a:endParaRPr>
+            </a:p>
+          </p:txBody>
+        </p:sp>
+        <p:sp>
+          <p:nvSpPr>
+            <p:cNvPr id="54" name="文本框 59">
+              <a:extLst>
+                <a:ext uri="{FF2B5EF4-FFF2-40B4-BE49-F238E27FC236}">
+                  <a16:creationId xmlns:a16="http://schemas.microsoft.com/office/drawing/2014/main" id="{40D9974A-B8AD-4A2C-DCA4-B78F0D6B18B4}"/>
+                </a:ext>
+              </a:extLst>
+            </p:cNvPr>
+            <p:cNvSpPr txBox="1"/>
+            <p:nvPr/>
+          </p:nvSpPr>
+          <p:spPr>
+            <a:xfrm rot="5400000">
+              <a:off x="1917910" y="3572473"/>
+              <a:ext cx="893963" cy="338554"/>
+            </a:xfrm>
+            <a:prstGeom prst="rect">
+              <a:avLst/>
+            </a:prstGeom>
+            <a:noFill/>
+          </p:spPr>
+          <p:txBody>
+            <a:bodyPr wrap="none" rtlCol="0">
+              <a:spAutoFit/>
+            </a:bodyPr>
+            <a:lstStyle/>
+            <a:p>
+              <a:r>
+                <a:rPr lang="en-US" altLang="zh-CN" sz="1600" b="1" dirty="0">
+                  <a:solidFill>
+                    <a:schemeClr val="accent6">
+                      <a:lumMod val="50000"/>
+                    </a:schemeClr>
+                  </a:solidFill>
+                  <a:latin typeface="Hei"/>
+                </a:rPr>
+                <a:t>Accept()</a:t>
+              </a:r>
+              <a:endParaRPr lang="zh-CN" altLang="en-US" sz="1600" b="1" dirty="0">
+                <a:solidFill>
+                  <a:schemeClr val="accent6">
+                    <a:lumMod val="50000"/>
+                  </a:schemeClr>
+                </a:solidFill>
+                <a:latin typeface="Hei"/>
+              </a:endParaRPr>
+            </a:p>
+          </p:txBody>
+        </p:sp>
+        <p:sp>
+          <p:nvSpPr>
+            <p:cNvPr id="55" name="文本框 59">
+              <a:extLst>
+                <a:ext uri="{FF2B5EF4-FFF2-40B4-BE49-F238E27FC236}">
+                  <a16:creationId xmlns:a16="http://schemas.microsoft.com/office/drawing/2014/main" id="{BDD427CE-6C14-4F81-F72B-87B80F2CC3EB}"/>
+                </a:ext>
+              </a:extLst>
+            </p:cNvPr>
+            <p:cNvSpPr txBox="1"/>
+            <p:nvPr/>
+          </p:nvSpPr>
+          <p:spPr>
+            <a:xfrm>
+              <a:off x="4474175" y="1130578"/>
+              <a:ext cx="893963" cy="338554"/>
+            </a:xfrm>
+            <a:prstGeom prst="rect">
+              <a:avLst/>
+            </a:prstGeom>
+            <a:noFill/>
+          </p:spPr>
+          <p:txBody>
+            <a:bodyPr wrap="none" rtlCol="0">
+              <a:spAutoFit/>
+            </a:bodyPr>
+            <a:lstStyle/>
+            <a:p>
+              <a:r>
+                <a:rPr lang="en-US" altLang="zh-CN" sz="1600" b="1" dirty="0">
+                  <a:solidFill>
+                    <a:schemeClr val="accent6">
+                      <a:lumMod val="50000"/>
+                    </a:schemeClr>
+                  </a:solidFill>
+                  <a:latin typeface="Hei"/>
+                </a:rPr>
+                <a:t>Accept()</a:t>
+              </a:r>
+              <a:endParaRPr lang="zh-CN" altLang="en-US" sz="1600" b="1" dirty="0">
+                <a:solidFill>
+                  <a:schemeClr val="accent6">
+                    <a:lumMod val="50000"/>
+                  </a:schemeClr>
+                </a:solidFill>
+                <a:latin typeface="Hei"/>
+              </a:endParaRPr>
+            </a:p>
+          </p:txBody>
+        </p:sp>
+      </p:grpSp>
+    </p:spTree>
+    <p:extLst>
+      <p:ext uri="{BB962C8B-B14F-4D97-AF65-F5344CB8AC3E}">
+        <p14:creationId xmlns:p14="http://schemas.microsoft.com/office/powerpoint/2010/main" val="1837637820"/>
+      </p:ext>
+    </p:extLst>
+  </p:cSld>
+  <p:clrMapOvr>
+    <a:masterClrMapping/>
+  </p:clrMapOvr>
+</p:sld>
+</file>
+
 <file path=ppt/theme/theme1.xml><?xml version="1.0" encoding="utf-8"?>
 <a:theme xmlns:a="http://schemas.openxmlformats.org/drawingml/2006/main" name="Office 主题​​">
   <a:themeElements>

--- a/Proposal/One Page/illustration.pptx
+++ b/Proposal/One Page/illustration.pptx
@@ -262,7 +262,7 @@
           <a:p>
             <a:fld id="{7F066E50-901D-44D0-A408-47404A15693D}" type="datetimeFigureOut">
               <a:rPr lang="zh-CN" altLang="en-US" smtClean="0"/>
-              <a:t>2022/12/5</a:t>
+              <a:t>2022/12/6</a:t>
             </a:fld>
             <a:endParaRPr lang="zh-CN" altLang="en-US"/>
           </a:p>
@@ -460,7 +460,7 @@
           <a:p>
             <a:fld id="{7F066E50-901D-44D0-A408-47404A15693D}" type="datetimeFigureOut">
               <a:rPr lang="zh-CN" altLang="en-US" smtClean="0"/>
-              <a:t>2022/12/5</a:t>
+              <a:t>2022/12/6</a:t>
             </a:fld>
             <a:endParaRPr lang="zh-CN" altLang="en-US"/>
           </a:p>
@@ -668,7 +668,7 @@
           <a:p>
             <a:fld id="{7F066E50-901D-44D0-A408-47404A15693D}" type="datetimeFigureOut">
               <a:rPr lang="zh-CN" altLang="en-US" smtClean="0"/>
-              <a:t>2022/12/5</a:t>
+              <a:t>2022/12/6</a:t>
             </a:fld>
             <a:endParaRPr lang="zh-CN" altLang="en-US"/>
           </a:p>
@@ -866,7 +866,7 @@
           <a:p>
             <a:fld id="{7F066E50-901D-44D0-A408-47404A15693D}" type="datetimeFigureOut">
               <a:rPr lang="zh-CN" altLang="en-US" smtClean="0"/>
-              <a:t>2022/12/5</a:t>
+              <a:t>2022/12/6</a:t>
             </a:fld>
             <a:endParaRPr lang="zh-CN" altLang="en-US"/>
           </a:p>
@@ -1141,7 +1141,7 @@
           <a:p>
             <a:fld id="{7F066E50-901D-44D0-A408-47404A15693D}" type="datetimeFigureOut">
               <a:rPr lang="zh-CN" altLang="en-US" smtClean="0"/>
-              <a:t>2022/12/5</a:t>
+              <a:t>2022/12/6</a:t>
             </a:fld>
             <a:endParaRPr lang="zh-CN" altLang="en-US"/>
           </a:p>
@@ -1406,7 +1406,7 @@
           <a:p>
             <a:fld id="{7F066E50-901D-44D0-A408-47404A15693D}" type="datetimeFigureOut">
               <a:rPr lang="zh-CN" altLang="en-US" smtClean="0"/>
-              <a:t>2022/12/5</a:t>
+              <a:t>2022/12/6</a:t>
             </a:fld>
             <a:endParaRPr lang="zh-CN" altLang="en-US"/>
           </a:p>
@@ -1818,7 +1818,7 @@
           <a:p>
             <a:fld id="{7F066E50-901D-44D0-A408-47404A15693D}" type="datetimeFigureOut">
               <a:rPr lang="zh-CN" altLang="en-US" smtClean="0"/>
-              <a:t>2022/12/5</a:t>
+              <a:t>2022/12/6</a:t>
             </a:fld>
             <a:endParaRPr lang="zh-CN" altLang="en-US"/>
           </a:p>
@@ -1959,7 +1959,7 @@
           <a:p>
             <a:fld id="{7F066E50-901D-44D0-A408-47404A15693D}" type="datetimeFigureOut">
               <a:rPr lang="zh-CN" altLang="en-US" smtClean="0"/>
-              <a:t>2022/12/5</a:t>
+              <a:t>2022/12/6</a:t>
             </a:fld>
             <a:endParaRPr lang="zh-CN" altLang="en-US"/>
           </a:p>
@@ -2072,7 +2072,7 @@
           <a:p>
             <a:fld id="{7F066E50-901D-44D0-A408-47404A15693D}" type="datetimeFigureOut">
               <a:rPr lang="zh-CN" altLang="en-US" smtClean="0"/>
-              <a:t>2022/12/5</a:t>
+              <a:t>2022/12/6</a:t>
             </a:fld>
             <a:endParaRPr lang="zh-CN" altLang="en-US"/>
           </a:p>
@@ -2383,7 +2383,7 @@
           <a:p>
             <a:fld id="{7F066E50-901D-44D0-A408-47404A15693D}" type="datetimeFigureOut">
               <a:rPr lang="zh-CN" altLang="en-US" smtClean="0"/>
-              <a:t>2022/12/5</a:t>
+              <a:t>2022/12/6</a:t>
             </a:fld>
             <a:endParaRPr lang="zh-CN" altLang="en-US"/>
           </a:p>
@@ -2671,7 +2671,7 @@
           <a:p>
             <a:fld id="{7F066E50-901D-44D0-A408-47404A15693D}" type="datetimeFigureOut">
               <a:rPr lang="zh-CN" altLang="en-US" smtClean="0"/>
-              <a:t>2022/12/5</a:t>
+              <a:t>2022/12/6</a:t>
             </a:fld>
             <a:endParaRPr lang="zh-CN" altLang="en-US"/>
           </a:p>
@@ -2912,7 +2912,7 @@
           <a:p>
             <a:fld id="{7F066E50-901D-44D0-A408-47404A15693D}" type="datetimeFigureOut">
               <a:rPr lang="zh-CN" altLang="en-US" smtClean="0"/>
-              <a:t>2022/12/5</a:t>
+              <a:t>2022/12/6</a:t>
             </a:fld>
             <a:endParaRPr lang="zh-CN" altLang="en-US"/>
           </a:p>

--- a/Proposal/One Page/illustration.pptx
+++ b/Proposal/One Page/illustration.pptx
@@ -9,6 +9,7 @@
     <p:sldId id="257" r:id="rId3"/>
     <p:sldId id="258" r:id="rId4"/>
     <p:sldId id="259" r:id="rId5"/>
+    <p:sldId id="260" r:id="rId6"/>
   </p:sldIdLst>
   <p:sldSz cx="12192000" cy="6858000"/>
   <p:notesSz cx="6858000" cy="9144000"/>
@@ -262,7 +263,7 @@
           <a:p>
             <a:fld id="{7F066E50-901D-44D0-A408-47404A15693D}" type="datetimeFigureOut">
               <a:rPr lang="zh-CN" altLang="en-US" smtClean="0"/>
-              <a:t>2022/12/6</a:t>
+              <a:t>2022/12/9</a:t>
             </a:fld>
             <a:endParaRPr lang="zh-CN" altLang="en-US"/>
           </a:p>
@@ -460,7 +461,7 @@
           <a:p>
             <a:fld id="{7F066E50-901D-44D0-A408-47404A15693D}" type="datetimeFigureOut">
               <a:rPr lang="zh-CN" altLang="en-US" smtClean="0"/>
-              <a:t>2022/12/6</a:t>
+              <a:t>2022/12/9</a:t>
             </a:fld>
             <a:endParaRPr lang="zh-CN" altLang="en-US"/>
           </a:p>
@@ -668,7 +669,7 @@
           <a:p>
             <a:fld id="{7F066E50-901D-44D0-A408-47404A15693D}" type="datetimeFigureOut">
               <a:rPr lang="zh-CN" altLang="en-US" smtClean="0"/>
-              <a:t>2022/12/6</a:t>
+              <a:t>2022/12/9</a:t>
             </a:fld>
             <a:endParaRPr lang="zh-CN" altLang="en-US"/>
           </a:p>
@@ -866,7 +867,7 @@
           <a:p>
             <a:fld id="{7F066E50-901D-44D0-A408-47404A15693D}" type="datetimeFigureOut">
               <a:rPr lang="zh-CN" altLang="en-US" smtClean="0"/>
-              <a:t>2022/12/6</a:t>
+              <a:t>2022/12/9</a:t>
             </a:fld>
             <a:endParaRPr lang="zh-CN" altLang="en-US"/>
           </a:p>
@@ -1141,7 +1142,7 @@
           <a:p>
             <a:fld id="{7F066E50-901D-44D0-A408-47404A15693D}" type="datetimeFigureOut">
               <a:rPr lang="zh-CN" altLang="en-US" smtClean="0"/>
-              <a:t>2022/12/6</a:t>
+              <a:t>2022/12/9</a:t>
             </a:fld>
             <a:endParaRPr lang="zh-CN" altLang="en-US"/>
           </a:p>
@@ -1406,7 +1407,7 @@
           <a:p>
             <a:fld id="{7F066E50-901D-44D0-A408-47404A15693D}" type="datetimeFigureOut">
               <a:rPr lang="zh-CN" altLang="en-US" smtClean="0"/>
-              <a:t>2022/12/6</a:t>
+              <a:t>2022/12/9</a:t>
             </a:fld>
             <a:endParaRPr lang="zh-CN" altLang="en-US"/>
           </a:p>
@@ -1818,7 +1819,7 @@
           <a:p>
             <a:fld id="{7F066E50-901D-44D0-A408-47404A15693D}" type="datetimeFigureOut">
               <a:rPr lang="zh-CN" altLang="en-US" smtClean="0"/>
-              <a:t>2022/12/6</a:t>
+              <a:t>2022/12/9</a:t>
             </a:fld>
             <a:endParaRPr lang="zh-CN" altLang="en-US"/>
           </a:p>
@@ -1959,7 +1960,7 @@
           <a:p>
             <a:fld id="{7F066E50-901D-44D0-A408-47404A15693D}" type="datetimeFigureOut">
               <a:rPr lang="zh-CN" altLang="en-US" smtClean="0"/>
-              <a:t>2022/12/6</a:t>
+              <a:t>2022/12/9</a:t>
             </a:fld>
             <a:endParaRPr lang="zh-CN" altLang="en-US"/>
           </a:p>
@@ -2072,7 +2073,7 @@
           <a:p>
             <a:fld id="{7F066E50-901D-44D0-A408-47404A15693D}" type="datetimeFigureOut">
               <a:rPr lang="zh-CN" altLang="en-US" smtClean="0"/>
-              <a:t>2022/12/6</a:t>
+              <a:t>2022/12/9</a:t>
             </a:fld>
             <a:endParaRPr lang="zh-CN" altLang="en-US"/>
           </a:p>
@@ -2383,7 +2384,7 @@
           <a:p>
             <a:fld id="{7F066E50-901D-44D0-A408-47404A15693D}" type="datetimeFigureOut">
               <a:rPr lang="zh-CN" altLang="en-US" smtClean="0"/>
-              <a:t>2022/12/6</a:t>
+              <a:t>2022/12/9</a:t>
             </a:fld>
             <a:endParaRPr lang="zh-CN" altLang="en-US"/>
           </a:p>
@@ -2671,7 +2672,7 @@
           <a:p>
             <a:fld id="{7F066E50-901D-44D0-A408-47404A15693D}" type="datetimeFigureOut">
               <a:rPr lang="zh-CN" altLang="en-US" smtClean="0"/>
-              <a:t>2022/12/6</a:t>
+              <a:t>2022/12/9</a:t>
             </a:fld>
             <a:endParaRPr lang="zh-CN" altLang="en-US"/>
           </a:p>
@@ -2912,7 +2913,7 @@
           <a:p>
             <a:fld id="{7F066E50-901D-44D0-A408-47404A15693D}" type="datetimeFigureOut">
               <a:rPr lang="zh-CN" altLang="en-US" smtClean="0"/>
-              <a:t>2022/12/6</a:t>
+              <a:t>2022/12/9</a:t>
             </a:fld>
             <a:endParaRPr lang="zh-CN" altLang="en-US"/>
           </a:p>
@@ -9436,6 +9437,1784 @@
 </p:sld>
 </file>
 
+<file path=ppt/slides/slide5.xml><?xml version="1.0" encoding="utf-8"?>
+<p:sld xmlns:a="http://schemas.openxmlformats.org/drawingml/2006/main" xmlns:r="http://schemas.openxmlformats.org/officeDocument/2006/relationships" xmlns:p="http://schemas.openxmlformats.org/presentationml/2006/main">
+  <p:cSld>
+    <p:spTree>
+      <p:nvGrpSpPr>
+        <p:cNvPr id="1" name=""/>
+        <p:cNvGrpSpPr/>
+        <p:nvPr/>
+      </p:nvGrpSpPr>
+      <p:grpSpPr>
+        <a:xfrm>
+          <a:off x="0" y="0"/>
+          <a:ext cx="0" cy="0"/>
+          <a:chOff x="0" y="0"/>
+          <a:chExt cx="0" cy="0"/>
+        </a:xfrm>
+      </p:grpSpPr>
+      <p:sp>
+        <p:nvSpPr>
+          <p:cNvPr id="47" name="矩形: 圆角 46">
+            <a:extLst>
+              <a:ext uri="{FF2B5EF4-FFF2-40B4-BE49-F238E27FC236}">
+                <a16:creationId xmlns:a16="http://schemas.microsoft.com/office/drawing/2014/main" id="{FB57C05E-97F1-907B-EB80-98B80E9EAB07}"/>
+              </a:ext>
+            </a:extLst>
+          </p:cNvPr>
+          <p:cNvSpPr/>
+          <p:nvPr/>
+        </p:nvSpPr>
+        <p:spPr>
+          <a:xfrm>
+            <a:off x="2432197" y="404925"/>
+            <a:ext cx="6896100" cy="5932372"/>
+          </a:xfrm>
+          <a:prstGeom prst="roundRect">
+            <a:avLst/>
+          </a:prstGeom>
+          <a:solidFill>
+            <a:schemeClr val="accent3">
+              <a:lumMod val="20000"/>
+              <a:lumOff val="80000"/>
+            </a:schemeClr>
+          </a:solidFill>
+          <a:ln>
+            <a:noFill/>
+          </a:ln>
+        </p:spPr>
+        <p:style>
+          <a:lnRef idx="2">
+            <a:schemeClr val="accent1">
+              <a:shade val="50000"/>
+            </a:schemeClr>
+          </a:lnRef>
+          <a:fillRef idx="1">
+            <a:schemeClr val="accent1"/>
+          </a:fillRef>
+          <a:effectRef idx="0">
+            <a:schemeClr val="accent1"/>
+          </a:effectRef>
+          <a:fontRef idx="minor">
+            <a:schemeClr val="lt1"/>
+          </a:fontRef>
+        </p:style>
+        <p:txBody>
+          <a:bodyPr rtlCol="0" anchor="ctr"/>
+          <a:lstStyle/>
+          <a:p>
+            <a:pPr algn="ctr"/>
+            <a:endParaRPr lang="zh-CN" altLang="en-US" dirty="0"/>
+          </a:p>
+        </p:txBody>
+      </p:sp>
+      <p:sp>
+        <p:nvSpPr>
+          <p:cNvPr id="4" name="矩形: 圆角 3">
+            <a:extLst>
+              <a:ext uri="{FF2B5EF4-FFF2-40B4-BE49-F238E27FC236}">
+                <a16:creationId xmlns:a16="http://schemas.microsoft.com/office/drawing/2014/main" id="{F910AA8D-51CA-F99C-6EEF-20BC61F0A1A7}"/>
+              </a:ext>
+            </a:extLst>
+          </p:cNvPr>
+          <p:cNvSpPr/>
+          <p:nvPr/>
+        </p:nvSpPr>
+        <p:spPr>
+          <a:xfrm>
+            <a:off x="2863703" y="622005"/>
+            <a:ext cx="5940056" cy="3127744"/>
+          </a:xfrm>
+          <a:prstGeom prst="roundRect">
+            <a:avLst/>
+          </a:prstGeom>
+          <a:solidFill>
+            <a:schemeClr val="accent1">
+              <a:lumMod val="40000"/>
+              <a:lumOff val="60000"/>
+            </a:schemeClr>
+          </a:solidFill>
+          <a:ln>
+            <a:noFill/>
+          </a:ln>
+        </p:spPr>
+        <p:style>
+          <a:lnRef idx="2">
+            <a:schemeClr val="accent1">
+              <a:shade val="50000"/>
+            </a:schemeClr>
+          </a:lnRef>
+          <a:fillRef idx="1">
+            <a:schemeClr val="accent1"/>
+          </a:fillRef>
+          <a:effectRef idx="0">
+            <a:schemeClr val="accent1"/>
+          </a:effectRef>
+          <a:fontRef idx="minor">
+            <a:schemeClr val="lt1"/>
+          </a:fontRef>
+        </p:style>
+        <p:txBody>
+          <a:bodyPr rtlCol="0" anchor="ctr"/>
+          <a:lstStyle/>
+          <a:p>
+            <a:pPr algn="ctr"/>
+            <a:endParaRPr lang="zh-CN" altLang="en-US" dirty="0"/>
+          </a:p>
+        </p:txBody>
+      </p:sp>
+      <p:sp>
+        <p:nvSpPr>
+          <p:cNvPr id="5" name="矩形: 圆角 4">
+            <a:extLst>
+              <a:ext uri="{FF2B5EF4-FFF2-40B4-BE49-F238E27FC236}">
+                <a16:creationId xmlns:a16="http://schemas.microsoft.com/office/drawing/2014/main" id="{86361FD9-770B-34E7-4361-170AB79ADEC6}"/>
+              </a:ext>
+            </a:extLst>
+          </p:cNvPr>
+          <p:cNvSpPr/>
+          <p:nvPr/>
+        </p:nvSpPr>
+        <p:spPr>
+          <a:xfrm>
+            <a:off x="2863703" y="3985438"/>
+            <a:ext cx="5940056" cy="1723212"/>
+          </a:xfrm>
+          <a:prstGeom prst="roundRect">
+            <a:avLst/>
+          </a:prstGeom>
+          <a:solidFill>
+            <a:schemeClr val="accent1">
+              <a:lumMod val="40000"/>
+              <a:lumOff val="60000"/>
+            </a:schemeClr>
+          </a:solidFill>
+          <a:ln>
+            <a:noFill/>
+          </a:ln>
+        </p:spPr>
+        <p:style>
+          <a:lnRef idx="2">
+            <a:schemeClr val="accent1">
+              <a:shade val="50000"/>
+            </a:schemeClr>
+          </a:lnRef>
+          <a:fillRef idx="1">
+            <a:schemeClr val="accent1"/>
+          </a:fillRef>
+          <a:effectRef idx="0">
+            <a:schemeClr val="accent1"/>
+          </a:effectRef>
+          <a:fontRef idx="minor">
+            <a:schemeClr val="lt1"/>
+          </a:fontRef>
+        </p:style>
+        <p:txBody>
+          <a:bodyPr rtlCol="0" anchor="ctr"/>
+          <a:lstStyle/>
+          <a:p>
+            <a:pPr algn="ctr"/>
+            <a:endParaRPr lang="zh-CN" altLang="en-US" dirty="0"/>
+          </a:p>
+        </p:txBody>
+      </p:sp>
+      <p:sp>
+        <p:nvSpPr>
+          <p:cNvPr id="6" name="矩形: 圆角 5">
+            <a:extLst>
+              <a:ext uri="{FF2B5EF4-FFF2-40B4-BE49-F238E27FC236}">
+                <a16:creationId xmlns:a16="http://schemas.microsoft.com/office/drawing/2014/main" id="{ABD537E7-C3A5-B1E5-C8FE-BDD22E3AC83E}"/>
+              </a:ext>
+            </a:extLst>
+          </p:cNvPr>
+          <p:cNvSpPr/>
+          <p:nvPr/>
+        </p:nvSpPr>
+        <p:spPr>
+          <a:xfrm>
+            <a:off x="3296091" y="992373"/>
+            <a:ext cx="1410587" cy="1346790"/>
+          </a:xfrm>
+          <a:prstGeom prst="roundRect">
+            <a:avLst/>
+          </a:prstGeom>
+          <a:solidFill>
+            <a:schemeClr val="accent1">
+              <a:lumMod val="75000"/>
+            </a:schemeClr>
+          </a:solidFill>
+          <a:ln>
+            <a:noFill/>
+          </a:ln>
+        </p:spPr>
+        <p:style>
+          <a:lnRef idx="2">
+            <a:schemeClr val="accent1">
+              <a:shade val="50000"/>
+            </a:schemeClr>
+          </a:lnRef>
+          <a:fillRef idx="1">
+            <a:schemeClr val="accent1"/>
+          </a:fillRef>
+          <a:effectRef idx="0">
+            <a:schemeClr val="accent1"/>
+          </a:effectRef>
+          <a:fontRef idx="minor">
+            <a:schemeClr val="lt1"/>
+          </a:fontRef>
+        </p:style>
+        <p:txBody>
+          <a:bodyPr rtlCol="0" anchor="ctr"/>
+          <a:lstStyle/>
+          <a:p>
+            <a:pPr algn="ctr"/>
+            <a:endParaRPr lang="zh-CN" altLang="en-US"/>
+          </a:p>
+        </p:txBody>
+      </p:sp>
+      <p:sp>
+        <p:nvSpPr>
+          <p:cNvPr id="10" name="矩形: 圆角 9">
+            <a:extLst>
+              <a:ext uri="{FF2B5EF4-FFF2-40B4-BE49-F238E27FC236}">
+                <a16:creationId xmlns:a16="http://schemas.microsoft.com/office/drawing/2014/main" id="{241559A1-D0F7-A30F-1284-7F2B7CC3697F}"/>
+              </a:ext>
+            </a:extLst>
+          </p:cNvPr>
+          <p:cNvSpPr/>
+          <p:nvPr/>
+        </p:nvSpPr>
+        <p:spPr>
+          <a:xfrm>
+            <a:off x="6971412" y="992373"/>
+            <a:ext cx="1410587" cy="1346790"/>
+          </a:xfrm>
+          <a:prstGeom prst="roundRect">
+            <a:avLst/>
+          </a:prstGeom>
+          <a:solidFill>
+            <a:schemeClr val="accent1">
+              <a:lumMod val="75000"/>
+            </a:schemeClr>
+          </a:solidFill>
+          <a:ln>
+            <a:noFill/>
+          </a:ln>
+        </p:spPr>
+        <p:style>
+          <a:lnRef idx="2">
+            <a:schemeClr val="accent1">
+              <a:shade val="50000"/>
+            </a:schemeClr>
+          </a:lnRef>
+          <a:fillRef idx="1">
+            <a:schemeClr val="accent1"/>
+          </a:fillRef>
+          <a:effectRef idx="0">
+            <a:schemeClr val="accent1"/>
+          </a:effectRef>
+          <a:fontRef idx="minor">
+            <a:schemeClr val="lt1"/>
+          </a:fontRef>
+        </p:style>
+        <p:txBody>
+          <a:bodyPr rtlCol="0" anchor="ctr"/>
+          <a:lstStyle/>
+          <a:p>
+            <a:pPr algn="ctr"/>
+            <a:endParaRPr lang="zh-CN" altLang="en-US"/>
+          </a:p>
+        </p:txBody>
+      </p:sp>
+      <p:cxnSp>
+        <p:nvCxnSpPr>
+          <p:cNvPr id="18" name="直接连接符 17">
+            <a:extLst>
+              <a:ext uri="{FF2B5EF4-FFF2-40B4-BE49-F238E27FC236}">
+                <a16:creationId xmlns:a16="http://schemas.microsoft.com/office/drawing/2014/main" id="{DC252060-9345-4899-2254-C4210E2F2105}"/>
+              </a:ext>
+            </a:extLst>
+          </p:cNvPr>
+          <p:cNvCxnSpPr>
+            <a:cxnSpLocks/>
+            <a:stCxn id="11" idx="0"/>
+            <a:endCxn id="6" idx="2"/>
+          </p:cNvCxnSpPr>
+          <p:nvPr/>
+        </p:nvCxnSpPr>
+        <p:spPr>
+          <a:xfrm flipV="1">
+            <a:off x="3384697" y="2339163"/>
+            <a:ext cx="616688" cy="1780954"/>
+          </a:xfrm>
+          <a:prstGeom prst="line">
+            <a:avLst/>
+          </a:prstGeom>
+          <a:ln w="28575">
+            <a:solidFill>
+              <a:schemeClr val="accent1">
+                <a:lumMod val="75000"/>
+              </a:schemeClr>
+            </a:solidFill>
+          </a:ln>
+        </p:spPr>
+        <p:style>
+          <a:lnRef idx="1">
+            <a:schemeClr val="accent2"/>
+          </a:lnRef>
+          <a:fillRef idx="0">
+            <a:schemeClr val="accent2"/>
+          </a:fillRef>
+          <a:effectRef idx="0">
+            <a:schemeClr val="accent2"/>
+          </a:effectRef>
+          <a:fontRef idx="minor">
+            <a:schemeClr val="tx1"/>
+          </a:fontRef>
+        </p:style>
+      </p:cxnSp>
+      <p:cxnSp>
+        <p:nvCxnSpPr>
+          <p:cNvPr id="19" name="直接连接符 18">
+            <a:extLst>
+              <a:ext uri="{FF2B5EF4-FFF2-40B4-BE49-F238E27FC236}">
+                <a16:creationId xmlns:a16="http://schemas.microsoft.com/office/drawing/2014/main" id="{D0D7A374-1C59-9CF6-6662-AD5C19AF1785}"/>
+              </a:ext>
+            </a:extLst>
+          </p:cNvPr>
+          <p:cNvCxnSpPr>
+            <a:cxnSpLocks/>
+            <a:stCxn id="12" idx="0"/>
+            <a:endCxn id="6" idx="2"/>
+          </p:cNvCxnSpPr>
+          <p:nvPr/>
+        </p:nvCxnSpPr>
+        <p:spPr>
+          <a:xfrm flipH="1" flipV="1">
+            <a:off x="4001385" y="2339163"/>
+            <a:ext cx="340241" cy="1767337"/>
+          </a:xfrm>
+          <a:prstGeom prst="line">
+            <a:avLst/>
+          </a:prstGeom>
+          <a:ln w="28575">
+            <a:solidFill>
+              <a:schemeClr val="accent1">
+                <a:lumMod val="75000"/>
+              </a:schemeClr>
+            </a:solidFill>
+          </a:ln>
+        </p:spPr>
+        <p:style>
+          <a:lnRef idx="1">
+            <a:schemeClr val="accent2"/>
+          </a:lnRef>
+          <a:fillRef idx="0">
+            <a:schemeClr val="accent2"/>
+          </a:fillRef>
+          <a:effectRef idx="0">
+            <a:schemeClr val="accent2"/>
+          </a:effectRef>
+          <a:fontRef idx="minor">
+            <a:schemeClr val="tx1"/>
+          </a:fontRef>
+        </p:style>
+      </p:cxnSp>
+      <p:cxnSp>
+        <p:nvCxnSpPr>
+          <p:cNvPr id="22" name="直接连接符 21">
+            <a:extLst>
+              <a:ext uri="{FF2B5EF4-FFF2-40B4-BE49-F238E27FC236}">
+                <a16:creationId xmlns:a16="http://schemas.microsoft.com/office/drawing/2014/main" id="{626531CD-21F9-AB0C-015D-8AFB52859564}"/>
+              </a:ext>
+            </a:extLst>
+          </p:cNvPr>
+          <p:cNvCxnSpPr>
+            <a:cxnSpLocks/>
+            <a:stCxn id="13" idx="0"/>
+            <a:endCxn id="9" idx="2"/>
+          </p:cNvCxnSpPr>
+          <p:nvPr/>
+        </p:nvCxnSpPr>
+        <p:spPr>
+          <a:xfrm flipV="1">
+            <a:off x="5298555" y="3618615"/>
+            <a:ext cx="545805" cy="487884"/>
+          </a:xfrm>
+          <a:prstGeom prst="line">
+            <a:avLst/>
+          </a:prstGeom>
+          <a:ln w="28575">
+            <a:solidFill>
+              <a:schemeClr val="accent1">
+                <a:lumMod val="75000"/>
+              </a:schemeClr>
+            </a:solidFill>
+          </a:ln>
+        </p:spPr>
+        <p:style>
+          <a:lnRef idx="1">
+            <a:schemeClr val="accent2"/>
+          </a:lnRef>
+          <a:fillRef idx="0">
+            <a:schemeClr val="accent2"/>
+          </a:fillRef>
+          <a:effectRef idx="0">
+            <a:schemeClr val="accent2"/>
+          </a:effectRef>
+          <a:fontRef idx="minor">
+            <a:schemeClr val="tx1"/>
+          </a:fontRef>
+        </p:style>
+      </p:cxnSp>
+      <p:cxnSp>
+        <p:nvCxnSpPr>
+          <p:cNvPr id="25" name="直接连接符 24">
+            <a:extLst>
+              <a:ext uri="{FF2B5EF4-FFF2-40B4-BE49-F238E27FC236}">
+                <a16:creationId xmlns:a16="http://schemas.microsoft.com/office/drawing/2014/main" id="{E9E98F28-2EA3-5011-04D6-616C405AE7E4}"/>
+              </a:ext>
+            </a:extLst>
+          </p:cNvPr>
+          <p:cNvCxnSpPr>
+            <a:cxnSpLocks/>
+            <a:stCxn id="14" idx="0"/>
+            <a:endCxn id="9" idx="2"/>
+          </p:cNvCxnSpPr>
+          <p:nvPr/>
+        </p:nvCxnSpPr>
+        <p:spPr>
+          <a:xfrm flipH="1" flipV="1">
+            <a:off x="5844360" y="3618615"/>
+            <a:ext cx="411124" cy="487883"/>
+          </a:xfrm>
+          <a:prstGeom prst="line">
+            <a:avLst/>
+          </a:prstGeom>
+          <a:ln w="28575">
+            <a:solidFill>
+              <a:schemeClr val="accent1">
+                <a:lumMod val="75000"/>
+              </a:schemeClr>
+            </a:solidFill>
+          </a:ln>
+        </p:spPr>
+        <p:style>
+          <a:lnRef idx="1">
+            <a:schemeClr val="accent2"/>
+          </a:lnRef>
+          <a:fillRef idx="0">
+            <a:schemeClr val="accent2"/>
+          </a:fillRef>
+          <a:effectRef idx="0">
+            <a:schemeClr val="accent2"/>
+          </a:effectRef>
+          <a:fontRef idx="minor">
+            <a:schemeClr val="tx1"/>
+          </a:fontRef>
+        </p:style>
+      </p:cxnSp>
+      <p:cxnSp>
+        <p:nvCxnSpPr>
+          <p:cNvPr id="28" name="直接连接符 27">
+            <a:extLst>
+              <a:ext uri="{FF2B5EF4-FFF2-40B4-BE49-F238E27FC236}">
+                <a16:creationId xmlns:a16="http://schemas.microsoft.com/office/drawing/2014/main" id="{9F14FEA2-D107-FE94-AAF3-1BAD352FF1B7}"/>
+              </a:ext>
+            </a:extLst>
+          </p:cNvPr>
+          <p:cNvCxnSpPr>
+            <a:cxnSpLocks/>
+          </p:cNvCxnSpPr>
+          <p:nvPr/>
+        </p:nvCxnSpPr>
+        <p:spPr>
+          <a:xfrm flipV="1">
+            <a:off x="7208874" y="2333109"/>
+            <a:ext cx="425847" cy="1773388"/>
+          </a:xfrm>
+          <a:prstGeom prst="line">
+            <a:avLst/>
+          </a:prstGeom>
+          <a:ln w="28575">
+            <a:solidFill>
+              <a:schemeClr val="accent1">
+                <a:lumMod val="75000"/>
+              </a:schemeClr>
+            </a:solidFill>
+          </a:ln>
+        </p:spPr>
+        <p:style>
+          <a:lnRef idx="1">
+            <a:schemeClr val="accent2"/>
+          </a:lnRef>
+          <a:fillRef idx="0">
+            <a:schemeClr val="accent2"/>
+          </a:fillRef>
+          <a:effectRef idx="0">
+            <a:schemeClr val="accent2"/>
+          </a:effectRef>
+          <a:fontRef idx="minor">
+            <a:schemeClr val="tx1"/>
+          </a:fontRef>
+        </p:style>
+      </p:cxnSp>
+      <p:cxnSp>
+        <p:nvCxnSpPr>
+          <p:cNvPr id="31" name="直接连接符 30">
+            <a:extLst>
+              <a:ext uri="{FF2B5EF4-FFF2-40B4-BE49-F238E27FC236}">
+                <a16:creationId xmlns:a16="http://schemas.microsoft.com/office/drawing/2014/main" id="{87B8072A-E802-51AF-8C0E-DA2C54B811C8}"/>
+              </a:ext>
+            </a:extLst>
+          </p:cNvPr>
+          <p:cNvCxnSpPr>
+            <a:cxnSpLocks/>
+            <a:stCxn id="16" idx="0"/>
+            <a:endCxn id="10" idx="2"/>
+          </p:cNvCxnSpPr>
+          <p:nvPr/>
+        </p:nvCxnSpPr>
+        <p:spPr>
+          <a:xfrm flipH="1" flipV="1">
+            <a:off x="7676706" y="2339163"/>
+            <a:ext cx="535157" cy="1767334"/>
+          </a:xfrm>
+          <a:prstGeom prst="line">
+            <a:avLst/>
+          </a:prstGeom>
+          <a:ln w="28575">
+            <a:solidFill>
+              <a:schemeClr val="accent1">
+                <a:lumMod val="75000"/>
+              </a:schemeClr>
+            </a:solidFill>
+          </a:ln>
+        </p:spPr>
+        <p:style>
+          <a:lnRef idx="1">
+            <a:schemeClr val="accent2"/>
+          </a:lnRef>
+          <a:fillRef idx="0">
+            <a:schemeClr val="accent2"/>
+          </a:fillRef>
+          <a:effectRef idx="0">
+            <a:schemeClr val="accent2"/>
+          </a:effectRef>
+          <a:fontRef idx="minor">
+            <a:schemeClr val="tx1"/>
+          </a:fontRef>
+        </p:style>
+      </p:cxnSp>
+      <p:sp>
+        <p:nvSpPr>
+          <p:cNvPr id="11" name="矩形: 圆角 10">
+            <a:extLst>
+              <a:ext uri="{FF2B5EF4-FFF2-40B4-BE49-F238E27FC236}">
+                <a16:creationId xmlns:a16="http://schemas.microsoft.com/office/drawing/2014/main" id="{059C9DA5-8721-52C8-D6B8-2E96CDB82854}"/>
+              </a:ext>
+            </a:extLst>
+          </p:cNvPr>
+          <p:cNvSpPr/>
+          <p:nvPr/>
+        </p:nvSpPr>
+        <p:spPr>
+          <a:xfrm>
+            <a:off x="3019645" y="4120117"/>
+            <a:ext cx="730104" cy="1104013"/>
+          </a:xfrm>
+          <a:prstGeom prst="roundRect">
+            <a:avLst/>
+          </a:prstGeom>
+          <a:solidFill>
+            <a:schemeClr val="accent1">
+              <a:lumMod val="75000"/>
+            </a:schemeClr>
+          </a:solidFill>
+          <a:ln>
+            <a:noFill/>
+          </a:ln>
+        </p:spPr>
+        <p:style>
+          <a:lnRef idx="2">
+            <a:schemeClr val="accent1">
+              <a:shade val="50000"/>
+            </a:schemeClr>
+          </a:lnRef>
+          <a:fillRef idx="1">
+            <a:schemeClr val="accent1"/>
+          </a:fillRef>
+          <a:effectRef idx="0">
+            <a:schemeClr val="accent1"/>
+          </a:effectRef>
+          <a:fontRef idx="minor">
+            <a:schemeClr val="lt1"/>
+          </a:fontRef>
+        </p:style>
+        <p:txBody>
+          <a:bodyPr rtlCol="0" anchor="ctr"/>
+          <a:lstStyle/>
+          <a:p>
+            <a:pPr algn="ctr"/>
+            <a:endParaRPr lang="zh-CN" altLang="en-US" dirty="0"/>
+          </a:p>
+        </p:txBody>
+      </p:sp>
+      <p:sp>
+        <p:nvSpPr>
+          <p:cNvPr id="12" name="矩形: 圆角 11">
+            <a:extLst>
+              <a:ext uri="{FF2B5EF4-FFF2-40B4-BE49-F238E27FC236}">
+                <a16:creationId xmlns:a16="http://schemas.microsoft.com/office/drawing/2014/main" id="{7D77CBB9-6DED-810B-6051-9080949F16E3}"/>
+              </a:ext>
+            </a:extLst>
+          </p:cNvPr>
+          <p:cNvSpPr/>
+          <p:nvPr/>
+        </p:nvSpPr>
+        <p:spPr>
+          <a:xfrm>
+            <a:off x="3976574" y="4106500"/>
+            <a:ext cx="730104" cy="1104013"/>
+          </a:xfrm>
+          <a:prstGeom prst="roundRect">
+            <a:avLst/>
+          </a:prstGeom>
+          <a:solidFill>
+            <a:schemeClr val="accent1">
+              <a:lumMod val="75000"/>
+            </a:schemeClr>
+          </a:solidFill>
+          <a:ln>
+            <a:noFill/>
+          </a:ln>
+        </p:spPr>
+        <p:style>
+          <a:lnRef idx="2">
+            <a:schemeClr val="accent1">
+              <a:shade val="50000"/>
+            </a:schemeClr>
+          </a:lnRef>
+          <a:fillRef idx="1">
+            <a:schemeClr val="accent1"/>
+          </a:fillRef>
+          <a:effectRef idx="0">
+            <a:schemeClr val="accent1"/>
+          </a:effectRef>
+          <a:fontRef idx="minor">
+            <a:schemeClr val="lt1"/>
+          </a:fontRef>
+        </p:style>
+        <p:txBody>
+          <a:bodyPr rtlCol="0" anchor="ctr"/>
+          <a:lstStyle/>
+          <a:p>
+            <a:pPr algn="ctr"/>
+            <a:endParaRPr lang="zh-CN" altLang="en-US" dirty="0"/>
+          </a:p>
+        </p:txBody>
+      </p:sp>
+      <p:sp>
+        <p:nvSpPr>
+          <p:cNvPr id="13" name="矩形: 圆角 12">
+            <a:extLst>
+              <a:ext uri="{FF2B5EF4-FFF2-40B4-BE49-F238E27FC236}">
+                <a16:creationId xmlns:a16="http://schemas.microsoft.com/office/drawing/2014/main" id="{B372E381-55D0-C0E0-AA34-6A0331BFD5DA}"/>
+              </a:ext>
+            </a:extLst>
+          </p:cNvPr>
+          <p:cNvSpPr/>
+          <p:nvPr/>
+        </p:nvSpPr>
+        <p:spPr>
+          <a:xfrm>
+            <a:off x="4933503" y="4106499"/>
+            <a:ext cx="730104" cy="1104013"/>
+          </a:xfrm>
+          <a:prstGeom prst="roundRect">
+            <a:avLst/>
+          </a:prstGeom>
+          <a:solidFill>
+            <a:schemeClr val="accent1">
+              <a:lumMod val="75000"/>
+            </a:schemeClr>
+          </a:solidFill>
+          <a:ln>
+            <a:noFill/>
+          </a:ln>
+        </p:spPr>
+        <p:style>
+          <a:lnRef idx="2">
+            <a:schemeClr val="accent1">
+              <a:shade val="50000"/>
+            </a:schemeClr>
+          </a:lnRef>
+          <a:fillRef idx="1">
+            <a:schemeClr val="accent1"/>
+          </a:fillRef>
+          <a:effectRef idx="0">
+            <a:schemeClr val="accent1"/>
+          </a:effectRef>
+          <a:fontRef idx="minor">
+            <a:schemeClr val="lt1"/>
+          </a:fontRef>
+        </p:style>
+        <p:txBody>
+          <a:bodyPr rtlCol="0" anchor="ctr"/>
+          <a:lstStyle/>
+          <a:p>
+            <a:pPr algn="ctr"/>
+            <a:endParaRPr lang="zh-CN" altLang="en-US" dirty="0"/>
+          </a:p>
+        </p:txBody>
+      </p:sp>
+      <p:sp>
+        <p:nvSpPr>
+          <p:cNvPr id="14" name="矩形: 圆角 13">
+            <a:extLst>
+              <a:ext uri="{FF2B5EF4-FFF2-40B4-BE49-F238E27FC236}">
+                <a16:creationId xmlns:a16="http://schemas.microsoft.com/office/drawing/2014/main" id="{8BFE76CD-F2D7-34E4-1CB5-3CAED748452F}"/>
+              </a:ext>
+            </a:extLst>
+          </p:cNvPr>
+          <p:cNvSpPr/>
+          <p:nvPr/>
+        </p:nvSpPr>
+        <p:spPr>
+          <a:xfrm>
+            <a:off x="5890432" y="4106498"/>
+            <a:ext cx="730104" cy="1104013"/>
+          </a:xfrm>
+          <a:prstGeom prst="roundRect">
+            <a:avLst/>
+          </a:prstGeom>
+          <a:solidFill>
+            <a:schemeClr val="accent1">
+              <a:lumMod val="75000"/>
+            </a:schemeClr>
+          </a:solidFill>
+          <a:ln>
+            <a:noFill/>
+          </a:ln>
+        </p:spPr>
+        <p:style>
+          <a:lnRef idx="2">
+            <a:schemeClr val="accent1">
+              <a:shade val="50000"/>
+            </a:schemeClr>
+          </a:lnRef>
+          <a:fillRef idx="1">
+            <a:schemeClr val="accent1"/>
+          </a:fillRef>
+          <a:effectRef idx="0">
+            <a:schemeClr val="accent1"/>
+          </a:effectRef>
+          <a:fontRef idx="minor">
+            <a:schemeClr val="lt1"/>
+          </a:fontRef>
+        </p:style>
+        <p:txBody>
+          <a:bodyPr rtlCol="0" anchor="ctr"/>
+          <a:lstStyle/>
+          <a:p>
+            <a:pPr algn="ctr"/>
+            <a:endParaRPr lang="zh-CN" altLang="en-US" dirty="0"/>
+          </a:p>
+        </p:txBody>
+      </p:sp>
+      <p:sp>
+        <p:nvSpPr>
+          <p:cNvPr id="15" name="矩形: 圆角 14">
+            <a:extLst>
+              <a:ext uri="{FF2B5EF4-FFF2-40B4-BE49-F238E27FC236}">
+                <a16:creationId xmlns:a16="http://schemas.microsoft.com/office/drawing/2014/main" id="{78205C83-2E33-DEC5-92C3-A4902B53777E}"/>
+              </a:ext>
+            </a:extLst>
+          </p:cNvPr>
+          <p:cNvSpPr/>
+          <p:nvPr/>
+        </p:nvSpPr>
+        <p:spPr>
+          <a:xfrm>
+            <a:off x="6847361" y="4106498"/>
+            <a:ext cx="730104" cy="1104013"/>
+          </a:xfrm>
+          <a:prstGeom prst="roundRect">
+            <a:avLst/>
+          </a:prstGeom>
+          <a:solidFill>
+            <a:schemeClr val="accent1">
+              <a:lumMod val="75000"/>
+            </a:schemeClr>
+          </a:solidFill>
+          <a:ln>
+            <a:noFill/>
+          </a:ln>
+        </p:spPr>
+        <p:style>
+          <a:lnRef idx="2">
+            <a:schemeClr val="accent1">
+              <a:shade val="50000"/>
+            </a:schemeClr>
+          </a:lnRef>
+          <a:fillRef idx="1">
+            <a:schemeClr val="accent1"/>
+          </a:fillRef>
+          <a:effectRef idx="0">
+            <a:schemeClr val="accent1"/>
+          </a:effectRef>
+          <a:fontRef idx="minor">
+            <a:schemeClr val="lt1"/>
+          </a:fontRef>
+        </p:style>
+        <p:txBody>
+          <a:bodyPr rtlCol="0" anchor="ctr"/>
+          <a:lstStyle/>
+          <a:p>
+            <a:pPr algn="ctr"/>
+            <a:endParaRPr lang="zh-CN" altLang="en-US" dirty="0"/>
+          </a:p>
+        </p:txBody>
+      </p:sp>
+      <p:sp>
+        <p:nvSpPr>
+          <p:cNvPr id="16" name="矩形: 圆角 15">
+            <a:extLst>
+              <a:ext uri="{FF2B5EF4-FFF2-40B4-BE49-F238E27FC236}">
+                <a16:creationId xmlns:a16="http://schemas.microsoft.com/office/drawing/2014/main" id="{652E7DAA-4BB8-A7E0-AF89-61EFC4E80CFE}"/>
+              </a:ext>
+            </a:extLst>
+          </p:cNvPr>
+          <p:cNvSpPr/>
+          <p:nvPr/>
+        </p:nvSpPr>
+        <p:spPr>
+          <a:xfrm>
+            <a:off x="7846811" y="4106497"/>
+            <a:ext cx="730104" cy="1117633"/>
+          </a:xfrm>
+          <a:prstGeom prst="roundRect">
+            <a:avLst/>
+          </a:prstGeom>
+          <a:solidFill>
+            <a:schemeClr val="accent1">
+              <a:lumMod val="75000"/>
+            </a:schemeClr>
+          </a:solidFill>
+          <a:ln>
+            <a:noFill/>
+          </a:ln>
+        </p:spPr>
+        <p:style>
+          <a:lnRef idx="2">
+            <a:schemeClr val="accent1">
+              <a:shade val="50000"/>
+            </a:schemeClr>
+          </a:lnRef>
+          <a:fillRef idx="1">
+            <a:schemeClr val="accent1"/>
+          </a:fillRef>
+          <a:effectRef idx="0">
+            <a:schemeClr val="accent1"/>
+          </a:effectRef>
+          <a:fontRef idx="minor">
+            <a:schemeClr val="lt1"/>
+          </a:fontRef>
+        </p:style>
+        <p:txBody>
+          <a:bodyPr rtlCol="0" anchor="ctr"/>
+          <a:lstStyle/>
+          <a:p>
+            <a:pPr algn="ctr"/>
+            <a:endParaRPr lang="zh-CN" altLang="en-US" dirty="0"/>
+          </a:p>
+        </p:txBody>
+      </p:sp>
+      <p:cxnSp>
+        <p:nvCxnSpPr>
+          <p:cNvPr id="34" name="直接连接符 33">
+            <a:extLst>
+              <a:ext uri="{FF2B5EF4-FFF2-40B4-BE49-F238E27FC236}">
+                <a16:creationId xmlns:a16="http://schemas.microsoft.com/office/drawing/2014/main" id="{005D8849-0C26-D96F-2E41-1FF89FBDE7EE}"/>
+              </a:ext>
+            </a:extLst>
+          </p:cNvPr>
+          <p:cNvCxnSpPr>
+            <a:cxnSpLocks/>
+            <a:stCxn id="6" idx="3"/>
+            <a:endCxn id="10" idx="1"/>
+          </p:cNvCxnSpPr>
+          <p:nvPr/>
+        </p:nvCxnSpPr>
+        <p:spPr>
+          <a:xfrm>
+            <a:off x="4706678" y="1665768"/>
+            <a:ext cx="2264734" cy="0"/>
+          </a:xfrm>
+          <a:prstGeom prst="line">
+            <a:avLst/>
+          </a:prstGeom>
+          <a:ln w="28575">
+            <a:solidFill>
+              <a:schemeClr val="accent1">
+                <a:lumMod val="75000"/>
+              </a:schemeClr>
+            </a:solidFill>
+          </a:ln>
+        </p:spPr>
+        <p:style>
+          <a:lnRef idx="1">
+            <a:schemeClr val="accent2"/>
+          </a:lnRef>
+          <a:fillRef idx="0">
+            <a:schemeClr val="accent2"/>
+          </a:fillRef>
+          <a:effectRef idx="0">
+            <a:schemeClr val="accent2"/>
+          </a:effectRef>
+          <a:fontRef idx="minor">
+            <a:schemeClr val="tx1"/>
+          </a:fontRef>
+        </p:style>
+      </p:cxnSp>
+      <p:cxnSp>
+        <p:nvCxnSpPr>
+          <p:cNvPr id="38" name="直接连接符 37">
+            <a:extLst>
+              <a:ext uri="{FF2B5EF4-FFF2-40B4-BE49-F238E27FC236}">
+                <a16:creationId xmlns:a16="http://schemas.microsoft.com/office/drawing/2014/main" id="{714E6C37-C5DC-758A-1F6F-5980E2A84A9F}"/>
+              </a:ext>
+            </a:extLst>
+          </p:cNvPr>
+          <p:cNvCxnSpPr>
+            <a:cxnSpLocks/>
+            <a:stCxn id="9" idx="3"/>
+          </p:cNvCxnSpPr>
+          <p:nvPr/>
+        </p:nvCxnSpPr>
+        <p:spPr>
+          <a:xfrm flipV="1">
+            <a:off x="6549653" y="2339163"/>
+            <a:ext cx="1134142" cy="606057"/>
+          </a:xfrm>
+          <a:prstGeom prst="line">
+            <a:avLst/>
+          </a:prstGeom>
+          <a:ln w="28575">
+            <a:solidFill>
+              <a:schemeClr val="accent1">
+                <a:lumMod val="75000"/>
+              </a:schemeClr>
+            </a:solidFill>
+          </a:ln>
+        </p:spPr>
+        <p:style>
+          <a:lnRef idx="1">
+            <a:schemeClr val="accent2"/>
+          </a:lnRef>
+          <a:fillRef idx="0">
+            <a:schemeClr val="accent2"/>
+          </a:fillRef>
+          <a:effectRef idx="0">
+            <a:schemeClr val="accent2"/>
+          </a:effectRef>
+          <a:fontRef idx="minor">
+            <a:schemeClr val="tx1"/>
+          </a:fontRef>
+        </p:style>
+      </p:cxnSp>
+      <p:cxnSp>
+        <p:nvCxnSpPr>
+          <p:cNvPr id="41" name="直接连接符 40">
+            <a:extLst>
+              <a:ext uri="{FF2B5EF4-FFF2-40B4-BE49-F238E27FC236}">
+                <a16:creationId xmlns:a16="http://schemas.microsoft.com/office/drawing/2014/main" id="{5D2D3E7B-99BF-47F8-33F8-ED07B1424CD6}"/>
+              </a:ext>
+            </a:extLst>
+          </p:cNvPr>
+          <p:cNvCxnSpPr>
+            <a:cxnSpLocks/>
+            <a:stCxn id="6" idx="2"/>
+            <a:endCxn id="9" idx="1"/>
+          </p:cNvCxnSpPr>
+          <p:nvPr/>
+        </p:nvCxnSpPr>
+        <p:spPr>
+          <a:xfrm>
+            <a:off x="4001385" y="2339163"/>
+            <a:ext cx="1137681" cy="606057"/>
+          </a:xfrm>
+          <a:prstGeom prst="line">
+            <a:avLst/>
+          </a:prstGeom>
+          <a:ln w="28575">
+            <a:solidFill>
+              <a:schemeClr val="accent1">
+                <a:lumMod val="75000"/>
+              </a:schemeClr>
+            </a:solidFill>
+          </a:ln>
+        </p:spPr>
+        <p:style>
+          <a:lnRef idx="1">
+            <a:schemeClr val="accent2"/>
+          </a:lnRef>
+          <a:fillRef idx="0">
+            <a:schemeClr val="accent2"/>
+          </a:fillRef>
+          <a:effectRef idx="0">
+            <a:schemeClr val="accent2"/>
+          </a:effectRef>
+          <a:fontRef idx="minor">
+            <a:schemeClr val="tx1"/>
+          </a:fontRef>
+        </p:style>
+      </p:cxnSp>
+      <p:cxnSp>
+        <p:nvCxnSpPr>
+          <p:cNvPr id="44" name="直接连接符 43">
+            <a:extLst>
+              <a:ext uri="{FF2B5EF4-FFF2-40B4-BE49-F238E27FC236}">
+                <a16:creationId xmlns:a16="http://schemas.microsoft.com/office/drawing/2014/main" id="{52A6E82B-D851-10AE-3DA3-2622B39556ED}"/>
+              </a:ext>
+            </a:extLst>
+          </p:cNvPr>
+          <p:cNvCxnSpPr>
+            <a:cxnSpLocks/>
+            <a:endCxn id="10" idx="3"/>
+          </p:cNvCxnSpPr>
+          <p:nvPr/>
+        </p:nvCxnSpPr>
+        <p:spPr>
+          <a:xfrm flipH="1">
+            <a:off x="8381999" y="1665767"/>
+            <a:ext cx="1485901" cy="1"/>
+          </a:xfrm>
+          <a:prstGeom prst="line">
+            <a:avLst/>
+          </a:prstGeom>
+          <a:ln w="28575">
+            <a:solidFill>
+              <a:schemeClr val="accent1">
+                <a:lumMod val="75000"/>
+              </a:schemeClr>
+            </a:solidFill>
+          </a:ln>
+        </p:spPr>
+        <p:style>
+          <a:lnRef idx="1">
+            <a:schemeClr val="accent2"/>
+          </a:lnRef>
+          <a:fillRef idx="0">
+            <a:schemeClr val="accent2"/>
+          </a:fillRef>
+          <a:effectRef idx="0">
+            <a:schemeClr val="accent2"/>
+          </a:effectRef>
+          <a:fontRef idx="minor">
+            <a:schemeClr val="tx1"/>
+          </a:fontRef>
+        </p:style>
+      </p:cxnSp>
+      <p:sp>
+        <p:nvSpPr>
+          <p:cNvPr id="48" name="文本框 47">
+            <a:extLst>
+              <a:ext uri="{FF2B5EF4-FFF2-40B4-BE49-F238E27FC236}">
+                <a16:creationId xmlns:a16="http://schemas.microsoft.com/office/drawing/2014/main" id="{841DBCCE-F307-792F-B301-D54E7E530589}"/>
+              </a:ext>
+            </a:extLst>
+          </p:cNvPr>
+          <p:cNvSpPr txBox="1"/>
+          <p:nvPr/>
+        </p:nvSpPr>
+        <p:spPr>
+          <a:xfrm>
+            <a:off x="5086042" y="5842517"/>
+            <a:ext cx="1516634" cy="369332"/>
+          </a:xfrm>
+          <a:prstGeom prst="rect">
+            <a:avLst/>
+          </a:prstGeom>
+          <a:noFill/>
+        </p:spPr>
+        <p:txBody>
+          <a:bodyPr wrap="none" rtlCol="0">
+            <a:spAutoFit/>
+          </a:bodyPr>
+          <a:lstStyle/>
+          <a:p>
+            <a:r>
+              <a:rPr lang="en-US" altLang="zh-CN" b="1" dirty="0">
+                <a:latin typeface="Hei"/>
+              </a:rPr>
+              <a:t>System Group</a:t>
+            </a:r>
+            <a:endParaRPr lang="zh-CN" altLang="en-US" b="1" dirty="0">
+              <a:latin typeface="Hei"/>
+            </a:endParaRPr>
+          </a:p>
+        </p:txBody>
+      </p:sp>
+      <p:sp>
+        <p:nvSpPr>
+          <p:cNvPr id="49" name="文本框 48">
+            <a:extLst>
+              <a:ext uri="{FF2B5EF4-FFF2-40B4-BE49-F238E27FC236}">
+                <a16:creationId xmlns:a16="http://schemas.microsoft.com/office/drawing/2014/main" id="{2787172E-9815-8C0E-FBF6-646E410B54E6}"/>
+              </a:ext>
+            </a:extLst>
+          </p:cNvPr>
+          <p:cNvSpPr txBox="1"/>
+          <p:nvPr/>
+        </p:nvSpPr>
+        <p:spPr>
+          <a:xfrm>
+            <a:off x="5086042" y="5311982"/>
+            <a:ext cx="1476558" cy="369332"/>
+          </a:xfrm>
+          <a:prstGeom prst="rect">
+            <a:avLst/>
+          </a:prstGeom>
+          <a:noFill/>
+        </p:spPr>
+        <p:txBody>
+          <a:bodyPr wrap="none" rtlCol="0">
+            <a:spAutoFit/>
+          </a:bodyPr>
+          <a:lstStyle/>
+          <a:p>
+            <a:r>
+              <a:rPr lang="en-US" altLang="zh-CN" b="1" dirty="0">
+                <a:latin typeface="Hei"/>
+              </a:rPr>
+              <a:t>Clients Group</a:t>
+            </a:r>
+            <a:endParaRPr lang="zh-CN" altLang="en-US" b="1" dirty="0">
+              <a:latin typeface="Hei"/>
+            </a:endParaRPr>
+          </a:p>
+        </p:txBody>
+      </p:sp>
+      <p:sp>
+        <p:nvSpPr>
+          <p:cNvPr id="50" name="文本框 49">
+            <a:extLst>
+              <a:ext uri="{FF2B5EF4-FFF2-40B4-BE49-F238E27FC236}">
+                <a16:creationId xmlns:a16="http://schemas.microsoft.com/office/drawing/2014/main" id="{3C5EE663-BF08-F9F9-CCE3-88FC97C4B442}"/>
+              </a:ext>
+            </a:extLst>
+          </p:cNvPr>
+          <p:cNvSpPr txBox="1"/>
+          <p:nvPr/>
+        </p:nvSpPr>
+        <p:spPr>
+          <a:xfrm>
+            <a:off x="5112697" y="801473"/>
+            <a:ext cx="1535100" cy="369332"/>
+          </a:xfrm>
+          <a:prstGeom prst="rect">
+            <a:avLst/>
+          </a:prstGeom>
+          <a:noFill/>
+        </p:spPr>
+        <p:txBody>
+          <a:bodyPr wrap="none" rtlCol="0">
+            <a:spAutoFit/>
+          </a:bodyPr>
+          <a:lstStyle/>
+          <a:p>
+            <a:r>
+              <a:rPr lang="en-US" altLang="zh-CN" b="1" dirty="0">
+                <a:latin typeface="Hei"/>
+              </a:rPr>
+              <a:t>Servers Group</a:t>
+            </a:r>
+            <a:endParaRPr lang="zh-CN" altLang="en-US" b="1" dirty="0">
+              <a:latin typeface="Hei"/>
+            </a:endParaRPr>
+          </a:p>
+        </p:txBody>
+      </p:sp>
+      <p:sp>
+        <p:nvSpPr>
+          <p:cNvPr id="51" name="文本框 50">
+            <a:extLst>
+              <a:ext uri="{FF2B5EF4-FFF2-40B4-BE49-F238E27FC236}">
+                <a16:creationId xmlns:a16="http://schemas.microsoft.com/office/drawing/2014/main" id="{797BB794-9EDC-C83D-3084-ECF0DD6F5839}"/>
+              </a:ext>
+            </a:extLst>
+          </p:cNvPr>
+          <p:cNvSpPr txBox="1"/>
+          <p:nvPr/>
+        </p:nvSpPr>
+        <p:spPr>
+          <a:xfrm>
+            <a:off x="9423092" y="1296435"/>
+            <a:ext cx="1979003" cy="369332"/>
+          </a:xfrm>
+          <a:prstGeom prst="rect">
+            <a:avLst/>
+          </a:prstGeom>
+          <a:noFill/>
+        </p:spPr>
+        <p:txBody>
+          <a:bodyPr wrap="none" rtlCol="0">
+            <a:spAutoFit/>
+          </a:bodyPr>
+          <a:lstStyle/>
+          <a:p>
+            <a:r>
+              <a:rPr lang="en-US" altLang="zh-CN" b="1" dirty="0">
+                <a:latin typeface="Hei"/>
+              </a:rPr>
+              <a:t>System Entry Point</a:t>
+            </a:r>
+            <a:endParaRPr lang="zh-CN" altLang="en-US" b="1" dirty="0">
+              <a:latin typeface="Hei"/>
+            </a:endParaRPr>
+          </a:p>
+        </p:txBody>
+      </p:sp>
+      <p:sp>
+        <p:nvSpPr>
+          <p:cNvPr id="52" name="文本框 51">
+            <a:extLst>
+              <a:ext uri="{FF2B5EF4-FFF2-40B4-BE49-F238E27FC236}">
+                <a16:creationId xmlns:a16="http://schemas.microsoft.com/office/drawing/2014/main" id="{68367136-5EC2-5AC1-379D-DAE44B0E907E}"/>
+              </a:ext>
+            </a:extLst>
+          </p:cNvPr>
+          <p:cNvSpPr txBox="1"/>
+          <p:nvPr/>
+        </p:nvSpPr>
+        <p:spPr>
+          <a:xfrm>
+            <a:off x="2971923" y="4496036"/>
+            <a:ext cx="825547" cy="338554"/>
+          </a:xfrm>
+          <a:prstGeom prst="rect">
+            <a:avLst/>
+          </a:prstGeom>
+          <a:noFill/>
+        </p:spPr>
+        <p:txBody>
+          <a:bodyPr wrap="none" rtlCol="0">
+            <a:spAutoFit/>
+          </a:bodyPr>
+          <a:lstStyle/>
+          <a:p>
+            <a:r>
+              <a:rPr lang="en-US" altLang="zh-CN" sz="1600" b="1" dirty="0">
+                <a:solidFill>
+                  <a:schemeClr val="bg1"/>
+                </a:solidFill>
+                <a:latin typeface="Hei"/>
+              </a:rPr>
+              <a:t>Client 1</a:t>
+            </a:r>
+            <a:endParaRPr lang="zh-CN" altLang="en-US" sz="1600" b="1" dirty="0">
+              <a:solidFill>
+                <a:schemeClr val="bg1"/>
+              </a:solidFill>
+              <a:latin typeface="Hei"/>
+            </a:endParaRPr>
+          </a:p>
+        </p:txBody>
+      </p:sp>
+      <p:sp>
+        <p:nvSpPr>
+          <p:cNvPr id="53" name="文本框 52">
+            <a:extLst>
+              <a:ext uri="{FF2B5EF4-FFF2-40B4-BE49-F238E27FC236}">
+                <a16:creationId xmlns:a16="http://schemas.microsoft.com/office/drawing/2014/main" id="{6BADB5D4-CFB2-B540-E71B-3C2A3A769A60}"/>
+              </a:ext>
+            </a:extLst>
+          </p:cNvPr>
+          <p:cNvSpPr txBox="1"/>
+          <p:nvPr/>
+        </p:nvSpPr>
+        <p:spPr>
+          <a:xfrm>
+            <a:off x="3929906" y="4496036"/>
+            <a:ext cx="825547" cy="338554"/>
+          </a:xfrm>
+          <a:prstGeom prst="rect">
+            <a:avLst/>
+          </a:prstGeom>
+          <a:noFill/>
+        </p:spPr>
+        <p:txBody>
+          <a:bodyPr wrap="none" rtlCol="0">
+            <a:spAutoFit/>
+          </a:bodyPr>
+          <a:lstStyle/>
+          <a:p>
+            <a:r>
+              <a:rPr lang="en-US" altLang="zh-CN" sz="1600" b="1" dirty="0">
+                <a:solidFill>
+                  <a:schemeClr val="bg1"/>
+                </a:solidFill>
+                <a:latin typeface="Hei"/>
+              </a:rPr>
+              <a:t>Client 2</a:t>
+            </a:r>
+            <a:endParaRPr lang="zh-CN" altLang="en-US" sz="1600" b="1" dirty="0">
+              <a:solidFill>
+                <a:schemeClr val="bg1"/>
+              </a:solidFill>
+              <a:latin typeface="Hei"/>
+            </a:endParaRPr>
+          </a:p>
+        </p:txBody>
+      </p:sp>
+      <p:sp>
+        <p:nvSpPr>
+          <p:cNvPr id="54" name="文本框 53">
+            <a:extLst>
+              <a:ext uri="{FF2B5EF4-FFF2-40B4-BE49-F238E27FC236}">
+                <a16:creationId xmlns:a16="http://schemas.microsoft.com/office/drawing/2014/main" id="{812CA45B-94EB-F7E6-78C4-81B7BF9DBB56}"/>
+              </a:ext>
+            </a:extLst>
+          </p:cNvPr>
+          <p:cNvSpPr txBox="1"/>
+          <p:nvPr/>
+        </p:nvSpPr>
+        <p:spPr>
+          <a:xfrm>
+            <a:off x="4885781" y="4496036"/>
+            <a:ext cx="825547" cy="338554"/>
+          </a:xfrm>
+          <a:prstGeom prst="rect">
+            <a:avLst/>
+          </a:prstGeom>
+          <a:noFill/>
+        </p:spPr>
+        <p:txBody>
+          <a:bodyPr wrap="none" rtlCol="0">
+            <a:spAutoFit/>
+          </a:bodyPr>
+          <a:lstStyle/>
+          <a:p>
+            <a:r>
+              <a:rPr lang="en-US" altLang="zh-CN" sz="1600" b="1" dirty="0">
+                <a:solidFill>
+                  <a:schemeClr val="bg1"/>
+                </a:solidFill>
+                <a:latin typeface="Hei"/>
+              </a:rPr>
+              <a:t>Client 3</a:t>
+            </a:r>
+            <a:endParaRPr lang="zh-CN" altLang="en-US" sz="1600" b="1" dirty="0">
+              <a:solidFill>
+                <a:schemeClr val="bg1"/>
+              </a:solidFill>
+              <a:latin typeface="Hei"/>
+            </a:endParaRPr>
+          </a:p>
+        </p:txBody>
+      </p:sp>
+      <p:sp>
+        <p:nvSpPr>
+          <p:cNvPr id="55" name="文本框 54">
+            <a:extLst>
+              <a:ext uri="{FF2B5EF4-FFF2-40B4-BE49-F238E27FC236}">
+                <a16:creationId xmlns:a16="http://schemas.microsoft.com/office/drawing/2014/main" id="{89BB1277-ABB2-FF89-6CB8-40EEEE73D267}"/>
+              </a:ext>
+            </a:extLst>
+          </p:cNvPr>
+          <p:cNvSpPr txBox="1"/>
+          <p:nvPr/>
+        </p:nvSpPr>
+        <p:spPr>
+          <a:xfrm>
+            <a:off x="5841656" y="4489227"/>
+            <a:ext cx="825547" cy="338554"/>
+          </a:xfrm>
+          <a:prstGeom prst="rect">
+            <a:avLst/>
+          </a:prstGeom>
+          <a:noFill/>
+        </p:spPr>
+        <p:txBody>
+          <a:bodyPr wrap="none" rtlCol="0">
+            <a:spAutoFit/>
+          </a:bodyPr>
+          <a:lstStyle/>
+          <a:p>
+            <a:r>
+              <a:rPr lang="en-US" altLang="zh-CN" sz="1600" b="1" dirty="0">
+                <a:solidFill>
+                  <a:schemeClr val="bg1"/>
+                </a:solidFill>
+                <a:latin typeface="Hei"/>
+              </a:rPr>
+              <a:t>Client 4</a:t>
+            </a:r>
+            <a:endParaRPr lang="zh-CN" altLang="en-US" sz="1600" b="1" dirty="0">
+              <a:solidFill>
+                <a:schemeClr val="bg1"/>
+              </a:solidFill>
+              <a:latin typeface="Hei"/>
+            </a:endParaRPr>
+          </a:p>
+        </p:txBody>
+      </p:sp>
+      <p:sp>
+        <p:nvSpPr>
+          <p:cNvPr id="56" name="文本框 55">
+            <a:extLst>
+              <a:ext uri="{FF2B5EF4-FFF2-40B4-BE49-F238E27FC236}">
+                <a16:creationId xmlns:a16="http://schemas.microsoft.com/office/drawing/2014/main" id="{611302C9-9973-6010-BC38-85E155F11A21}"/>
+              </a:ext>
+            </a:extLst>
+          </p:cNvPr>
+          <p:cNvSpPr txBox="1"/>
+          <p:nvPr/>
+        </p:nvSpPr>
+        <p:spPr>
+          <a:xfrm>
+            <a:off x="7789555" y="4489227"/>
+            <a:ext cx="856004" cy="338554"/>
+          </a:xfrm>
+          <a:prstGeom prst="rect">
+            <a:avLst/>
+          </a:prstGeom>
+          <a:noFill/>
+        </p:spPr>
+        <p:txBody>
+          <a:bodyPr wrap="none" rtlCol="0">
+            <a:spAutoFit/>
+          </a:bodyPr>
+          <a:lstStyle/>
+          <a:p>
+            <a:r>
+              <a:rPr lang="en-US" altLang="zh-CN" sz="1600" b="1" dirty="0">
+                <a:solidFill>
+                  <a:schemeClr val="bg1"/>
+                </a:solidFill>
+                <a:latin typeface="Hei"/>
+              </a:rPr>
+              <a:t>Client N</a:t>
+            </a:r>
+            <a:endParaRPr lang="zh-CN" altLang="en-US" sz="1600" b="1" dirty="0">
+              <a:solidFill>
+                <a:schemeClr val="bg1"/>
+              </a:solidFill>
+              <a:latin typeface="Hei"/>
+            </a:endParaRPr>
+          </a:p>
+        </p:txBody>
+      </p:sp>
+      <p:sp>
+        <p:nvSpPr>
+          <p:cNvPr id="57" name="文本框 56">
+            <a:extLst>
+              <a:ext uri="{FF2B5EF4-FFF2-40B4-BE49-F238E27FC236}">
+                <a16:creationId xmlns:a16="http://schemas.microsoft.com/office/drawing/2014/main" id="{97C99EAD-42E8-F2F0-200A-DB77F9473377}"/>
+              </a:ext>
+            </a:extLst>
+          </p:cNvPr>
+          <p:cNvSpPr txBox="1"/>
+          <p:nvPr/>
+        </p:nvSpPr>
+        <p:spPr>
+          <a:xfrm>
+            <a:off x="7008340" y="4496036"/>
+            <a:ext cx="330540" cy="338554"/>
+          </a:xfrm>
+          <a:prstGeom prst="rect">
+            <a:avLst/>
+          </a:prstGeom>
+          <a:noFill/>
+        </p:spPr>
+        <p:txBody>
+          <a:bodyPr wrap="none" rtlCol="0">
+            <a:spAutoFit/>
+          </a:bodyPr>
+          <a:lstStyle/>
+          <a:p>
+            <a:r>
+              <a:rPr lang="en-US" altLang="zh-CN" sz="1600" b="1" dirty="0">
+                <a:solidFill>
+                  <a:schemeClr val="bg1"/>
+                </a:solidFill>
+                <a:latin typeface="Hei"/>
+              </a:rPr>
+              <a:t>…</a:t>
+            </a:r>
+            <a:endParaRPr lang="zh-CN" altLang="en-US" sz="1600" b="1" dirty="0">
+              <a:solidFill>
+                <a:schemeClr val="bg1"/>
+              </a:solidFill>
+              <a:latin typeface="Hei"/>
+            </a:endParaRPr>
+          </a:p>
+        </p:txBody>
+      </p:sp>
+      <p:sp>
+        <p:nvSpPr>
+          <p:cNvPr id="58" name="文本框 57">
+            <a:extLst>
+              <a:ext uri="{FF2B5EF4-FFF2-40B4-BE49-F238E27FC236}">
+                <a16:creationId xmlns:a16="http://schemas.microsoft.com/office/drawing/2014/main" id="{61996663-0D47-0B00-AA3A-1324AE5EA5AE}"/>
+              </a:ext>
+            </a:extLst>
+          </p:cNvPr>
+          <p:cNvSpPr txBox="1"/>
+          <p:nvPr/>
+        </p:nvSpPr>
+        <p:spPr>
+          <a:xfrm>
+            <a:off x="7267709" y="1117688"/>
+            <a:ext cx="883447" cy="338554"/>
+          </a:xfrm>
+          <a:prstGeom prst="rect">
+            <a:avLst/>
+          </a:prstGeom>
+          <a:noFill/>
+        </p:spPr>
+        <p:txBody>
+          <a:bodyPr wrap="none" rtlCol="0">
+            <a:spAutoFit/>
+          </a:bodyPr>
+          <a:lstStyle/>
+          <a:p>
+            <a:r>
+              <a:rPr lang="en-US" altLang="zh-CN" sz="1600" b="1" dirty="0">
+                <a:solidFill>
+                  <a:schemeClr val="bg1"/>
+                </a:solidFill>
+                <a:latin typeface="Hei"/>
+              </a:rPr>
+              <a:t>Server 1</a:t>
+            </a:r>
+            <a:endParaRPr lang="zh-CN" altLang="en-US" sz="1600" b="1" dirty="0">
+              <a:solidFill>
+                <a:schemeClr val="bg1"/>
+              </a:solidFill>
+              <a:latin typeface="Hei"/>
+            </a:endParaRPr>
+          </a:p>
+        </p:txBody>
+      </p:sp>
+      <p:sp>
+        <p:nvSpPr>
+          <p:cNvPr id="60" name="文本框 59">
+            <a:extLst>
+              <a:ext uri="{FF2B5EF4-FFF2-40B4-BE49-F238E27FC236}">
+                <a16:creationId xmlns:a16="http://schemas.microsoft.com/office/drawing/2014/main" id="{6E49A293-C8DE-87A2-C997-3AA488039817}"/>
+              </a:ext>
+            </a:extLst>
+          </p:cNvPr>
+          <p:cNvSpPr txBox="1"/>
+          <p:nvPr/>
+        </p:nvSpPr>
+        <p:spPr>
+          <a:xfrm>
+            <a:off x="3526087" y="1117688"/>
+            <a:ext cx="913905" cy="338554"/>
+          </a:xfrm>
+          <a:prstGeom prst="rect">
+            <a:avLst/>
+          </a:prstGeom>
+          <a:noFill/>
+        </p:spPr>
+        <p:txBody>
+          <a:bodyPr wrap="none" rtlCol="0">
+            <a:spAutoFit/>
+          </a:bodyPr>
+          <a:lstStyle/>
+          <a:p>
+            <a:r>
+              <a:rPr lang="en-US" altLang="zh-CN" sz="1600" b="1" dirty="0">
+                <a:solidFill>
+                  <a:schemeClr val="bg1"/>
+                </a:solidFill>
+                <a:latin typeface="Hei"/>
+              </a:rPr>
+              <a:t>Server N</a:t>
+            </a:r>
+            <a:endParaRPr lang="zh-CN" altLang="en-US" sz="1600" b="1" dirty="0">
+              <a:solidFill>
+                <a:schemeClr val="bg1"/>
+              </a:solidFill>
+              <a:latin typeface="Hei"/>
+            </a:endParaRPr>
+          </a:p>
+        </p:txBody>
+      </p:sp>
+      <p:sp>
+        <p:nvSpPr>
+          <p:cNvPr id="9" name="矩形: 圆角 8">
+            <a:extLst>
+              <a:ext uri="{FF2B5EF4-FFF2-40B4-BE49-F238E27FC236}">
+                <a16:creationId xmlns:a16="http://schemas.microsoft.com/office/drawing/2014/main" id="{265AEA2B-47C3-A366-FBE0-0B5F37F5D04F}"/>
+              </a:ext>
+            </a:extLst>
+          </p:cNvPr>
+          <p:cNvSpPr/>
+          <p:nvPr/>
+        </p:nvSpPr>
+        <p:spPr>
+          <a:xfrm>
+            <a:off x="5139066" y="2271825"/>
+            <a:ext cx="1410587" cy="1346790"/>
+          </a:xfrm>
+          <a:prstGeom prst="roundRect">
+            <a:avLst/>
+          </a:prstGeom>
+          <a:solidFill>
+            <a:schemeClr val="accent1">
+              <a:lumMod val="75000"/>
+            </a:schemeClr>
+          </a:solidFill>
+          <a:ln>
+            <a:noFill/>
+          </a:ln>
+        </p:spPr>
+        <p:style>
+          <a:lnRef idx="2">
+            <a:schemeClr val="accent1">
+              <a:shade val="50000"/>
+            </a:schemeClr>
+          </a:lnRef>
+          <a:fillRef idx="1">
+            <a:schemeClr val="accent1"/>
+          </a:fillRef>
+          <a:effectRef idx="0">
+            <a:schemeClr val="accent1"/>
+          </a:effectRef>
+          <a:fontRef idx="minor">
+            <a:schemeClr val="lt1"/>
+          </a:fontRef>
+        </p:style>
+        <p:txBody>
+          <a:bodyPr rtlCol="0" anchor="ctr"/>
+          <a:lstStyle/>
+          <a:p>
+            <a:pPr algn="ctr"/>
+            <a:endParaRPr lang="zh-CN" altLang="en-US"/>
+          </a:p>
+        </p:txBody>
+      </p:sp>
+      <p:sp>
+        <p:nvSpPr>
+          <p:cNvPr id="59" name="文本框 58">
+            <a:extLst>
+              <a:ext uri="{FF2B5EF4-FFF2-40B4-BE49-F238E27FC236}">
+                <a16:creationId xmlns:a16="http://schemas.microsoft.com/office/drawing/2014/main" id="{756D98A7-6D8B-C110-2A01-28B9CAC9C9A9}"/>
+              </a:ext>
+            </a:extLst>
+          </p:cNvPr>
+          <p:cNvSpPr txBox="1"/>
+          <p:nvPr/>
+        </p:nvSpPr>
+        <p:spPr>
+          <a:xfrm>
+            <a:off x="5218198" y="2360445"/>
+            <a:ext cx="1266501" cy="584775"/>
+          </a:xfrm>
+          <a:prstGeom prst="rect">
+            <a:avLst/>
+          </a:prstGeom>
+          <a:noFill/>
+        </p:spPr>
+        <p:txBody>
+          <a:bodyPr wrap="none" rtlCol="0">
+            <a:spAutoFit/>
+          </a:bodyPr>
+          <a:lstStyle/>
+          <a:p>
+            <a:r>
+              <a:rPr lang="en-US" altLang="zh-CN" sz="1600" b="1" dirty="0">
+                <a:solidFill>
+                  <a:schemeClr val="bg1"/>
+                </a:solidFill>
+                <a:latin typeface="Hei"/>
+              </a:rPr>
+              <a:t>Proxy (main)</a:t>
+            </a:r>
+          </a:p>
+          <a:p>
+            <a:r>
+              <a:rPr lang="en-US" altLang="zh-CN" sz="1600" b="1" dirty="0">
+                <a:solidFill>
+                  <a:schemeClr val="bg1"/>
+                </a:solidFill>
+                <a:latin typeface="Hei"/>
+              </a:rPr>
+              <a:t>Server</a:t>
+            </a:r>
+            <a:endParaRPr lang="zh-CN" altLang="en-US" sz="1600" b="1" dirty="0">
+              <a:solidFill>
+                <a:schemeClr val="bg1"/>
+              </a:solidFill>
+              <a:latin typeface="Hei"/>
+            </a:endParaRPr>
+          </a:p>
+        </p:txBody>
+      </p:sp>
+      <p:sp>
+        <p:nvSpPr>
+          <p:cNvPr id="67" name="星形: 五角 66">
+            <a:extLst>
+              <a:ext uri="{FF2B5EF4-FFF2-40B4-BE49-F238E27FC236}">
+                <a16:creationId xmlns:a16="http://schemas.microsoft.com/office/drawing/2014/main" id="{9F9EEB65-3968-8C90-5519-B2CF31185FBF}"/>
+              </a:ext>
+            </a:extLst>
+          </p:cNvPr>
+          <p:cNvSpPr/>
+          <p:nvPr/>
+        </p:nvSpPr>
+        <p:spPr>
+          <a:xfrm>
+            <a:off x="6240497" y="2005235"/>
+            <a:ext cx="412754" cy="459523"/>
+          </a:xfrm>
+          <a:prstGeom prst="star5">
+            <a:avLst/>
+          </a:prstGeom>
+        </p:spPr>
+        <p:style>
+          <a:lnRef idx="2">
+            <a:schemeClr val="accent4">
+              <a:shade val="50000"/>
+            </a:schemeClr>
+          </a:lnRef>
+          <a:fillRef idx="1">
+            <a:schemeClr val="accent4"/>
+          </a:fillRef>
+          <a:effectRef idx="0">
+            <a:schemeClr val="accent4"/>
+          </a:effectRef>
+          <a:fontRef idx="minor">
+            <a:schemeClr val="lt1"/>
+          </a:fontRef>
+        </p:style>
+        <p:txBody>
+          <a:bodyPr rtlCol="0" anchor="ctr"/>
+          <a:lstStyle/>
+          <a:p>
+            <a:pPr algn="ctr"/>
+            <a:endParaRPr lang="zh-CN" altLang="en-US"/>
+          </a:p>
+        </p:txBody>
+      </p:sp>
+    </p:spTree>
+    <p:extLst>
+      <p:ext uri="{BB962C8B-B14F-4D97-AF65-F5344CB8AC3E}">
+        <p14:creationId xmlns:p14="http://schemas.microsoft.com/office/powerpoint/2010/main" val="4030988893"/>
+      </p:ext>
+    </p:extLst>
+  </p:cSld>
+  <p:clrMapOvr>
+    <a:masterClrMapping/>
+  </p:clrMapOvr>
+</p:sld>
+</file>
+
 <file path=ppt/theme/theme1.xml><?xml version="1.0" encoding="utf-8"?>
 <a:theme xmlns:a="http://schemas.openxmlformats.org/drawingml/2006/main" name="Office 主题​​">
   <a:themeElements>
